--- a/Modelo version 2/Historial.pptx
+++ b/Modelo version 2/Historial.pptx
@@ -31,6 +31,10 @@
     <p:sldId id="274" r:id="rId26"/>
     <p:sldId id="275" r:id="rId27"/>
     <p:sldId id="276" r:id="rId28"/>
+    <p:sldId id="277" r:id="rId29"/>
+    <p:sldId id="278" r:id="rId30"/>
+    <p:sldId id="279" r:id="rId31"/>
+    <p:sldId id="280" r:id="rId32"/>
   </p:sldIdLst>
   <p:sldSz cx="10080625" cy="7559675"/>
   <p:notesSz cx="7559675" cy="10691812"/>
@@ -8252,14 +8256,14 @@
       </p:grpSpPr>
       <p:sp>
         <p:nvSpPr>
-          <p:cNvPr id="216" name="CustomShape 1"/>
-          <p:cNvSpPr/>
+          <p:cNvPr id="216" name="TextShape 1"/>
+          <p:cNvSpPr txBox="1"/>
           <p:nvPr/>
         </p:nvSpPr>
         <p:spPr>
           <a:xfrm>
             <a:off x="504000" y="301320"/>
-            <a:ext cx="9068400" cy="1258920"/>
+            <a:ext cx="9072000" cy="1261800"/>
           </a:xfrm>
           <a:prstGeom prst="rect">
             <a:avLst/>
@@ -8269,23 +8273,30 @@
             <a:noFill/>
           </a:ln>
         </p:spPr>
-        <p:style>
-          <a:lnRef idx="0"/>
-          <a:fillRef idx="0"/>
-          <a:effectRef idx="0"/>
-          <a:fontRef idx="minor"/>
-        </p:style>
-      </p:sp>
-      <p:sp>
-        <p:nvSpPr>
-          <p:cNvPr id="217" name="CustomShape 2"/>
-          <p:cNvSpPr/>
+        <p:txBody>
+          <a:bodyPr lIns="0" rIns="0" tIns="0" bIns="0" anchor="ctr"/>
+          <a:p>
+            <a:pPr algn="ctr"/>
+            <a:r>
+              <a:rPr lang="fr-FR" sz="4400" spc="-1">
+                <a:latin typeface="Arial"/>
+              </a:rPr>
+              <a:t>IPD con la matriz 1248</a:t>
+            </a:r>
+            <a:endParaRPr/>
+          </a:p>
+        </p:txBody>
+      </p:sp>
+      <p:sp>
+        <p:nvSpPr>
+          <p:cNvPr id="217" name="TextShape 2"/>
+          <p:cNvSpPr txBox="1"/>
           <p:nvPr/>
         </p:nvSpPr>
         <p:spPr>
           <a:xfrm>
-            <a:off x="504000" y="1769040"/>
-            <a:ext cx="9068400" cy="4381200"/>
+            <a:off x="504000" y="1768680"/>
+            <a:ext cx="9072000" cy="4384080"/>
           </a:xfrm>
           <a:prstGeom prst="rect">
             <a:avLst/>
@@ -8295,326 +8306,16 @@
             <a:noFill/>
           </a:ln>
         </p:spPr>
-        <p:style>
-          <a:lnRef idx="0"/>
-          <a:fillRef idx="0"/>
-          <a:effectRef idx="0"/>
-          <a:fontRef idx="minor"/>
-        </p:style>
-      </p:sp>
-      <p:sp>
-        <p:nvSpPr>
-          <p:cNvPr id="218" name="CustomShape 3"/>
-          <p:cNvSpPr/>
-          <p:nvPr/>
-        </p:nvSpPr>
-        <p:spPr>
-          <a:xfrm>
-            <a:off x="504000" y="301320"/>
-            <a:ext cx="9068400" cy="1258920"/>
-          </a:xfrm>
-          <a:prstGeom prst="rect">
-            <a:avLst/>
-          </a:prstGeom>
-          <a:noFill/>
-          <a:ln>
-            <a:noFill/>
-          </a:ln>
-        </p:spPr>
-        <p:style>
-          <a:lnRef idx="0"/>
-          <a:fillRef idx="0"/>
-          <a:effectRef idx="0"/>
-          <a:fontRef idx="minor"/>
-        </p:style>
         <p:txBody>
           <a:bodyPr lIns="0" rIns="0" tIns="0" bIns="0" anchor="ctr"/>
           <a:p>
-            <a:pPr algn="ctr">
-              <a:lnSpc>
-                <a:spcPct val="100000"/>
-              </a:lnSpc>
-            </a:pPr>
-            <a:r>
-              <a:rPr lang="fr-FR" sz="4400" spc="-1" strike="noStrike">
-                <a:solidFill>
-                  <a:srgbClr val="000000"/>
-                </a:solidFill>
-                <a:uFill>
-                  <a:solidFill>
-                    <a:srgbClr val="ffffff"/>
-                  </a:solidFill>
-                </a:uFill>
-                <a:latin typeface="Arial"/>
-                <a:ea typeface="DejaVu Sans"/>
-              </a:rPr>
-              <a:t>Constante de tiempo en el refuerzo</a:t>
-            </a:r>
-            <a:endParaRPr/>
-          </a:p>
-        </p:txBody>
-      </p:sp>
-      <p:sp>
-        <p:nvSpPr>
-          <p:cNvPr id="219" name="CustomShape 4"/>
-          <p:cNvSpPr/>
-          <p:nvPr/>
-        </p:nvSpPr>
-        <p:spPr>
-          <a:xfrm>
-            <a:off x="547920" y="1798200"/>
-            <a:ext cx="9068400" cy="4381200"/>
-          </a:xfrm>
-          <a:prstGeom prst="rect">
-            <a:avLst/>
-          </a:prstGeom>
-          <a:noFill/>
-          <a:ln>
-            <a:noFill/>
-          </a:ln>
-        </p:spPr>
-        <p:style>
-          <a:lnRef idx="0"/>
-          <a:fillRef idx="0"/>
-          <a:effectRef idx="0"/>
-          <a:fontRef idx="minor"/>
-        </p:style>
-        <p:txBody>
-          <a:bodyPr lIns="0" rIns="0" tIns="0" bIns="0"/>
-          <a:p>
-            <a:pPr marL="432000" indent="-321120">
-              <a:lnSpc>
-                <a:spcPct val="100000"/>
-              </a:lnSpc>
-              <a:buClr>
-                <a:srgbClr val="ffffff"/>
-              </a:buClr>
-              <a:buSzPct val="45000"/>
-              <a:buFont typeface="StarSymbol"/>
-              <a:buChar char="l"/>
-            </a:pPr>
-            <a:r>
-              <a:rPr lang="fr-FR" sz="1800" spc="-1" strike="noStrike">
-                <a:solidFill>
-                  <a:srgbClr val="000000"/>
-                </a:solidFill>
-                <a:uFill>
-                  <a:solidFill>
-                    <a:srgbClr val="ffffff"/>
-                  </a:solidFill>
-                </a:uFill>
-                <a:latin typeface="Arial"/>
-                <a:ea typeface="DejaVu Sans"/>
-              </a:rPr>
-              <a:t>Rf_1(i)=floor(10*(1-exp(-tau* 1 )))</a:t>
-            </a:r>
-            <a:endParaRPr/>
-          </a:p>
-          <a:p>
-            <a:pPr marL="432000" indent="-321120">
-              <a:lnSpc>
-                <a:spcPct val="100000"/>
-              </a:lnSpc>
-              <a:buClr>
-                <a:srgbClr val="ffffff"/>
-              </a:buClr>
-              <a:buSzPct val="45000"/>
-              <a:buFont typeface="StarSymbol"/>
-              <a:buChar char="l"/>
-            </a:pPr>
-            <a:r>
-              <a:rPr lang="fr-FR" sz="1800" spc="-1" strike="noStrike">
-                <a:solidFill>
-                  <a:srgbClr val="000000"/>
-                </a:solidFill>
-                <a:uFill>
-                  <a:solidFill>
-                    <a:srgbClr val="ffffff"/>
-                  </a:solidFill>
-                </a:uFill>
-                <a:latin typeface="Arial"/>
-                <a:ea typeface="DejaVu Sans"/>
-              </a:rPr>
-              <a:t>Rf_2(i)=floor(10*(1-exp(-tau* 2 )))</a:t>
-            </a:r>
-            <a:endParaRPr/>
-          </a:p>
-          <a:p>
-            <a:pPr marL="432000" indent="-321120">
-              <a:lnSpc>
-                <a:spcPct val="100000"/>
-              </a:lnSpc>
-              <a:buClr>
-                <a:srgbClr val="ffffff"/>
-              </a:buClr>
-              <a:buSzPct val="45000"/>
-              <a:buFont typeface="StarSymbol"/>
-              <a:buChar char="l"/>
-            </a:pPr>
-            <a:r>
-              <a:rPr lang="fr-FR" sz="1800" spc="-1" strike="noStrike">
-                <a:solidFill>
-                  <a:srgbClr val="000000"/>
-                </a:solidFill>
-                <a:uFill>
-                  <a:solidFill>
-                    <a:srgbClr val="ffffff"/>
-                  </a:solidFill>
-                </a:uFill>
-                <a:latin typeface="Arial"/>
-                <a:ea typeface="DejaVu Sans"/>
-              </a:rPr>
-              <a:t> </a:t>
-            </a:r>
-            <a:endParaRPr/>
-          </a:p>
-          <a:p>
-            <a:pPr marL="432000" indent="-321120">
-              <a:lnSpc>
-                <a:spcPct val="100000"/>
-              </a:lnSpc>
-              <a:buClr>
-                <a:srgbClr val="ffffff"/>
-              </a:buClr>
-              <a:buSzPct val="45000"/>
-              <a:buFont typeface="StarSymbol"/>
-              <a:buChar char="l"/>
-            </a:pPr>
-            <a:r>
-              <a:rPr lang="fr-FR" sz="1800" spc="-1" strike="noStrike">
-                <a:solidFill>
-                  <a:srgbClr val="000000"/>
-                </a:solidFill>
-                <a:uFill>
-                  <a:solidFill>
-                    <a:srgbClr val="ffffff"/>
-                  </a:solidFill>
-                </a:uFill>
-                <a:latin typeface="Arial"/>
-                <a:ea typeface="DejaVu Sans"/>
-              </a:rPr>
-              <a:t>Objectivo : encontrar un tau para que 2*Rf1 = Rf2</a:t>
-            </a:r>
-            <a:endParaRPr/>
-          </a:p>
-          <a:p>
-            <a:pPr marL="432000" indent="-321120">
-              <a:lnSpc>
-                <a:spcPct val="100000"/>
-              </a:lnSpc>
-              <a:buClr>
-                <a:srgbClr val="ffffff"/>
-              </a:buClr>
-              <a:buSzPct val="45000"/>
-              <a:buFont typeface="StarSymbol"/>
-              <a:buChar char="l"/>
-            </a:pPr>
-            <a:r>
-              <a:rPr lang="fr-FR" sz="1800" spc="-1" strike="noStrike">
-                <a:solidFill>
-                  <a:srgbClr val="000000"/>
-                </a:solidFill>
-                <a:uFill>
-                  <a:solidFill>
-                    <a:srgbClr val="ffffff"/>
-                  </a:solidFill>
-                </a:uFill>
-                <a:latin typeface="Arial"/>
-                <a:ea typeface="DejaVu Sans"/>
-              </a:rPr>
-              <a:t> </a:t>
-            </a:r>
-            <a:endParaRPr/>
-          </a:p>
-          <a:p>
-            <a:pPr marL="432000" indent="-321120">
-              <a:lnSpc>
-                <a:spcPct val="100000"/>
-              </a:lnSpc>
-              <a:buClr>
-                <a:srgbClr val="ffffff"/>
-              </a:buClr>
-              <a:buSzPct val="45000"/>
-              <a:buFont typeface="StarSymbol"/>
-              <a:buChar char="l"/>
-            </a:pPr>
-            <a:r>
-              <a:rPr lang="fr-FR" sz="1800" spc="-1" strike="noStrike">
-                <a:solidFill>
-                  <a:srgbClr val="000000"/>
-                </a:solidFill>
-                <a:uFill>
-                  <a:solidFill>
-                    <a:srgbClr val="ffffff"/>
-                  </a:solidFill>
-                </a:uFill>
-                <a:latin typeface="Arial"/>
-                <a:ea typeface="DejaVu Sans"/>
-              </a:rPr>
-              <a:t>Rf1 coresponde a la apreciación del refuerzo de la rata cuando recibe una pelota de comida </a:t>
-            </a:r>
-            <a:endParaRPr/>
-          </a:p>
-          <a:p>
-            <a:pPr marL="432000" indent="-321120">
-              <a:lnSpc>
-                <a:spcPct val="100000"/>
-              </a:lnSpc>
-              <a:buClr>
-                <a:srgbClr val="ffffff"/>
-              </a:buClr>
-              <a:buSzPct val="45000"/>
-              <a:buFont typeface="StarSymbol"/>
-              <a:buChar char="l"/>
-            </a:pPr>
-            <a:r>
-              <a:rPr lang="fr-FR" sz="1800" spc="-1" strike="noStrike">
-                <a:solidFill>
-                  <a:srgbClr val="000000"/>
-                </a:solidFill>
-                <a:uFill>
-                  <a:solidFill>
-                    <a:srgbClr val="ffffff"/>
-                  </a:solidFill>
-                </a:uFill>
-                <a:latin typeface="Arial"/>
-                <a:ea typeface="DejaVu Sans"/>
-              </a:rPr>
-              <a:t>Rf2 para 2 pelotas</a:t>
-            </a:r>
+            <a:pPr algn="ctr"/>
             <a:endParaRPr/>
           </a:p>
         </p:txBody>
       </p:sp>
     </p:spTree>
   </p:cSld>
-  <p:timing>
-    <p:tnLst>
-      <p:par>
-        <p:cTn id="1" dur="indefinite" restart="never" nodeType="tmRoot">
-          <p:childTnLst>
-            <p:seq>
-              <p:cTn id="2" nodeType="mainSeq"/>
-              <p:prevCondLst>
-                <p:cond delay="0" evt="onPrev">
-                  <p:tgtEl>
-                    <p:sldTgt/>
-                  </p:tgtEl>
-                </p:cond>
-              </p:prevCondLst>
-              <p:nextCondLst>
-                <p:cond delay="0" evt="onNext">
-                  <p:tgtEl>
-                    <p:sldTgt/>
-                  </p:tgtEl>
-                </p:cond>
-              </p:nextCondLst>
-            </p:seq>
-          </p:childTnLst>
-        </p:cTn>
-      </p:par>
-    </p:tnLst>
-  </p:timing>
 </p:sld>
 </file>
 
@@ -8635,38 +8336,219 @@
           <a:chExt cx="0" cy="0"/>
         </a:xfrm>
       </p:grpSpPr>
-      <p:pic>
-        <p:nvPicPr>
-          <p:cNvPr id="242" name="" descr=""/>
-          <p:cNvPicPr/>
+      <p:sp>
+        <p:nvSpPr>
+          <p:cNvPr id="242" name="CustomShape 1"/>
+          <p:cNvSpPr/>
           <p:nvPr/>
-        </p:nvPicPr>
-        <p:blipFill>
-          <a:blip r:embed="rId1"/>
-          <a:stretch/>
-        </p:blipFill>
-        <p:spPr>
-          <a:xfrm>
-            <a:off x="59400" y="1269000"/>
-            <a:ext cx="10080000" cy="5081040"/>
-          </a:xfrm>
-          <a:prstGeom prst="rect">
-            <a:avLst/>
-          </a:prstGeom>
+        </p:nvSpPr>
+        <p:spPr>
+          <a:xfrm>
+            <a:off x="504000" y="301320"/>
+            <a:ext cx="9070200" cy="1260000"/>
+          </a:xfrm>
+          <a:prstGeom prst="rect">
+            <a:avLst/>
+          </a:prstGeom>
+          <a:noFill/>
           <a:ln>
             <a:noFill/>
           </a:ln>
         </p:spPr>
-      </p:pic>
+        <p:style>
+          <a:lnRef idx="0"/>
+          <a:fillRef idx="0"/>
+          <a:effectRef idx="0"/>
+          <a:fontRef idx="minor"/>
+        </p:style>
+        <p:txBody>
+          <a:bodyPr lIns="0" rIns="0" tIns="0" bIns="0" anchor="ctr"/>
+          <a:p>
+            <a:pPr algn="ctr">
+              <a:lnSpc>
+                <a:spcPct val="100000"/>
+              </a:lnSpc>
+            </a:pPr>
+            <a:r>
+              <a:rPr lang="fr-FR" sz="4400" spc="-1" strike="noStrike">
+                <a:solidFill>
+                  <a:srgbClr val="000000"/>
+                </a:solidFill>
+                <a:uFill>
+                  <a:solidFill>
+                    <a:srgbClr val="ffffff"/>
+                  </a:solidFill>
+                </a:uFill>
+                <a:latin typeface="Arial"/>
+                <a:ea typeface="DejaVu Sans"/>
+              </a:rPr>
+              <a:t>Como calcular A1max y A2max</a:t>
+            </a:r>
+            <a:endParaRPr/>
+          </a:p>
+        </p:txBody>
+      </p:sp>
+      <p:sp>
+        <p:nvSpPr>
+          <p:cNvPr id="243" name="CustomShape 2"/>
+          <p:cNvSpPr/>
+          <p:nvPr/>
+        </p:nvSpPr>
+        <p:spPr>
+          <a:xfrm>
+            <a:off x="216000" y="1584000"/>
+            <a:ext cx="9358200" cy="2904120"/>
+          </a:xfrm>
+          <a:prstGeom prst="rect">
+            <a:avLst/>
+          </a:prstGeom>
+          <a:noFill/>
+          <a:ln>
+            <a:noFill/>
+          </a:ln>
+        </p:spPr>
+        <p:style>
+          <a:lnRef idx="0"/>
+          <a:fillRef idx="0"/>
+          <a:effectRef idx="0"/>
+          <a:fontRef idx="minor"/>
+        </p:style>
+        <p:txBody>
+          <a:bodyPr lIns="90000" rIns="90000" tIns="45000" bIns="45000"/>
+          <a:p>
+            <a:r>
+              <a:rPr lang="fr-FR" sz="1800" spc="-1" strike="noStrike">
+                <a:solidFill>
+                  <a:srgbClr val="000000"/>
+                </a:solidFill>
+                <a:uFill>
+                  <a:solidFill>
+                    <a:srgbClr val="ffffff"/>
+                  </a:solidFill>
+                </a:uFill>
+                <a:latin typeface="Arial"/>
+                <a:ea typeface="DejaVu Sans"/>
+              </a:rPr>
+              <a:t>Como calcular max1, min1 y max2 ?</a:t>
+            </a:r>
+            <a:endParaRPr/>
+          </a:p>
+          <a:p>
+            <a:endParaRPr/>
+          </a:p>
+          <a:p>
+            <a:r>
+              <a:rPr lang="fr-FR" sz="1800" spc="-1" strike="noStrike">
+                <a:solidFill>
+                  <a:srgbClr val="000000"/>
+                </a:solidFill>
+                <a:uFill>
+                  <a:solidFill>
+                    <a:srgbClr val="ffffff"/>
+                  </a:solidFill>
+                </a:uFill>
+                <a:latin typeface="Arial"/>
+                <a:ea typeface="DejaVu Sans"/>
+              </a:rPr>
+              <a:t>Crecimiento :</a:t>
+            </a:r>
+            <a:endParaRPr/>
+          </a:p>
+          <a:p>
+            <a:r>
+              <a:rPr lang="fr-FR" sz="1800" spc="-1" strike="noStrike">
+                <a:solidFill>
+                  <a:srgbClr val="000000"/>
+                </a:solidFill>
+                <a:uFill>
+                  <a:solidFill>
+                    <a:srgbClr val="ffffff"/>
+                  </a:solidFill>
+                </a:uFill>
+                <a:latin typeface="Arial"/>
+                <a:ea typeface="DejaVu Sans"/>
+              </a:rPr>
+              <a:t>Si stm(0) = a → stm(n) =  </a:t>
+            </a:r>
+            <a:endParaRPr/>
+          </a:p>
+          <a:p>
+            <a:endParaRPr/>
+          </a:p>
+          <a:p>
+            <a:r>
+              <a:rPr lang="fr-FR" sz="1800" spc="-1" strike="noStrike">
+                <a:solidFill>
+                  <a:srgbClr val="000000"/>
+                </a:solidFill>
+                <a:uFill>
+                  <a:solidFill>
+                    <a:srgbClr val="ffffff"/>
+                  </a:solidFill>
+                </a:uFill>
+                <a:latin typeface="Arial"/>
+                <a:ea typeface="DejaVu Sans"/>
+              </a:rPr>
+              <a:t>Decaimiento : </a:t>
+            </a:r>
+            <a:endParaRPr/>
+          </a:p>
+          <a:p>
+            <a:r>
+              <a:rPr lang="fr-FR" sz="1800" spc="-1" strike="noStrike">
+                <a:solidFill>
+                  <a:srgbClr val="000000"/>
+                </a:solidFill>
+                <a:uFill>
+                  <a:solidFill>
+                    <a:srgbClr val="ffffff"/>
+                  </a:solidFill>
+                </a:uFill>
+                <a:latin typeface="Arial"/>
+                <a:ea typeface="DejaVu Sans"/>
+              </a:rPr>
+              <a:t>Si stm(0) = b → stm(n) = b*(1-beta)^n</a:t>
+            </a:r>
+            <a:endParaRPr/>
+          </a:p>
+          <a:p>
+            <a:endParaRPr/>
+          </a:p>
+          <a:p>
+            <a:r>
+              <a:rPr lang="fr-FR" sz="1800" spc="-1" strike="noStrike">
+                <a:solidFill>
+                  <a:srgbClr val="000000"/>
+                </a:solidFill>
+                <a:uFill>
+                  <a:solidFill>
+                    <a:srgbClr val="ffffff"/>
+                  </a:solidFill>
+                </a:uFill>
+                <a:latin typeface="Arial"/>
+                <a:ea typeface="DejaVu Sans"/>
+              </a:rPr>
+              <a:t>Iteración : stm(5) → stm(25) → stm(30) → stm(50) → stm(55) → ,,,</a:t>
+            </a:r>
+            <a:endParaRPr/>
+          </a:p>
+          <a:p>
+            <a:endParaRPr/>
+          </a:p>
+          <a:p>
+            <a:endParaRPr/>
+          </a:p>
+        </p:txBody>
+      </p:sp>
     </p:spTree>
   </p:cSld>
   <p:timing>
     <p:tnLst>
       <p:par>
-        <p:cTn id="19" dur="indefinite" restart="never" nodeType="tmRoot">
+        <p:cTn id="17" dur="indefinite" restart="never" nodeType="tmRoot">
           <p:childTnLst>
             <p:seq>
-              <p:cTn id="20" nodeType="mainSeq"/>
+              <p:cTn id="18" nodeType="mainSeq"/>
               <p:prevCondLst>
                 <p:cond delay="0" evt="onPrev">
                   <p:tgtEl>
@@ -8709,7 +8591,7 @@
       </p:grpSpPr>
       <p:pic>
         <p:nvPicPr>
-          <p:cNvPr id="243" name="" descr=""/>
+          <p:cNvPr id="244" name="" descr=""/>
           <p:cNvPicPr/>
           <p:nvPr/>
         </p:nvPicPr>
@@ -8719,8 +8601,8 @@
         </p:blipFill>
         <p:spPr>
           <a:xfrm>
-            <a:off x="59400" y="1292040"/>
-            <a:ext cx="10080000" cy="5034960"/>
+            <a:off x="59400" y="1269000"/>
+            <a:ext cx="10080000" cy="5081040"/>
           </a:xfrm>
           <a:prstGeom prst="rect">
             <a:avLst/>
@@ -8735,10 +8617,10 @@
   <p:timing>
     <p:tnLst>
       <p:par>
-        <p:cTn id="21" dur="indefinite" restart="never" nodeType="tmRoot">
+        <p:cTn id="19" dur="indefinite" restart="never" nodeType="tmRoot">
           <p:childTnLst>
             <p:seq>
-              <p:cTn id="22" nodeType="mainSeq"/>
+              <p:cTn id="20" nodeType="mainSeq"/>
               <p:prevCondLst>
                 <p:cond delay="0" evt="onPrev">
                   <p:tgtEl>
@@ -8779,161 +8661,38 @@
           <a:chExt cx="0" cy="0"/>
         </a:xfrm>
       </p:grpSpPr>
-      <p:sp>
-        <p:nvSpPr>
-          <p:cNvPr id="244" name="CustomShape 1"/>
-          <p:cNvSpPr/>
+      <p:pic>
+        <p:nvPicPr>
+          <p:cNvPr id="245" name="" descr=""/>
+          <p:cNvPicPr/>
           <p:nvPr/>
-        </p:nvSpPr>
-        <p:spPr>
-          <a:xfrm>
-            <a:off x="504000" y="301320"/>
-            <a:ext cx="9068400" cy="1258920"/>
-          </a:xfrm>
-          <a:prstGeom prst="rect">
-            <a:avLst/>
-          </a:prstGeom>
-          <a:noFill/>
+        </p:nvPicPr>
+        <p:blipFill>
+          <a:blip r:embed="rId1"/>
+          <a:stretch/>
+        </p:blipFill>
+        <p:spPr>
+          <a:xfrm>
+            <a:off x="59400" y="1292040"/>
+            <a:ext cx="10080000" cy="5034960"/>
+          </a:xfrm>
+          <a:prstGeom prst="rect">
+            <a:avLst/>
+          </a:prstGeom>
           <a:ln>
             <a:noFill/>
           </a:ln>
         </p:spPr>
-        <p:style>
-          <a:lnRef idx="0"/>
-          <a:fillRef idx="0"/>
-          <a:effectRef idx="0"/>
-          <a:fontRef idx="minor"/>
-        </p:style>
-        <p:txBody>
-          <a:bodyPr lIns="0" rIns="0" tIns="0" bIns="0" anchor="ctr"/>
-          <a:p>
-            <a:pPr algn="ctr">
-              <a:lnSpc>
-                <a:spcPct val="100000"/>
-              </a:lnSpc>
-            </a:pPr>
-            <a:r>
-              <a:rPr lang="fr-FR" sz="4400" spc="-1" strike="noStrike">
-                <a:solidFill>
-                  <a:srgbClr val="000000"/>
-                </a:solidFill>
-                <a:uFill>
-                  <a:solidFill>
-                    <a:srgbClr val="ffffff"/>
-                  </a:solidFill>
-                </a:uFill>
-                <a:latin typeface="Arial"/>
-                <a:ea typeface="DejaVu Sans"/>
-              </a:rPr>
-              <a:t>Probabilidad</a:t>
-            </a:r>
-            <a:endParaRPr/>
-          </a:p>
-        </p:txBody>
-      </p:sp>
-      <p:sp>
-        <p:nvSpPr>
-          <p:cNvPr id="245" name="CustomShape 2"/>
-          <p:cNvSpPr/>
-          <p:nvPr/>
-        </p:nvSpPr>
-        <p:spPr>
-          <a:xfrm>
-            <a:off x="504000" y="1769040"/>
-            <a:ext cx="9068400" cy="4381200"/>
-          </a:xfrm>
-          <a:prstGeom prst="rect">
-            <a:avLst/>
-          </a:prstGeom>
-          <a:noFill/>
-          <a:ln>
-            <a:noFill/>
-          </a:ln>
-        </p:spPr>
-        <p:style>
-          <a:lnRef idx="0"/>
-          <a:fillRef idx="0"/>
-          <a:effectRef idx="0"/>
-          <a:fontRef idx="minor"/>
-        </p:style>
-      </p:sp>
-      <p:sp>
-        <p:nvSpPr>
-          <p:cNvPr id="246" name="CustomShape 3"/>
-          <p:cNvSpPr/>
-          <p:nvPr/>
-        </p:nvSpPr>
-        <p:spPr>
-          <a:xfrm>
-            <a:off x="288000" y="1584000"/>
-            <a:ext cx="9358200" cy="856440"/>
-          </a:xfrm>
-          <a:prstGeom prst="rect">
-            <a:avLst/>
-          </a:prstGeom>
-          <a:noFill/>
-          <a:ln>
-            <a:noFill/>
-          </a:ln>
-        </p:spPr>
-        <p:style>
-          <a:lnRef idx="0"/>
-          <a:fillRef idx="0"/>
-          <a:effectRef idx="0"/>
-          <a:fontRef idx="minor"/>
-        </p:style>
-        <p:txBody>
-          <a:bodyPr lIns="90000" rIns="90000" tIns="45000" bIns="45000"/>
-          <a:p>
-            <a:r>
-              <a:rPr lang="fr-FR" sz="1800" spc="-1" strike="noStrike">
-                <a:solidFill>
-                  <a:srgbClr val="000000"/>
-                </a:solidFill>
-                <a:uFill>
-                  <a:solidFill>
-                    <a:srgbClr val="ffffff"/>
-                  </a:solidFill>
-                </a:uFill>
-                <a:latin typeface="Arial"/>
-                <a:ea typeface="DejaVu Sans"/>
-              </a:rPr>
-              <a:t>Probabilidad en recta :</a:t>
-            </a:r>
-            <a:endParaRPr/>
-          </a:p>
-          <a:p>
-            <a:endParaRPr/>
-          </a:p>
-          <a:p>
-            <a:r>
-              <a:rPr lang="fr-FR" sz="1800" spc="-1" strike="noStrike">
-                <a:solidFill>
-                  <a:srgbClr val="000000"/>
-                </a:solidFill>
-                <a:uFill>
-                  <a:solidFill>
-                    <a:srgbClr val="ffffff"/>
-                  </a:solidFill>
-                </a:uFill>
-                <a:latin typeface="Arial"/>
-                <a:ea typeface="DejaVu Sans"/>
-              </a:rPr>
-              <a:t>Probabilidad en exponential : </a:t>
-            </a:r>
-            <a:endParaRPr/>
-          </a:p>
-        </p:txBody>
-      </p:sp>
+      </p:pic>
     </p:spTree>
   </p:cSld>
   <p:timing>
     <p:tnLst>
       <p:par>
-        <p:cTn id="23" dur="indefinite" restart="never" nodeType="tmRoot">
+        <p:cTn id="21" dur="indefinite" restart="never" nodeType="tmRoot">
           <p:childTnLst>
             <p:seq>
-              <p:cTn id="24" nodeType="mainSeq"/>
+              <p:cTn id="22" nodeType="mainSeq"/>
               <p:prevCondLst>
                 <p:cond delay="0" evt="onPrev">
                   <p:tgtEl>
@@ -8976,7 +8735,7 @@
       </p:grpSpPr>
       <p:sp>
         <p:nvSpPr>
-          <p:cNvPr id="247" name="CustomShape 1"/>
+          <p:cNvPr id="246" name="CustomShape 1"/>
           <p:cNvSpPr/>
           <p:nvPr/>
         </p:nvSpPr>
@@ -9020,15 +8779,15 @@
                 <a:latin typeface="Arial"/>
                 <a:ea typeface="DejaVu Sans"/>
               </a:rPr>
-              <a:t>Pruebas sobre diferentes Beta, Gamma, saving</a:t>
-            </a:r>
-            <a:endParaRPr/>
-          </a:p>
-        </p:txBody>
-      </p:sp>
-      <p:sp>
-        <p:nvSpPr>
-          <p:cNvPr id="248" name="CustomShape 2"/>
+              <a:t>Probabilidad</a:t>
+            </a:r>
+            <a:endParaRPr/>
+          </a:p>
+        </p:txBody>
+      </p:sp>
+      <p:sp>
+        <p:nvSpPr>
+          <p:cNvPr id="247" name="CustomShape 2"/>
           <p:cNvSpPr/>
           <p:nvPr/>
         </p:nvSpPr>
@@ -9054,14 +8813,14 @@
       </p:sp>
       <p:sp>
         <p:nvSpPr>
-          <p:cNvPr id="249" name="CustomShape 3"/>
+          <p:cNvPr id="248" name="CustomShape 3"/>
           <p:cNvSpPr/>
           <p:nvPr/>
         </p:nvSpPr>
         <p:spPr>
           <a:xfrm>
-            <a:off x="576000" y="3261960"/>
-            <a:ext cx="8135640" cy="2393640"/>
+            <a:off x="288000" y="1584000"/>
+            <a:ext cx="9358200" cy="856440"/>
           </a:xfrm>
           <a:prstGeom prst="rect">
             <a:avLst/>
@@ -9082,126 +8841,183 @@
           <a:p>
             <a:r>
               <a:rPr lang="fr-FR" sz="1800" spc="-1" strike="noStrike">
-                <a:uFill>
-                  <a:solidFill>
-                    <a:srgbClr val="ffffff"/>
-                  </a:solidFill>
-                </a:uFill>
-                <a:latin typeface="Arial"/>
-              </a:rPr>
-              <a:t>alphaAP = 0.5 ;</a:t>
-            </a:r>
-            <a:endParaRPr/>
-          </a:p>
-          <a:p>
-            <a:r>
-              <a:rPr lang="fr-FR" sz="1800" spc="-1" strike="noStrike">
-                <a:uFill>
-                  <a:solidFill>
-                    <a:srgbClr val="ffffff"/>
-                  </a:solidFill>
-                </a:uFill>
-                <a:latin typeface="Arial"/>
-              </a:rPr>
-              <a:t>betaAP  = 0.125 ;</a:t>
-            </a:r>
-            <a:endParaRPr/>
-          </a:p>
-          <a:p>
-            <a:r>
-              <a:rPr lang="fr-FR" sz="1800" spc="-1" strike="noStrike">
-                <a:uFill>
-                  <a:solidFill>
-                    <a:srgbClr val="ffffff"/>
-                  </a:solidFill>
-                </a:uFill>
-                <a:latin typeface="Arial"/>
-              </a:rPr>
-              <a:t>alphaAV = 0.25 ;</a:t>
-            </a:r>
-            <a:endParaRPr/>
-          </a:p>
-          <a:p>
-            <a:r>
-              <a:rPr lang="fr-FR" sz="1800" spc="-1" strike="noStrike">
-                <a:uFill>
-                  <a:solidFill>
-                    <a:srgbClr val="ffffff"/>
-                  </a:solidFill>
-                </a:uFill>
-                <a:latin typeface="Arial"/>
-              </a:rPr>
-              <a:t>betaAV  = 0.125 ;</a:t>
-            </a:r>
-            <a:endParaRPr/>
-          </a:p>
-          <a:p>
-            <a:r>
-              <a:rPr lang="fr-FR" sz="1800" spc="-1" strike="noStrike">
-                <a:uFill>
-                  <a:solidFill>
-                    <a:srgbClr val="ffffff"/>
-                  </a:solidFill>
-                </a:uFill>
-                <a:latin typeface="Arial"/>
-              </a:rPr>
-              <a:t>gamma = 0.0067; </a:t>
-            </a:r>
-            <a:endParaRPr/>
-          </a:p>
-          <a:p>
-            <a:r>
-              <a:rPr lang="fr-FR" sz="1800" spc="-1" strike="noStrike">
-                <a:uFill>
-                  <a:solidFill>
-                    <a:srgbClr val="ffffff"/>
-                  </a:solidFill>
-                </a:uFill>
-                <a:latin typeface="Arial"/>
-              </a:rPr>
-              <a:t>deltaAP = 0.5 ;</a:t>
-            </a:r>
-            <a:endParaRPr/>
-          </a:p>
-          <a:p>
-            <a:r>
-              <a:rPr lang="fr-FR" sz="1800" spc="-1" strike="noStrike">
-                <a:uFill>
-                  <a:solidFill>
-                    <a:srgbClr val="ffffff"/>
-                  </a:solidFill>
-                </a:uFill>
-                <a:latin typeface="Arial"/>
-              </a:rPr>
-              <a:t>deltaAV = 0.125 ;</a:t>
-            </a:r>
-            <a:endParaRPr/>
-          </a:p>
-          <a:p>
-            <a:r>
-              <a:rPr lang="fr-FR" sz="1800" spc="-1" strike="noStrike">
-                <a:uFill>
-                  <a:solidFill>
-                    <a:srgbClr val="ffffff"/>
-                  </a:solidFill>
-                </a:uFill>
-                <a:latin typeface="Arial"/>
-              </a:rPr>
-              <a:t>deltaAV2 = 0.25 ;</a:t>
-            </a:r>
-            <a:endParaRPr/>
-          </a:p>
-          <a:p>
-            <a:r>
-              <a:rPr lang="fr-FR" sz="1800" spc="-1" strike="noStrike">
-                <a:uFill>
-                  <a:solidFill>
-                    <a:srgbClr val="ffffff"/>
-                  </a:solidFill>
-                </a:uFill>
-                <a:latin typeface="Arial"/>
-              </a:rPr>
-              <a:t>saving = 0,8 ;</a:t>
+                <a:solidFill>
+                  <a:srgbClr val="000000"/>
+                </a:solidFill>
+                <a:uFill>
+                  <a:solidFill>
+                    <a:srgbClr val="ffffff"/>
+                  </a:solidFill>
+                </a:uFill>
+                <a:latin typeface="Arial"/>
+                <a:ea typeface="DejaVu Sans"/>
+              </a:rPr>
+              <a:t>Probabilidad en recta :</a:t>
+            </a:r>
+            <a:endParaRPr/>
+          </a:p>
+          <a:p>
+            <a:r>
+              <a:rPr lang="fr-FR" sz="1800" spc="-1" strike="noStrike">
+                <a:solidFill>
+                  <a:srgbClr val="000000"/>
+                </a:solidFill>
+                <a:uFill>
+                  <a:solidFill>
+                    <a:srgbClr val="ffffff"/>
+                  </a:solidFill>
+                </a:uFill>
+                <a:latin typeface="Arial"/>
+                <a:ea typeface="DejaVu Sans"/>
+              </a:rPr>
+              <a:t>        </a:t>
+            </a:r>
+            <a:r>
+              <a:rPr lang="fr-FR" sz="1800" spc="-1" strike="noStrike">
+                <a:solidFill>
+                  <a:srgbClr val="000000"/>
+                </a:solidFill>
+                <a:uFill>
+                  <a:solidFill>
+                    <a:srgbClr val="ffffff"/>
+                  </a:solidFill>
+                </a:uFill>
+                <a:latin typeface="Arial"/>
+                <a:ea typeface="DejaVu Sans"/>
+              </a:rPr>
+              <a:t>P1(i,k)=0.5*((A1((j-1)+Num,l)/A1max)+1)</a:t>
+            </a:r>
+            <a:endParaRPr/>
+          </a:p>
+          <a:p>
+            <a:r>
+              <a:rPr lang="fr-FR" sz="1800" spc="-1" strike="noStrike">
+                <a:solidFill>
+                  <a:srgbClr val="000000"/>
+                </a:solidFill>
+                <a:uFill>
+                  <a:solidFill>
+                    <a:srgbClr val="ffffff"/>
+                  </a:solidFill>
+                </a:uFill>
+                <a:latin typeface="Arial"/>
+                <a:ea typeface="DejaVu Sans"/>
+              </a:rPr>
+              <a:t>        </a:t>
+            </a:r>
+            <a:r>
+              <a:rPr lang="fr-FR" sz="1800" spc="-1" strike="noStrike">
+                <a:solidFill>
+                  <a:srgbClr val="000000"/>
+                </a:solidFill>
+                <a:uFill>
+                  <a:solidFill>
+                    <a:srgbClr val="ffffff"/>
+                  </a:solidFill>
+                </a:uFill>
+                <a:latin typeface="Arial"/>
+                <a:ea typeface="DejaVu Sans"/>
+              </a:rPr>
+              <a:t>P2(i,k)=0.5*((A2((j-1)+Num,l)/A2max)+1)</a:t>
+            </a:r>
+            <a:endParaRPr/>
+          </a:p>
+          <a:p>
+            <a:endParaRPr/>
+          </a:p>
+          <a:p>
+            <a:endParaRPr/>
+          </a:p>
+          <a:p>
+            <a:endParaRPr/>
+          </a:p>
+          <a:p>
+            <a:endParaRPr/>
+          </a:p>
+          <a:p>
+            <a:endParaRPr/>
+          </a:p>
+          <a:p>
+            <a:r>
+              <a:rPr lang="fr-FR" sz="1800" spc="-1" strike="noStrike">
+                <a:solidFill>
+                  <a:srgbClr val="000000"/>
+                </a:solidFill>
+                <a:uFill>
+                  <a:solidFill>
+                    <a:srgbClr val="ffffff"/>
+                  </a:solidFill>
+                </a:uFill>
+                <a:latin typeface="Arial"/>
+                <a:ea typeface="DejaVu Sans"/>
+              </a:rPr>
+              <a:t>Probabilidad en exponential : </a:t>
+            </a:r>
+            <a:endParaRPr/>
+          </a:p>
+          <a:p>
+            <a:r>
+              <a:rPr lang="fr-FR" sz="1800" spc="-1" strike="noStrike">
+                <a:solidFill>
+                  <a:srgbClr val="000000"/>
+                </a:solidFill>
+                <a:uFill>
+                  <a:solidFill>
+                    <a:srgbClr val="ffffff"/>
+                  </a:solidFill>
+                </a:uFill>
+                <a:latin typeface="Arial"/>
+                <a:ea typeface="DejaVu Sans"/>
+              </a:rPr>
+              <a:t>        </a:t>
+            </a:r>
+            <a:r>
+              <a:rPr lang="fr-FR" sz="1800" spc="-1" strike="noStrike">
+                <a:solidFill>
+                  <a:srgbClr val="000000"/>
+                </a:solidFill>
+                <a:uFill>
+                  <a:solidFill>
+                    <a:srgbClr val="ffffff"/>
+                  </a:solidFill>
+                </a:uFill>
+                <a:latin typeface="Arial"/>
+                <a:ea typeface="DejaVu Sans"/>
+              </a:rPr>
+              <a:t>P1(i,k)=0.5*(1-exp(-(5*A1((j-1)+Num,l))/A1max))+0.5</a:t>
+            </a:r>
+            <a:endParaRPr/>
+          </a:p>
+          <a:p>
+            <a:r>
+              <a:rPr lang="fr-FR" sz="1800" spc="-1" strike="noStrike">
+                <a:solidFill>
+                  <a:srgbClr val="000000"/>
+                </a:solidFill>
+                <a:uFill>
+                  <a:solidFill>
+                    <a:srgbClr val="ffffff"/>
+                  </a:solidFill>
+                </a:uFill>
+                <a:latin typeface="Arial"/>
+                <a:ea typeface="DejaVu Sans"/>
+              </a:rPr>
+              <a:t>        </a:t>
+            </a:r>
+            <a:r>
+              <a:rPr lang="fr-FR" sz="1800" spc="-1" strike="noStrike">
+                <a:solidFill>
+                  <a:srgbClr val="000000"/>
+                </a:solidFill>
+                <a:uFill>
+                  <a:solidFill>
+                    <a:srgbClr val="ffffff"/>
+                  </a:solidFill>
+                </a:uFill>
+                <a:latin typeface="Arial"/>
+                <a:ea typeface="DejaVu Sans"/>
+              </a:rPr>
+              <a:t>P2(i,k)=0.5*(1-exp(-(5*A2((j-1)+Num,l))/A2max))+0.5</a:t>
             </a:r>
             <a:endParaRPr/>
           </a:p>
@@ -9212,10 +9028,10 @@
   <p:timing>
     <p:tnLst>
       <p:par>
-        <p:cTn id="25" dur="indefinite" restart="never" nodeType="tmRoot">
+        <p:cTn id="23" dur="indefinite" restart="never" nodeType="tmRoot">
           <p:childTnLst>
             <p:seq>
-              <p:cTn id="26" nodeType="mainSeq"/>
+              <p:cTn id="24" nodeType="mainSeq"/>
               <p:prevCondLst>
                 <p:cond delay="0" evt="onPrev">
                   <p:tgtEl>
@@ -9256,38 +9072,119 @@
           <a:chExt cx="0" cy="0"/>
         </a:xfrm>
       </p:grpSpPr>
-      <p:pic>
-        <p:nvPicPr>
-          <p:cNvPr id="250" name="" descr=""/>
-          <p:cNvPicPr/>
+      <p:sp>
+        <p:nvSpPr>
+          <p:cNvPr id="249" name="CustomShape 1"/>
+          <p:cNvSpPr/>
           <p:nvPr/>
-        </p:nvPicPr>
-        <p:blipFill>
-          <a:blip r:embed="rId1"/>
-          <a:stretch/>
-        </p:blipFill>
-        <p:spPr>
-          <a:xfrm>
-            <a:off x="59400" y="1319400"/>
-            <a:ext cx="10080000" cy="4980240"/>
-          </a:xfrm>
-          <a:prstGeom prst="rect">
-            <a:avLst/>
-          </a:prstGeom>
+        </p:nvSpPr>
+        <p:spPr>
+          <a:xfrm>
+            <a:off x="504000" y="301320"/>
+            <a:ext cx="9068400" cy="1258920"/>
+          </a:xfrm>
+          <a:prstGeom prst="rect">
+            <a:avLst/>
+          </a:prstGeom>
+          <a:noFill/>
           <a:ln>
             <a:noFill/>
           </a:ln>
         </p:spPr>
-      </p:pic>
+        <p:style>
+          <a:lnRef idx="0"/>
+          <a:fillRef idx="0"/>
+          <a:effectRef idx="0"/>
+          <a:fontRef idx="minor"/>
+        </p:style>
+        <p:txBody>
+          <a:bodyPr lIns="0" rIns="0" tIns="0" bIns="0" anchor="ctr"/>
+          <a:p>
+            <a:pPr algn="ctr">
+              <a:lnSpc>
+                <a:spcPct val="100000"/>
+              </a:lnSpc>
+            </a:pPr>
+            <a:r>
+              <a:rPr lang="fr-FR" sz="4400" spc="-1" strike="noStrike">
+                <a:solidFill>
+                  <a:srgbClr val="000000"/>
+                </a:solidFill>
+                <a:uFill>
+                  <a:solidFill>
+                    <a:srgbClr val="ffffff"/>
+                  </a:solidFill>
+                </a:uFill>
+                <a:latin typeface="Arial"/>
+                <a:ea typeface="DejaVu Sans"/>
+              </a:rPr>
+              <a:t>Pruebas sobre diferentes Beta, Gamma, saving</a:t>
+            </a:r>
+            <a:endParaRPr/>
+          </a:p>
+        </p:txBody>
+      </p:sp>
+      <p:sp>
+        <p:nvSpPr>
+          <p:cNvPr id="250" name="CustomShape 2"/>
+          <p:cNvSpPr/>
+          <p:nvPr/>
+        </p:nvSpPr>
+        <p:spPr>
+          <a:xfrm>
+            <a:off x="504000" y="1769040"/>
+            <a:ext cx="9068400" cy="4381200"/>
+          </a:xfrm>
+          <a:prstGeom prst="rect">
+            <a:avLst/>
+          </a:prstGeom>
+          <a:noFill/>
+          <a:ln>
+            <a:noFill/>
+          </a:ln>
+        </p:spPr>
+        <p:style>
+          <a:lnRef idx="0"/>
+          <a:fillRef idx="0"/>
+          <a:effectRef idx="0"/>
+          <a:fontRef idx="minor"/>
+        </p:style>
+      </p:sp>
+      <p:sp>
+        <p:nvSpPr>
+          <p:cNvPr id="251" name="CustomShape 3"/>
+          <p:cNvSpPr/>
+          <p:nvPr/>
+        </p:nvSpPr>
+        <p:spPr>
+          <a:xfrm>
+            <a:off x="576000" y="3261960"/>
+            <a:ext cx="8135640" cy="2393640"/>
+          </a:xfrm>
+          <a:prstGeom prst="rect">
+            <a:avLst/>
+          </a:prstGeom>
+          <a:noFill/>
+          <a:ln>
+            <a:noFill/>
+          </a:ln>
+        </p:spPr>
+        <p:style>
+          <a:lnRef idx="0"/>
+          <a:fillRef idx="0"/>
+          <a:effectRef idx="0"/>
+          <a:fontRef idx="minor"/>
+        </p:style>
+      </p:sp>
     </p:spTree>
   </p:cSld>
   <p:timing>
     <p:tnLst>
       <p:par>
-        <p:cTn id="27" dur="indefinite" restart="never" nodeType="tmRoot">
+        <p:cTn id="25" dur="indefinite" restart="never" nodeType="tmRoot">
           <p:childTnLst>
             <p:seq>
-              <p:cTn id="28" nodeType="mainSeq"/>
+              <p:cTn id="26" nodeType="mainSeq"/>
               <p:prevCondLst>
                 <p:cond delay="0" evt="onPrev">
                   <p:tgtEl>
@@ -9328,16 +9225,39 @@
           <a:chExt cx="0" cy="0"/>
         </a:xfrm>
       </p:grpSpPr>
-      <p:sp>
-        <p:nvSpPr>
-          <p:cNvPr id="251" name="CustomShape 1"/>
-          <p:cNvSpPr/>
+      <p:pic>
+        <p:nvPicPr>
+          <p:cNvPr id="252" name="" descr=""/>
+          <p:cNvPicPr/>
           <p:nvPr/>
-        </p:nvSpPr>
-        <p:spPr>
-          <a:xfrm>
-            <a:off x="504000" y="301320"/>
-            <a:ext cx="9068400" cy="1258920"/>
+        </p:nvPicPr>
+        <p:blipFill>
+          <a:blip r:embed="rId1"/>
+          <a:stretch/>
+        </p:blipFill>
+        <p:spPr>
+          <a:xfrm>
+            <a:off x="0" y="2579400"/>
+            <a:ext cx="10080000" cy="4980240"/>
+          </a:xfrm>
+          <a:prstGeom prst="rect">
+            <a:avLst/>
+          </a:prstGeom>
+          <a:ln>
+            <a:noFill/>
+          </a:ln>
+        </p:spPr>
+      </p:pic>
+      <p:sp>
+        <p:nvSpPr>
+          <p:cNvPr id="253" name="TextShape 1"/>
+          <p:cNvSpPr txBox="1"/>
+          <p:nvPr/>
+        </p:nvSpPr>
+        <p:spPr>
+          <a:xfrm>
+            <a:off x="216000" y="144000"/>
+            <a:ext cx="9000000" cy="2397240"/>
           </a:xfrm>
           <a:prstGeom prst="rect">
             <a:avLst/>
@@ -9347,90 +9267,6 @@
             <a:noFill/>
           </a:ln>
         </p:spPr>
-        <p:style>
-          <a:lnRef idx="0"/>
-          <a:fillRef idx="0"/>
-          <a:effectRef idx="0"/>
-          <a:fontRef idx="minor"/>
-        </p:style>
-        <p:txBody>
-          <a:bodyPr lIns="0" rIns="0" tIns="0" bIns="0" anchor="ctr"/>
-          <a:p>
-            <a:pPr algn="ctr">
-              <a:lnSpc>
-                <a:spcPct val="100000"/>
-              </a:lnSpc>
-            </a:pPr>
-            <a:r>
-              <a:rPr lang="fr-FR" sz="4400" spc="-1" strike="noStrike">
-                <a:solidFill>
-                  <a:srgbClr val="000000"/>
-                </a:solidFill>
-                <a:uFill>
-                  <a:solidFill>
-                    <a:srgbClr val="ffffff"/>
-                  </a:solidFill>
-                </a:uFill>
-                <a:latin typeface="Arial"/>
-                <a:ea typeface="DejaVu Sans"/>
-              </a:rPr>
-              <a:t>Pruebas sobre diferentes Beta, Gamma, saving</a:t>
-            </a:r>
-            <a:endParaRPr/>
-          </a:p>
-        </p:txBody>
-      </p:sp>
-      <p:sp>
-        <p:nvSpPr>
-          <p:cNvPr id="252" name="CustomShape 2"/>
-          <p:cNvSpPr/>
-          <p:nvPr/>
-        </p:nvSpPr>
-        <p:spPr>
-          <a:xfrm>
-            <a:off x="504000" y="1769040"/>
-            <a:ext cx="9068400" cy="4381200"/>
-          </a:xfrm>
-          <a:prstGeom prst="rect">
-            <a:avLst/>
-          </a:prstGeom>
-          <a:noFill/>
-          <a:ln>
-            <a:noFill/>
-          </a:ln>
-        </p:spPr>
-        <p:style>
-          <a:lnRef idx="0"/>
-          <a:fillRef idx="0"/>
-          <a:effectRef idx="0"/>
-          <a:fontRef idx="minor"/>
-        </p:style>
-      </p:sp>
-      <p:sp>
-        <p:nvSpPr>
-          <p:cNvPr id="253" name="CustomShape 3"/>
-          <p:cNvSpPr/>
-          <p:nvPr/>
-        </p:nvSpPr>
-        <p:spPr>
-          <a:xfrm>
-            <a:off x="576000" y="3261960"/>
-            <a:ext cx="8135640" cy="2393640"/>
-          </a:xfrm>
-          <a:prstGeom prst="rect">
-            <a:avLst/>
-          </a:prstGeom>
-          <a:noFill/>
-          <a:ln>
-            <a:noFill/>
-          </a:ln>
-        </p:spPr>
-        <p:style>
-          <a:lnRef idx="0"/>
-          <a:fillRef idx="0"/>
-          <a:effectRef idx="0"/>
-          <a:fontRef idx="minor"/>
-        </p:style>
         <p:txBody>
           <a:bodyPr lIns="90000" rIns="90000" tIns="45000" bIns="45000"/>
           <a:p>
@@ -9445,19 +9281,129 @@
               </a:rPr>
               <a:t>alphaAP = 0.5 ;</a:t>
             </a:r>
-            <a:endParaRPr/>
-          </a:p>
-          <a:p>
-            <a:r>
-              <a:rPr lang="fr-FR" sz="1800" spc="-1" strike="noStrike">
-                <a:uFill>
-                  <a:solidFill>
-                    <a:srgbClr val="ffffff"/>
-                  </a:solidFill>
-                </a:uFill>
-                <a:latin typeface="Arial"/>
-              </a:rPr>
-              <a:t>betaAP  = 0.25 ;</a:t>
+            <a:r>
+              <a:rPr lang="fr-FR" sz="1800" spc="-1" strike="noStrike">
+                <a:uFill>
+                  <a:solidFill>
+                    <a:srgbClr val="ffffff"/>
+                  </a:solidFill>
+                </a:uFill>
+                <a:latin typeface="Arial"/>
+              </a:rPr>
+              <a:t>	</a:t>
+            </a:r>
+            <a:r>
+              <a:rPr lang="fr-FR" sz="1800" spc="-1" strike="noStrike">
+                <a:uFill>
+                  <a:solidFill>
+                    <a:srgbClr val="ffffff"/>
+                  </a:solidFill>
+                </a:uFill>
+                <a:latin typeface="Arial"/>
+              </a:rPr>
+              <a:t>	</a:t>
+            </a:r>
+            <a:r>
+              <a:rPr lang="fr-FR" sz="1800" spc="-1" strike="noStrike">
+                <a:uFill>
+                  <a:solidFill>
+                    <a:srgbClr val="ffffff"/>
+                  </a:solidFill>
+                </a:uFill>
+                <a:latin typeface="Arial"/>
+              </a:rPr>
+              <a:t>	</a:t>
+            </a:r>
+            <a:r>
+              <a:rPr lang="fr-FR" sz="1800" spc="-1" strike="noStrike">
+                <a:uFill>
+                  <a:solidFill>
+                    <a:srgbClr val="ffffff"/>
+                  </a:solidFill>
+                </a:uFill>
+                <a:latin typeface="Arial"/>
+              </a:rPr>
+              <a:t>	</a:t>
+            </a:r>
+            <a:r>
+              <a:rPr lang="fr-FR" sz="1800" spc="-1" strike="noStrike">
+                <a:uFill>
+                  <a:solidFill>
+                    <a:srgbClr val="ffffff"/>
+                  </a:solidFill>
+                </a:uFill>
+                <a:latin typeface="Arial"/>
+              </a:rPr>
+              <a:t>gamma = 0.0067;</a:t>
+            </a:r>
+            <a:endParaRPr/>
+          </a:p>
+          <a:p>
+            <a:r>
+              <a:rPr lang="fr-FR" sz="1800" spc="-1" strike="noStrike">
+                <a:uFill>
+                  <a:solidFill>
+                    <a:srgbClr val="ffffff"/>
+                  </a:solidFill>
+                </a:uFill>
+                <a:latin typeface="Arial"/>
+              </a:rPr>
+              <a:t>betaAP  = 0.125 ;</a:t>
+            </a:r>
+            <a:r>
+              <a:rPr lang="fr-FR" sz="1800" spc="-1" strike="noStrike">
+                <a:uFill>
+                  <a:solidFill>
+                    <a:srgbClr val="ffffff"/>
+                  </a:solidFill>
+                </a:uFill>
+                <a:latin typeface="Arial"/>
+              </a:rPr>
+              <a:t>	</a:t>
+            </a:r>
+            <a:r>
+              <a:rPr lang="fr-FR" sz="1800" spc="-1" strike="noStrike">
+                <a:uFill>
+                  <a:solidFill>
+                    <a:srgbClr val="ffffff"/>
+                  </a:solidFill>
+                </a:uFill>
+                <a:latin typeface="Arial"/>
+              </a:rPr>
+              <a:t>	</a:t>
+            </a:r>
+            <a:r>
+              <a:rPr lang="fr-FR" sz="1800" spc="-1" strike="noStrike">
+                <a:uFill>
+                  <a:solidFill>
+                    <a:srgbClr val="ffffff"/>
+                  </a:solidFill>
+                </a:uFill>
+                <a:latin typeface="Arial"/>
+              </a:rPr>
+              <a:t>	</a:t>
+            </a:r>
+            <a:r>
+              <a:rPr lang="fr-FR" sz="1800" spc="-1" strike="noStrike">
+                <a:uFill>
+                  <a:solidFill>
+                    <a:srgbClr val="ffffff"/>
+                  </a:solidFill>
+                </a:uFill>
+                <a:latin typeface="Arial"/>
+              </a:rPr>
+              <a:t>	</a:t>
+            </a:r>
+            <a:r>
+              <a:rPr lang="fr-FR" sz="1800" spc="-1" strike="noStrike">
+                <a:uFill>
+                  <a:solidFill>
+                    <a:srgbClr val="ffffff"/>
+                  </a:solidFill>
+                </a:uFill>
+                <a:latin typeface="Arial"/>
+              </a:rPr>
+              <a:t>deltaAP = 0.5 ;</a:t>
             </a:r>
             <a:endParaRPr/>
           </a:p>
@@ -9473,51 +9419,50 @@
               </a:rPr>
               <a:t>alphaAV = 0.25 ;</a:t>
             </a:r>
-            <a:endParaRPr/>
-          </a:p>
-          <a:p>
-            <a:r>
-              <a:rPr lang="fr-FR" sz="1800" spc="-1" strike="noStrike">
-                <a:uFill>
-                  <a:solidFill>
-                    <a:srgbClr val="ffffff"/>
-                  </a:solidFill>
-                </a:uFill>
-                <a:latin typeface="Arial"/>
-              </a:rPr>
-              <a:t>betaAV  = 0.25 ;</a:t>
-            </a:r>
-            <a:endParaRPr/>
-          </a:p>
-          <a:p>
-            <a:r>
-              <a:rPr lang="fr-FR" sz="1800" spc="-1" strike="noStrike">
-                <a:uFill>
-                  <a:solidFill>
-                    <a:srgbClr val="ffffff"/>
-                  </a:solidFill>
-                </a:uFill>
-                <a:latin typeface="Arial"/>
-              </a:rPr>
-              <a:t>gamma = 0.0067; </a:t>
-            </a:r>
-            <a:endParaRPr/>
-          </a:p>
-          <a:p>
-            <a:r>
-              <a:rPr lang="fr-FR" sz="1800" spc="-1" strike="noStrike">
-                <a:uFill>
-                  <a:solidFill>
-                    <a:srgbClr val="ffffff"/>
-                  </a:solidFill>
-                </a:uFill>
-                <a:latin typeface="Arial"/>
-              </a:rPr>
-              <a:t>deltaAP = 0.5 ;</a:t>
-            </a:r>
-            <a:endParaRPr/>
-          </a:p>
-          <a:p>
+            <a:r>
+              <a:rPr lang="fr-FR" sz="1800" spc="-1" strike="noStrike">
+                <a:uFill>
+                  <a:solidFill>
+                    <a:srgbClr val="ffffff"/>
+                  </a:solidFill>
+                </a:uFill>
+                <a:latin typeface="Arial"/>
+              </a:rPr>
+              <a:t>	</a:t>
+            </a:r>
+            <a:r>
+              <a:rPr lang="fr-FR" sz="1800" spc="-1" strike="noStrike">
+                <a:uFill>
+                  <a:solidFill>
+                    <a:srgbClr val="ffffff"/>
+                  </a:solidFill>
+                </a:uFill>
+                <a:latin typeface="Arial"/>
+              </a:rPr>
+              <a:t>	</a:t>
+            </a:r>
+            <a:r>
+              <a:rPr lang="fr-FR" sz="1800" spc="-1" strike="noStrike">
+                <a:uFill>
+                  <a:solidFill>
+                    <a:srgbClr val="ffffff"/>
+                  </a:solidFill>
+                </a:uFill>
+                <a:latin typeface="Arial"/>
+              </a:rPr>
+              <a:t>	</a:t>
+            </a:r>
+            <a:r>
+              <a:rPr lang="fr-FR" sz="1800" spc="-1" strike="noStrike">
+                <a:uFill>
+                  <a:solidFill>
+                    <a:srgbClr val="ffffff"/>
+                  </a:solidFill>
+                </a:uFill>
+                <a:latin typeface="Arial"/>
+              </a:rPr>
+              <a:t>	</a:t>
+            </a:r>
             <a:r>
               <a:rPr lang="fr-FR" sz="1800" spc="-1" strike="noStrike">
                 <a:uFill>
@@ -9541,6 +9486,61 @@
                 </a:uFill>
                 <a:latin typeface="Arial"/>
               </a:rPr>
+              <a:t>betaAV  = 0.125 ;</a:t>
+            </a:r>
+            <a:r>
+              <a:rPr lang="fr-FR" sz="1800" spc="-1" strike="noStrike">
+                <a:uFill>
+                  <a:solidFill>
+                    <a:srgbClr val="ffffff"/>
+                  </a:solidFill>
+                </a:uFill>
+                <a:latin typeface="Arial"/>
+              </a:rPr>
+              <a:t>	</a:t>
+            </a:r>
+            <a:r>
+              <a:rPr lang="fr-FR" sz="1800" spc="-1" strike="noStrike">
+                <a:uFill>
+                  <a:solidFill>
+                    <a:srgbClr val="ffffff"/>
+                  </a:solidFill>
+                </a:uFill>
+                <a:latin typeface="Arial"/>
+              </a:rPr>
+              <a:t>	</a:t>
+            </a:r>
+            <a:r>
+              <a:rPr lang="fr-FR" sz="1800" spc="-1" strike="noStrike">
+                <a:uFill>
+                  <a:solidFill>
+                    <a:srgbClr val="ffffff"/>
+                  </a:solidFill>
+                </a:uFill>
+                <a:latin typeface="Arial"/>
+              </a:rPr>
+              <a:t>	</a:t>
+            </a:r>
+            <a:r>
+              <a:rPr lang="fr-FR" sz="1800" spc="-1" strike="noStrike">
+                <a:uFill>
+                  <a:solidFill>
+                    <a:srgbClr val="ffffff"/>
+                  </a:solidFill>
+                </a:uFill>
+                <a:latin typeface="Arial"/>
+              </a:rPr>
+              <a:t>	</a:t>
+            </a:r>
+            <a:r>
+              <a:rPr lang="fr-FR" sz="1800" spc="-1" strike="noStrike">
+                <a:uFill>
+                  <a:solidFill>
+                    <a:srgbClr val="ffffff"/>
+                  </a:solidFill>
+                </a:uFill>
+                <a:latin typeface="Arial"/>
+              </a:rPr>
               <a:t>deltaAV2 = 0.25 ;</a:t>
             </a:r>
             <a:endParaRPr/>
@@ -9555,8 +9555,20 @@
                 </a:uFill>
                 <a:latin typeface="Arial"/>
               </a:rPr>
-              <a:t>saving = 0,8 ;</a:t>
-            </a:r>
+              <a:t>saving = 0,8 ; </a:t>
+            </a:r>
+            <a:endParaRPr/>
+          </a:p>
+          <a:p>
+            <a:endParaRPr/>
+          </a:p>
+          <a:p>
+            <a:endParaRPr/>
+          </a:p>
+          <a:p>
+            <a:endParaRPr/>
+          </a:p>
+          <a:p>
             <a:endParaRPr/>
           </a:p>
         </p:txBody>
@@ -9566,10 +9578,10 @@
   <p:timing>
     <p:tnLst>
       <p:par>
-        <p:cTn id="29" dur="indefinite" restart="never" nodeType="tmRoot">
+        <p:cTn id="27" dur="indefinite" restart="never" nodeType="tmRoot">
           <p:childTnLst>
             <p:seq>
-              <p:cTn id="30" nodeType="mainSeq"/>
+              <p:cTn id="28" nodeType="mainSeq"/>
               <p:prevCondLst>
                 <p:cond delay="0" evt="onPrev">
                   <p:tgtEl>
@@ -9622,7 +9634,7 @@
         </p:blipFill>
         <p:spPr>
           <a:xfrm>
-            <a:off x="59400" y="1260360"/>
+            <a:off x="0" y="2448000"/>
             <a:ext cx="10080000" cy="5098680"/>
           </a:xfrm>
           <a:prstGeom prst="rect">
@@ -9633,15 +9645,390 @@
           </a:ln>
         </p:spPr>
       </p:pic>
+      <p:sp>
+        <p:nvSpPr>
+          <p:cNvPr id="255" name="TextShape 1"/>
+          <p:cNvSpPr txBox="1"/>
+          <p:nvPr/>
+        </p:nvSpPr>
+        <p:spPr>
+          <a:xfrm>
+            <a:off x="360000" y="99720"/>
+            <a:ext cx="8928000" cy="603000"/>
+          </a:xfrm>
+          <a:prstGeom prst="rect">
+            <a:avLst/>
+          </a:prstGeom>
+          <a:noFill/>
+          <a:ln>
+            <a:noFill/>
+          </a:ln>
+        </p:spPr>
+        <p:txBody>
+          <a:bodyPr lIns="90000" rIns="90000" tIns="45000" bIns="45000"/>
+          <a:p>
+            <a:endParaRPr/>
+          </a:p>
+          <a:p>
+            <a:endParaRPr/>
+          </a:p>
+        </p:txBody>
+      </p:sp>
+      <p:sp>
+        <p:nvSpPr>
+          <p:cNvPr id="256" name="TextShape 2"/>
+          <p:cNvSpPr txBox="1"/>
+          <p:nvPr/>
+        </p:nvSpPr>
+        <p:spPr>
+          <a:xfrm>
+            <a:off x="144000" y="144000"/>
+            <a:ext cx="8928000" cy="1371960"/>
+          </a:xfrm>
+          <a:prstGeom prst="rect">
+            <a:avLst/>
+          </a:prstGeom>
+          <a:noFill/>
+          <a:ln>
+            <a:noFill/>
+          </a:ln>
+        </p:spPr>
+        <p:txBody>
+          <a:bodyPr lIns="90000" rIns="90000" tIns="45000" bIns="45000"/>
+          <a:p>
+            <a:r>
+              <a:rPr lang="fr-FR" sz="1800" spc="-1" strike="noStrike">
+                <a:uFill>
+                  <a:solidFill>
+                    <a:srgbClr val="ffffff"/>
+                  </a:solidFill>
+                </a:uFill>
+                <a:latin typeface="Arial"/>
+              </a:rPr>
+              <a:t>alphaAP = 0.5 ;</a:t>
+            </a:r>
+            <a:r>
+              <a:rPr lang="fr-FR" sz="1800" spc="-1" strike="noStrike">
+                <a:uFill>
+                  <a:solidFill>
+                    <a:srgbClr val="ffffff"/>
+                  </a:solidFill>
+                </a:uFill>
+                <a:latin typeface="Arial"/>
+              </a:rPr>
+              <a:t>	</a:t>
+            </a:r>
+            <a:r>
+              <a:rPr lang="fr-FR" sz="1800" spc="-1" strike="noStrike">
+                <a:uFill>
+                  <a:solidFill>
+                    <a:srgbClr val="ffffff"/>
+                  </a:solidFill>
+                </a:uFill>
+                <a:latin typeface="Arial"/>
+              </a:rPr>
+              <a:t>	</a:t>
+            </a:r>
+            <a:r>
+              <a:rPr lang="fr-FR" sz="1800" spc="-1" strike="noStrike">
+                <a:uFill>
+                  <a:solidFill>
+                    <a:srgbClr val="ffffff"/>
+                  </a:solidFill>
+                </a:uFill>
+                <a:latin typeface="Arial"/>
+              </a:rPr>
+              <a:t>	</a:t>
+            </a:r>
+            <a:r>
+              <a:rPr lang="fr-FR" sz="1800" spc="-1" strike="noStrike">
+                <a:uFill>
+                  <a:solidFill>
+                    <a:srgbClr val="ffffff"/>
+                  </a:solidFill>
+                </a:uFill>
+                <a:latin typeface="Arial"/>
+              </a:rPr>
+              <a:t>	</a:t>
+            </a:r>
+            <a:r>
+              <a:rPr lang="fr-FR" sz="1800" spc="-1" strike="noStrike">
+                <a:uFill>
+                  <a:solidFill>
+                    <a:srgbClr val="ffffff"/>
+                  </a:solidFill>
+                </a:uFill>
+                <a:latin typeface="Arial"/>
+              </a:rPr>
+              <a:t>gamma = 0.0067; </a:t>
+            </a:r>
+            <a:endParaRPr/>
+          </a:p>
+          <a:p>
+            <a:r>
+              <a:rPr lang="fr-FR" sz="1800" spc="-1" strike="noStrike">
+                <a:uFill>
+                  <a:solidFill>
+                    <a:srgbClr val="ffffff"/>
+                  </a:solidFill>
+                </a:uFill>
+                <a:latin typeface="Arial"/>
+              </a:rPr>
+              <a:t>betaAP  = 0.25 ;</a:t>
+            </a:r>
+            <a:r>
+              <a:rPr lang="fr-FR" sz="1800" spc="-1" strike="noStrike">
+                <a:uFill>
+                  <a:solidFill>
+                    <a:srgbClr val="ffffff"/>
+                  </a:solidFill>
+                </a:uFill>
+                <a:latin typeface="Arial"/>
+              </a:rPr>
+              <a:t>	</a:t>
+            </a:r>
+            <a:r>
+              <a:rPr lang="fr-FR" sz="1800" spc="-1" strike="noStrike">
+                <a:uFill>
+                  <a:solidFill>
+                    <a:srgbClr val="ffffff"/>
+                  </a:solidFill>
+                </a:uFill>
+                <a:latin typeface="Arial"/>
+              </a:rPr>
+              <a:t>	</a:t>
+            </a:r>
+            <a:r>
+              <a:rPr lang="fr-FR" sz="1800" spc="-1" strike="noStrike">
+                <a:uFill>
+                  <a:solidFill>
+                    <a:srgbClr val="ffffff"/>
+                  </a:solidFill>
+                </a:uFill>
+                <a:latin typeface="Arial"/>
+              </a:rPr>
+              <a:t>	</a:t>
+            </a:r>
+            <a:r>
+              <a:rPr lang="fr-FR" sz="1800" spc="-1" strike="noStrike">
+                <a:uFill>
+                  <a:solidFill>
+                    <a:srgbClr val="ffffff"/>
+                  </a:solidFill>
+                </a:uFill>
+                <a:latin typeface="Arial"/>
+              </a:rPr>
+              <a:t>	</a:t>
+            </a:r>
+            <a:r>
+              <a:rPr lang="fr-FR" sz="1800" spc="-1" strike="noStrike">
+                <a:uFill>
+                  <a:solidFill>
+                    <a:srgbClr val="ffffff"/>
+                  </a:solidFill>
+                </a:uFill>
+                <a:latin typeface="Arial"/>
+              </a:rPr>
+              <a:t>deltaAP = 0.5 ;</a:t>
+            </a:r>
+            <a:endParaRPr/>
+          </a:p>
+          <a:p>
+            <a:r>
+              <a:rPr lang="fr-FR" sz="1800" spc="-1" strike="noStrike">
+                <a:uFill>
+                  <a:solidFill>
+                    <a:srgbClr val="ffffff"/>
+                  </a:solidFill>
+                </a:uFill>
+                <a:latin typeface="Arial"/>
+              </a:rPr>
+              <a:t>alphaAV = 0.25 ;</a:t>
+            </a:r>
+            <a:r>
+              <a:rPr lang="fr-FR" sz="1800" spc="-1" strike="noStrike">
+                <a:uFill>
+                  <a:solidFill>
+                    <a:srgbClr val="ffffff"/>
+                  </a:solidFill>
+                </a:uFill>
+                <a:latin typeface="Arial"/>
+              </a:rPr>
+              <a:t>	</a:t>
+            </a:r>
+            <a:r>
+              <a:rPr lang="fr-FR" sz="1800" spc="-1" strike="noStrike">
+                <a:uFill>
+                  <a:solidFill>
+                    <a:srgbClr val="ffffff"/>
+                  </a:solidFill>
+                </a:uFill>
+                <a:latin typeface="Arial"/>
+              </a:rPr>
+              <a:t>	</a:t>
+            </a:r>
+            <a:r>
+              <a:rPr lang="fr-FR" sz="1800" spc="-1" strike="noStrike">
+                <a:uFill>
+                  <a:solidFill>
+                    <a:srgbClr val="ffffff"/>
+                  </a:solidFill>
+                </a:uFill>
+                <a:latin typeface="Arial"/>
+              </a:rPr>
+              <a:t>	</a:t>
+            </a:r>
+            <a:r>
+              <a:rPr lang="fr-FR" sz="1800" spc="-1" strike="noStrike">
+                <a:uFill>
+                  <a:solidFill>
+                    <a:srgbClr val="ffffff"/>
+                  </a:solidFill>
+                </a:uFill>
+                <a:latin typeface="Arial"/>
+              </a:rPr>
+              <a:t>	</a:t>
+            </a:r>
+            <a:r>
+              <a:rPr lang="fr-FR" sz="1800" spc="-1" strike="noStrike">
+                <a:uFill>
+                  <a:solidFill>
+                    <a:srgbClr val="ffffff"/>
+                  </a:solidFill>
+                </a:uFill>
+                <a:latin typeface="Arial"/>
+              </a:rPr>
+              <a:t>deltaAV = 0.125 ;</a:t>
+            </a:r>
+            <a:r>
+              <a:rPr lang="fr-FR" sz="1800" spc="-1" strike="noStrike">
+                <a:uFill>
+                  <a:solidFill>
+                    <a:srgbClr val="ffffff"/>
+                  </a:solidFill>
+                </a:uFill>
+                <a:latin typeface="Arial"/>
+              </a:rPr>
+              <a:t>	</a:t>
+            </a:r>
+            <a:r>
+              <a:rPr lang="fr-FR" sz="1800" spc="-1" strike="noStrike">
+                <a:uFill>
+                  <a:solidFill>
+                    <a:srgbClr val="ffffff"/>
+                  </a:solidFill>
+                </a:uFill>
+                <a:latin typeface="Arial"/>
+              </a:rPr>
+              <a:t>	</a:t>
+            </a:r>
+            <a:r>
+              <a:rPr lang="fr-FR" sz="1800" spc="-1" strike="noStrike">
+                <a:uFill>
+                  <a:solidFill>
+                    <a:srgbClr val="ffffff"/>
+                  </a:solidFill>
+                </a:uFill>
+                <a:latin typeface="Arial"/>
+              </a:rPr>
+              <a:t>	</a:t>
+            </a:r>
+            <a:endParaRPr/>
+          </a:p>
+          <a:p>
+            <a:r>
+              <a:rPr lang="fr-FR" sz="1800" spc="-1" strike="noStrike">
+                <a:uFill>
+                  <a:solidFill>
+                    <a:srgbClr val="ffffff"/>
+                  </a:solidFill>
+                </a:uFill>
+                <a:latin typeface="Arial"/>
+              </a:rPr>
+              <a:t>betaAV  = 0.25 ;</a:t>
+            </a:r>
+            <a:r>
+              <a:rPr lang="fr-FR" sz="1800" spc="-1" strike="noStrike">
+                <a:uFill>
+                  <a:solidFill>
+                    <a:srgbClr val="ffffff"/>
+                  </a:solidFill>
+                </a:uFill>
+                <a:latin typeface="Arial"/>
+              </a:rPr>
+              <a:t>	</a:t>
+            </a:r>
+            <a:r>
+              <a:rPr lang="fr-FR" sz="1800" spc="-1" strike="noStrike">
+                <a:uFill>
+                  <a:solidFill>
+                    <a:srgbClr val="ffffff"/>
+                  </a:solidFill>
+                </a:uFill>
+                <a:latin typeface="Arial"/>
+              </a:rPr>
+              <a:t>	</a:t>
+            </a:r>
+            <a:r>
+              <a:rPr lang="fr-FR" sz="1800" spc="-1" strike="noStrike">
+                <a:uFill>
+                  <a:solidFill>
+                    <a:srgbClr val="ffffff"/>
+                  </a:solidFill>
+                </a:uFill>
+                <a:latin typeface="Arial"/>
+              </a:rPr>
+              <a:t>	</a:t>
+            </a:r>
+            <a:r>
+              <a:rPr lang="fr-FR" sz="1800" spc="-1" strike="noStrike">
+                <a:uFill>
+                  <a:solidFill>
+                    <a:srgbClr val="ffffff"/>
+                  </a:solidFill>
+                </a:uFill>
+                <a:latin typeface="Arial"/>
+              </a:rPr>
+              <a:t>	</a:t>
+            </a:r>
+            <a:r>
+              <a:rPr lang="fr-FR" sz="1800" spc="-1" strike="noStrike">
+                <a:uFill>
+                  <a:solidFill>
+                    <a:srgbClr val="ffffff"/>
+                  </a:solidFill>
+                </a:uFill>
+                <a:latin typeface="Arial"/>
+              </a:rPr>
+              <a:t>deltaAV2 = 0.25 ;</a:t>
+            </a:r>
+            <a:endParaRPr/>
+          </a:p>
+          <a:p>
+            <a:r>
+              <a:rPr lang="fr-FR" sz="1800" spc="-1" strike="noStrike">
+                <a:uFill>
+                  <a:solidFill>
+                    <a:srgbClr val="ffffff"/>
+                  </a:solidFill>
+                </a:uFill>
+                <a:latin typeface="Arial"/>
+              </a:rPr>
+              <a:t>saving = 0,8 ;</a:t>
+            </a:r>
+            <a:endParaRPr/>
+          </a:p>
+        </p:txBody>
+      </p:sp>
     </p:spTree>
   </p:cSld>
   <p:timing>
     <p:tnLst>
       <p:par>
-        <p:cTn id="31" dur="indefinite" restart="never" nodeType="tmRoot">
+        <p:cTn id="29" dur="indefinite" restart="never" nodeType="tmRoot">
           <p:childTnLst>
             <p:seq>
-              <p:cTn id="32" nodeType="mainSeq"/>
+              <p:cTn id="30" nodeType="mainSeq"/>
               <p:prevCondLst>
                 <p:cond delay="0" evt="onPrev">
                   <p:tgtEl>
@@ -9682,16 +10069,39 @@
           <a:chExt cx="0" cy="0"/>
         </a:xfrm>
       </p:grpSpPr>
-      <p:sp>
-        <p:nvSpPr>
-          <p:cNvPr id="255" name="CustomShape 1"/>
-          <p:cNvSpPr/>
+      <p:pic>
+        <p:nvPicPr>
+          <p:cNvPr id="257" name="" descr=""/>
+          <p:cNvPicPr/>
           <p:nvPr/>
-        </p:nvSpPr>
-        <p:spPr>
-          <a:xfrm>
-            <a:off x="504000" y="301320"/>
-            <a:ext cx="9068400" cy="1258920"/>
+        </p:nvPicPr>
+        <p:blipFill>
+          <a:blip r:embed="rId1"/>
+          <a:stretch/>
+        </p:blipFill>
+        <p:spPr>
+          <a:xfrm>
+            <a:off x="0" y="2507400"/>
+            <a:ext cx="10080000" cy="4980600"/>
+          </a:xfrm>
+          <a:prstGeom prst="rect">
+            <a:avLst/>
+          </a:prstGeom>
+          <a:ln>
+            <a:noFill/>
+          </a:ln>
+        </p:spPr>
+      </p:pic>
+      <p:sp>
+        <p:nvSpPr>
+          <p:cNvPr id="258" name="TextShape 1"/>
+          <p:cNvSpPr txBox="1"/>
+          <p:nvPr/>
+        </p:nvSpPr>
+        <p:spPr>
+          <a:xfrm>
+            <a:off x="288000" y="144000"/>
+            <a:ext cx="8856000" cy="4447800"/>
           </a:xfrm>
           <a:prstGeom prst="rect">
             <a:avLst/>
@@ -9701,90 +10111,6 @@
             <a:noFill/>
           </a:ln>
         </p:spPr>
-        <p:style>
-          <a:lnRef idx="0"/>
-          <a:fillRef idx="0"/>
-          <a:effectRef idx="0"/>
-          <a:fontRef idx="minor"/>
-        </p:style>
-        <p:txBody>
-          <a:bodyPr lIns="0" rIns="0" tIns="0" bIns="0" anchor="ctr"/>
-          <a:p>
-            <a:pPr algn="ctr">
-              <a:lnSpc>
-                <a:spcPct val="100000"/>
-              </a:lnSpc>
-            </a:pPr>
-            <a:r>
-              <a:rPr lang="fr-FR" sz="4400" spc="-1" strike="noStrike">
-                <a:solidFill>
-                  <a:srgbClr val="000000"/>
-                </a:solidFill>
-                <a:uFill>
-                  <a:solidFill>
-                    <a:srgbClr val="ffffff"/>
-                  </a:solidFill>
-                </a:uFill>
-                <a:latin typeface="Arial"/>
-                <a:ea typeface="DejaVu Sans"/>
-              </a:rPr>
-              <a:t>Pruebas sobre diferentes Beta, Gamma, saving</a:t>
-            </a:r>
-            <a:endParaRPr/>
-          </a:p>
-        </p:txBody>
-      </p:sp>
-      <p:sp>
-        <p:nvSpPr>
-          <p:cNvPr id="256" name="CustomShape 2"/>
-          <p:cNvSpPr/>
-          <p:nvPr/>
-        </p:nvSpPr>
-        <p:spPr>
-          <a:xfrm>
-            <a:off x="504000" y="1769040"/>
-            <a:ext cx="9068400" cy="4381200"/>
-          </a:xfrm>
-          <a:prstGeom prst="rect">
-            <a:avLst/>
-          </a:prstGeom>
-          <a:noFill/>
-          <a:ln>
-            <a:noFill/>
-          </a:ln>
-        </p:spPr>
-        <p:style>
-          <a:lnRef idx="0"/>
-          <a:fillRef idx="0"/>
-          <a:effectRef idx="0"/>
-          <a:fontRef idx="minor"/>
-        </p:style>
-      </p:sp>
-      <p:sp>
-        <p:nvSpPr>
-          <p:cNvPr id="257" name="CustomShape 3"/>
-          <p:cNvSpPr/>
-          <p:nvPr/>
-        </p:nvSpPr>
-        <p:spPr>
-          <a:xfrm>
-            <a:off x="576000" y="3261960"/>
-            <a:ext cx="8135640" cy="2393640"/>
-          </a:xfrm>
-          <a:prstGeom prst="rect">
-            <a:avLst/>
-          </a:prstGeom>
-          <a:noFill/>
-          <a:ln>
-            <a:noFill/>
-          </a:ln>
-        </p:spPr>
-        <p:style>
-          <a:lnRef idx="0"/>
-          <a:fillRef idx="0"/>
-          <a:effectRef idx="0"/>
-          <a:fontRef idx="minor"/>
-        </p:style>
         <p:txBody>
           <a:bodyPr lIns="90000" rIns="90000" tIns="45000" bIns="45000"/>
           <a:p>
@@ -9799,6 +10125,61 @@
               </a:rPr>
               <a:t>alphaAP = 0.5 ;</a:t>
             </a:r>
+            <a:r>
+              <a:rPr lang="fr-FR" sz="1800" spc="-1" strike="noStrike">
+                <a:uFill>
+                  <a:solidFill>
+                    <a:srgbClr val="ffffff"/>
+                  </a:solidFill>
+                </a:uFill>
+                <a:latin typeface="Arial"/>
+              </a:rPr>
+              <a:t>	</a:t>
+            </a:r>
+            <a:r>
+              <a:rPr lang="fr-FR" sz="1800" spc="-1" strike="noStrike">
+                <a:uFill>
+                  <a:solidFill>
+                    <a:srgbClr val="ffffff"/>
+                  </a:solidFill>
+                </a:uFill>
+                <a:latin typeface="Arial"/>
+              </a:rPr>
+              <a:t>	</a:t>
+            </a:r>
+            <a:r>
+              <a:rPr lang="fr-FR" sz="1800" spc="-1" strike="noStrike">
+                <a:uFill>
+                  <a:solidFill>
+                    <a:srgbClr val="ffffff"/>
+                  </a:solidFill>
+                </a:uFill>
+                <a:latin typeface="Arial"/>
+              </a:rPr>
+              <a:t>	</a:t>
+            </a:r>
+            <a:r>
+              <a:rPr lang="fr-FR" sz="1800" spc="-1" strike="noStrike">
+                <a:uFill>
+                  <a:solidFill>
+                    <a:srgbClr val="ffffff"/>
+                  </a:solidFill>
+                </a:uFill>
+                <a:latin typeface="Arial"/>
+              </a:rPr>
+              <a:t>	</a:t>
+            </a:r>
+            <a:r>
+              <a:rPr lang="fr-FR" sz="1800" spc="-1" strike="noStrike">
+                <a:uFill>
+                  <a:solidFill>
+                    <a:srgbClr val="ffffff"/>
+                  </a:solidFill>
+                </a:uFill>
+                <a:latin typeface="Arial"/>
+              </a:rPr>
+              <a:t>gamma = 0.00134;</a:t>
+            </a:r>
             <a:endParaRPr/>
           </a:p>
           <a:p>
@@ -9813,6 +10194,61 @@
               </a:rPr>
               <a:t>betaAP  = 0.125 ;</a:t>
             </a:r>
+            <a:r>
+              <a:rPr lang="fr-FR" sz="1800" spc="-1" strike="noStrike">
+                <a:uFill>
+                  <a:solidFill>
+                    <a:srgbClr val="ffffff"/>
+                  </a:solidFill>
+                </a:uFill>
+                <a:latin typeface="Arial"/>
+              </a:rPr>
+              <a:t>	</a:t>
+            </a:r>
+            <a:r>
+              <a:rPr lang="fr-FR" sz="1800" spc="-1" strike="noStrike">
+                <a:uFill>
+                  <a:solidFill>
+                    <a:srgbClr val="ffffff"/>
+                  </a:solidFill>
+                </a:uFill>
+                <a:latin typeface="Arial"/>
+              </a:rPr>
+              <a:t>	</a:t>
+            </a:r>
+            <a:r>
+              <a:rPr lang="fr-FR" sz="1800" spc="-1" strike="noStrike">
+                <a:uFill>
+                  <a:solidFill>
+                    <a:srgbClr val="ffffff"/>
+                  </a:solidFill>
+                </a:uFill>
+                <a:latin typeface="Arial"/>
+              </a:rPr>
+              <a:t>	</a:t>
+            </a:r>
+            <a:r>
+              <a:rPr lang="fr-FR" sz="1800" spc="-1" strike="noStrike">
+                <a:uFill>
+                  <a:solidFill>
+                    <a:srgbClr val="ffffff"/>
+                  </a:solidFill>
+                </a:uFill>
+                <a:latin typeface="Arial"/>
+              </a:rPr>
+              <a:t>	</a:t>
+            </a:r>
+            <a:r>
+              <a:rPr lang="fr-FR" sz="1800" spc="-1" strike="noStrike">
+                <a:uFill>
+                  <a:solidFill>
+                    <a:srgbClr val="ffffff"/>
+                  </a:solidFill>
+                </a:uFill>
+                <a:latin typeface="Arial"/>
+              </a:rPr>
+              <a:t>deltaAP = 0.5 ;</a:t>
+            </a:r>
             <a:endParaRPr/>
           </a:p>
           <a:p>
@@ -9827,6 +10263,61 @@
               </a:rPr>
               <a:t>alphaAV = 0.25 ;</a:t>
             </a:r>
+            <a:r>
+              <a:rPr lang="fr-FR" sz="1800" spc="-1" strike="noStrike">
+                <a:uFill>
+                  <a:solidFill>
+                    <a:srgbClr val="ffffff"/>
+                  </a:solidFill>
+                </a:uFill>
+                <a:latin typeface="Arial"/>
+              </a:rPr>
+              <a:t>	</a:t>
+            </a:r>
+            <a:r>
+              <a:rPr lang="fr-FR" sz="1800" spc="-1" strike="noStrike">
+                <a:uFill>
+                  <a:solidFill>
+                    <a:srgbClr val="ffffff"/>
+                  </a:solidFill>
+                </a:uFill>
+                <a:latin typeface="Arial"/>
+              </a:rPr>
+              <a:t>	</a:t>
+            </a:r>
+            <a:r>
+              <a:rPr lang="fr-FR" sz="1800" spc="-1" strike="noStrike">
+                <a:uFill>
+                  <a:solidFill>
+                    <a:srgbClr val="ffffff"/>
+                  </a:solidFill>
+                </a:uFill>
+                <a:latin typeface="Arial"/>
+              </a:rPr>
+              <a:t>	</a:t>
+            </a:r>
+            <a:r>
+              <a:rPr lang="fr-FR" sz="1800" spc="-1" strike="noStrike">
+                <a:uFill>
+                  <a:solidFill>
+                    <a:srgbClr val="ffffff"/>
+                  </a:solidFill>
+                </a:uFill>
+                <a:latin typeface="Arial"/>
+              </a:rPr>
+              <a:t>	</a:t>
+            </a:r>
+            <a:r>
+              <a:rPr lang="fr-FR" sz="1800" spc="-1" strike="noStrike">
+                <a:uFill>
+                  <a:solidFill>
+                    <a:srgbClr val="ffffff"/>
+                  </a:solidFill>
+                </a:uFill>
+                <a:latin typeface="Arial"/>
+              </a:rPr>
+              <a:t>deltaAV = 0.125 ;</a:t>
+            </a:r>
             <a:endParaRPr/>
           </a:p>
           <a:p>
@@ -9841,51 +10332,50 @@
               </a:rPr>
               <a:t>betaAV  = 0.125 ;</a:t>
             </a:r>
-            <a:endParaRPr/>
-          </a:p>
-          <a:p>
-            <a:r>
-              <a:rPr lang="fr-FR" sz="1800" spc="-1" strike="noStrike">
-                <a:uFill>
-                  <a:solidFill>
-                    <a:srgbClr val="ffffff"/>
-                  </a:solidFill>
-                </a:uFill>
-                <a:latin typeface="Arial"/>
-              </a:rPr>
-              <a:t>gamma = 0.00134; </a:t>
-            </a:r>
-            <a:endParaRPr/>
-          </a:p>
-          <a:p>
-            <a:r>
-              <a:rPr lang="fr-FR" sz="1800" spc="-1" strike="noStrike">
-                <a:uFill>
-                  <a:solidFill>
-                    <a:srgbClr val="ffffff"/>
-                  </a:solidFill>
-                </a:uFill>
-                <a:latin typeface="Arial"/>
-              </a:rPr>
-              <a:t>deltaAP = 0.5 ;</a:t>
-            </a:r>
-            <a:endParaRPr/>
-          </a:p>
-          <a:p>
-            <a:r>
-              <a:rPr lang="fr-FR" sz="1800" spc="-1" strike="noStrike">
-                <a:uFill>
-                  <a:solidFill>
-                    <a:srgbClr val="ffffff"/>
-                  </a:solidFill>
-                </a:uFill>
-                <a:latin typeface="Arial"/>
-              </a:rPr>
-              <a:t>deltaAV = 0.125 ;</a:t>
-            </a:r>
-            <a:endParaRPr/>
-          </a:p>
-          <a:p>
+            <a:r>
+              <a:rPr lang="fr-FR" sz="1800" spc="-1" strike="noStrike">
+                <a:uFill>
+                  <a:solidFill>
+                    <a:srgbClr val="ffffff"/>
+                  </a:solidFill>
+                </a:uFill>
+                <a:latin typeface="Arial"/>
+              </a:rPr>
+              <a:t>	</a:t>
+            </a:r>
+            <a:r>
+              <a:rPr lang="fr-FR" sz="1800" spc="-1" strike="noStrike">
+                <a:uFill>
+                  <a:solidFill>
+                    <a:srgbClr val="ffffff"/>
+                  </a:solidFill>
+                </a:uFill>
+                <a:latin typeface="Arial"/>
+              </a:rPr>
+              <a:t>	</a:t>
+            </a:r>
+            <a:r>
+              <a:rPr lang="fr-FR" sz="1800" spc="-1" strike="noStrike">
+                <a:uFill>
+                  <a:solidFill>
+                    <a:srgbClr val="ffffff"/>
+                  </a:solidFill>
+                </a:uFill>
+                <a:latin typeface="Arial"/>
+              </a:rPr>
+              <a:t>	</a:t>
+            </a:r>
+            <a:r>
+              <a:rPr lang="fr-FR" sz="1800" spc="-1" strike="noStrike">
+                <a:uFill>
+                  <a:solidFill>
+                    <a:srgbClr val="ffffff"/>
+                  </a:solidFill>
+                </a:uFill>
+                <a:latin typeface="Arial"/>
+              </a:rPr>
+              <a:t>	</a:t>
+            </a:r>
             <a:r>
               <a:rPr lang="fr-FR" sz="1800" spc="-1" strike="noStrike">
                 <a:uFill>
@@ -9909,8 +10399,20 @@
                 </a:uFill>
                 <a:latin typeface="Arial"/>
               </a:rPr>
-              <a:t>saving = 0,8 ;</a:t>
-            </a:r>
+              <a:t>saving = 0,8 ; </a:t>
+            </a:r>
+            <a:endParaRPr/>
+          </a:p>
+          <a:p>
+            <a:endParaRPr/>
+          </a:p>
+          <a:p>
+            <a:endParaRPr/>
+          </a:p>
+          <a:p>
+            <a:endParaRPr/>
+          </a:p>
+          <a:p>
             <a:endParaRPr/>
           </a:p>
         </p:txBody>
@@ -9920,10 +10422,10 @@
   <p:timing>
     <p:tnLst>
       <p:par>
-        <p:cTn id="33" dur="indefinite" restart="never" nodeType="tmRoot">
+        <p:cTn id="31" dur="indefinite" restart="never" nodeType="tmRoot">
           <p:childTnLst>
             <p:seq>
-              <p:cTn id="34" nodeType="mainSeq"/>
+              <p:cTn id="32" nodeType="mainSeq"/>
               <p:prevCondLst>
                 <p:cond delay="0" evt="onPrev">
                   <p:tgtEl>
@@ -9964,38 +10466,299 @@
           <a:chExt cx="0" cy="0"/>
         </a:xfrm>
       </p:grpSpPr>
-      <p:pic>
-        <p:nvPicPr>
-          <p:cNvPr id="258" name="" descr=""/>
-          <p:cNvPicPr/>
+      <p:sp>
+        <p:nvSpPr>
+          <p:cNvPr id="259" name="CustomShape 1"/>
+          <p:cNvSpPr/>
           <p:nvPr/>
-        </p:nvPicPr>
-        <p:blipFill>
-          <a:blip r:embed="rId1"/>
-          <a:stretch/>
-        </p:blipFill>
-        <p:spPr>
-          <a:xfrm>
-            <a:off x="59400" y="1319400"/>
-            <a:ext cx="10080000" cy="4980600"/>
-          </a:xfrm>
-          <a:prstGeom prst="rect">
-            <a:avLst/>
-          </a:prstGeom>
+        </p:nvSpPr>
+        <p:spPr>
+          <a:xfrm>
+            <a:off x="504000" y="301320"/>
+            <a:ext cx="9070920" cy="1260720"/>
+          </a:xfrm>
+          <a:prstGeom prst="rect">
+            <a:avLst/>
+          </a:prstGeom>
+          <a:noFill/>
           <a:ln>
             <a:noFill/>
           </a:ln>
         </p:spPr>
-      </p:pic>
+        <p:style>
+          <a:lnRef idx="0"/>
+          <a:fillRef idx="0"/>
+          <a:effectRef idx="0"/>
+          <a:fontRef idx="minor"/>
+        </p:style>
+        <p:txBody>
+          <a:bodyPr lIns="0" rIns="0" tIns="0" bIns="0" anchor="ctr"/>
+          <a:p>
+            <a:pPr algn="ctr">
+              <a:lnSpc>
+                <a:spcPct val="100000"/>
+              </a:lnSpc>
+            </a:pPr>
+            <a:r>
+              <a:rPr lang="fr-FR" sz="4400" spc="-1" strike="noStrike">
+                <a:solidFill>
+                  <a:srgbClr val="000000"/>
+                </a:solidFill>
+                <a:uFill>
+                  <a:solidFill>
+                    <a:srgbClr val="ffffff"/>
+                  </a:solidFill>
+                </a:uFill>
+                <a:latin typeface="Arial"/>
+                <a:ea typeface="DejaVu Sans"/>
+              </a:rPr>
+              <a:t>Adaptación para los calendario de refuerzo (FR, FI, VR, VI)</a:t>
+            </a:r>
+            <a:endParaRPr/>
+          </a:p>
+        </p:txBody>
+      </p:sp>
+      <p:sp>
+        <p:nvSpPr>
+          <p:cNvPr id="260" name="CustomShape 2"/>
+          <p:cNvSpPr/>
+          <p:nvPr/>
+        </p:nvSpPr>
+        <p:spPr>
+          <a:xfrm>
+            <a:off x="504000" y="1768680"/>
+            <a:ext cx="9070920" cy="4383000"/>
+          </a:xfrm>
+          <a:prstGeom prst="rect">
+            <a:avLst/>
+          </a:prstGeom>
+          <a:noFill/>
+          <a:ln>
+            <a:noFill/>
+          </a:ln>
+        </p:spPr>
+        <p:style>
+          <a:lnRef idx="0"/>
+          <a:fillRef idx="0"/>
+          <a:effectRef idx="0"/>
+          <a:fontRef idx="minor"/>
+        </p:style>
+      </p:sp>
+      <p:sp>
+        <p:nvSpPr>
+          <p:cNvPr id="261" name="CustomShape 3"/>
+          <p:cNvSpPr/>
+          <p:nvPr/>
+        </p:nvSpPr>
+        <p:spPr>
+          <a:xfrm>
+            <a:off x="504000" y="1872000"/>
+            <a:ext cx="9070920" cy="1627560"/>
+          </a:xfrm>
+          <a:prstGeom prst="rect">
+            <a:avLst/>
+          </a:prstGeom>
+          <a:noFill/>
+          <a:ln>
+            <a:noFill/>
+          </a:ln>
+        </p:spPr>
+        <p:style>
+          <a:lnRef idx="0"/>
+          <a:fillRef idx="0"/>
+          <a:effectRef idx="0"/>
+          <a:fontRef idx="minor"/>
+        </p:style>
+        <p:txBody>
+          <a:bodyPr lIns="90000" rIns="90000" tIns="45000" bIns="45000"/>
+          <a:p>
+            <a:r>
+              <a:rPr lang="fr-FR" sz="1800" spc="-1" strike="noStrike">
+                <a:solidFill>
+                  <a:srgbClr val="000000"/>
+                </a:solidFill>
+                <a:uFill>
+                  <a:solidFill>
+                    <a:srgbClr val="ffffff"/>
+                  </a:solidFill>
+                </a:uFill>
+                <a:latin typeface="Arial"/>
+                <a:ea typeface="DejaVu Sans"/>
+              </a:rPr>
+              <a:t>Elecion palanca 1 o palanca 2 → Elecion palanquear o no palanquear</a:t>
+            </a:r>
+            <a:endParaRPr/>
+          </a:p>
+          <a:p>
+            <a:endParaRPr/>
+          </a:p>
+          <a:p>
+            <a:r>
+              <a:rPr lang="fr-FR" sz="1800" spc="-1" strike="noStrike">
+                <a:solidFill>
+                  <a:srgbClr val="000000"/>
+                </a:solidFill>
+                <a:uFill>
+                  <a:solidFill>
+                    <a:srgbClr val="ffffff"/>
+                  </a:solidFill>
+                </a:uFill>
+                <a:latin typeface="Arial"/>
+                <a:ea typeface="DejaVu Sans"/>
+              </a:rPr>
+              <a:t>FR = tasa fija, si la rata palanquea x veces, hay un refuerzo</a:t>
+            </a:r>
+            <a:endParaRPr/>
+          </a:p>
+          <a:p>
+            <a:r>
+              <a:rPr lang="fr-FR" sz="1800" spc="-1" strike="noStrike">
+                <a:solidFill>
+                  <a:srgbClr val="000000"/>
+                </a:solidFill>
+                <a:uFill>
+                  <a:solidFill>
+                    <a:srgbClr val="ffffff"/>
+                  </a:solidFill>
+                </a:uFill>
+                <a:latin typeface="Arial"/>
+                <a:ea typeface="DejaVu Sans"/>
+              </a:rPr>
+              <a:t>FI = intervalo fijo, cada x segundos, hay un refuerzo cuando la rata palanquea</a:t>
+            </a:r>
+            <a:endParaRPr/>
+          </a:p>
+          <a:p>
+            <a:r>
+              <a:rPr lang="fr-FR" sz="1800" spc="-1" strike="noStrike">
+                <a:solidFill>
+                  <a:srgbClr val="000000"/>
+                </a:solidFill>
+                <a:uFill>
+                  <a:solidFill>
+                    <a:srgbClr val="ffffff"/>
+                  </a:solidFill>
+                </a:uFill>
+                <a:latin typeface="Arial"/>
+                <a:ea typeface="DejaVu Sans"/>
+              </a:rPr>
+              <a:t>VR = tasa variable, si la rata palanquea x veces en media, puede ser más o menos, hay un refuerzo</a:t>
+            </a:r>
+            <a:endParaRPr/>
+          </a:p>
+          <a:p>
+            <a:r>
+              <a:rPr lang="fr-FR" sz="1800" spc="-1" strike="noStrike">
+                <a:solidFill>
+                  <a:srgbClr val="000000"/>
+                </a:solidFill>
+                <a:uFill>
+                  <a:solidFill>
+                    <a:srgbClr val="ffffff"/>
+                  </a:solidFill>
+                </a:uFill>
+                <a:latin typeface="Arial"/>
+                <a:ea typeface="DejaVu Sans"/>
+              </a:rPr>
+              <a:t>VI = intervalo variable, cada x segundos en media, puede ser más o menos, hay un refuerzo cuando la rata palanquea</a:t>
+            </a:r>
+            <a:endParaRPr/>
+          </a:p>
+          <a:p>
+            <a:endParaRPr/>
+          </a:p>
+          <a:p>
+            <a:r>
+              <a:rPr lang="fr-FR" sz="1800" spc="-1" strike="noStrike">
+                <a:solidFill>
+                  <a:srgbClr val="000000"/>
+                </a:solidFill>
+                <a:uFill>
+                  <a:solidFill>
+                    <a:srgbClr val="ffffff"/>
+                  </a:solidFill>
+                </a:uFill>
+                <a:latin typeface="Arial"/>
+                <a:ea typeface="DejaVu Sans"/>
+              </a:rPr>
+              <a:t>Los graficos que nos interesan son : </a:t>
+            </a:r>
+            <a:endParaRPr/>
+          </a:p>
+          <a:p>
+            <a:r>
+              <a:rPr lang="fr-FR" sz="1800" spc="-1" strike="noStrike">
+                <a:solidFill>
+                  <a:srgbClr val="000000"/>
+                </a:solidFill>
+                <a:uFill>
+                  <a:solidFill>
+                    <a:srgbClr val="ffffff"/>
+                  </a:solidFill>
+                </a:uFill>
+                <a:latin typeface="Arial"/>
+                <a:ea typeface="DejaVu Sans"/>
+              </a:rPr>
+              <a:t>Respuestas/segundos en función de la tasa o del intervalo</a:t>
+            </a:r>
+            <a:endParaRPr/>
+          </a:p>
+          <a:p>
+            <a:r>
+              <a:rPr lang="fr-FR" sz="1800" spc="-1" strike="noStrike">
+                <a:solidFill>
+                  <a:srgbClr val="000000"/>
+                </a:solidFill>
+                <a:uFill>
+                  <a:solidFill>
+                    <a:srgbClr val="ffffff"/>
+                  </a:solidFill>
+                </a:uFill>
+                <a:latin typeface="Arial"/>
+                <a:ea typeface="DejaVu Sans"/>
+              </a:rPr>
+              <a:t>Respuestas/segundos en función del refuerzo/horas</a:t>
+            </a:r>
+            <a:endParaRPr/>
+          </a:p>
+          <a:p>
+            <a:r>
+              <a:rPr lang="fr-FR" sz="1800" spc="-1" strike="noStrike">
+                <a:solidFill>
+                  <a:srgbClr val="000000"/>
+                </a:solidFill>
+                <a:uFill>
+                  <a:solidFill>
+                    <a:srgbClr val="ffffff"/>
+                  </a:solidFill>
+                </a:uFill>
+                <a:latin typeface="Arial"/>
+                <a:ea typeface="DejaVu Sans"/>
+              </a:rPr>
+              <a:t>Respustas acumulado en función del tiempo</a:t>
+            </a:r>
+            <a:endParaRPr/>
+          </a:p>
+          <a:p>
+            <a:endParaRPr/>
+          </a:p>
+          <a:p>
+            <a:endParaRPr/>
+          </a:p>
+          <a:p>
+            <a:endParaRPr/>
+          </a:p>
+        </p:txBody>
+      </p:sp>
     </p:spTree>
   </p:cSld>
   <p:timing>
     <p:tnLst>
       <p:par>
-        <p:cTn id="35" dur="indefinite" restart="never" nodeType="tmRoot">
+        <p:cTn id="33" dur="indefinite" restart="never" nodeType="tmRoot">
           <p:childTnLst>
             <p:seq>
-              <p:cTn id="36" nodeType="mainSeq"/>
+              <p:cTn id="34" nodeType="mainSeq"/>
               <p:prevCondLst>
                 <p:cond delay="0" evt="onPrev">
                   <p:tgtEl>
@@ -10036,299 +10799,38 @@
           <a:chExt cx="0" cy="0"/>
         </a:xfrm>
       </p:grpSpPr>
-      <p:sp>
-        <p:nvSpPr>
-          <p:cNvPr id="259" name="CustomShape 1"/>
-          <p:cNvSpPr/>
+      <p:pic>
+        <p:nvPicPr>
+          <p:cNvPr id="262" name="" descr=""/>
+          <p:cNvPicPr/>
           <p:nvPr/>
-        </p:nvSpPr>
-        <p:spPr>
-          <a:xfrm>
-            <a:off x="504000" y="301320"/>
-            <a:ext cx="9070920" cy="1260720"/>
-          </a:xfrm>
-          <a:prstGeom prst="rect">
-            <a:avLst/>
-          </a:prstGeom>
-          <a:noFill/>
+        </p:nvPicPr>
+        <p:blipFill>
+          <a:blip r:embed="rId1"/>
+          <a:stretch/>
+        </p:blipFill>
+        <p:spPr>
+          <a:xfrm>
+            <a:off x="0" y="1234440"/>
+            <a:ext cx="10080360" cy="5150880"/>
+          </a:xfrm>
+          <a:prstGeom prst="rect">
+            <a:avLst/>
+          </a:prstGeom>
           <a:ln>
             <a:noFill/>
           </a:ln>
         </p:spPr>
-        <p:style>
-          <a:lnRef idx="0"/>
-          <a:fillRef idx="0"/>
-          <a:effectRef idx="0"/>
-          <a:fontRef idx="minor"/>
-        </p:style>
-        <p:txBody>
-          <a:bodyPr lIns="0" rIns="0" tIns="0" bIns="0" anchor="ctr"/>
-          <a:p>
-            <a:pPr algn="ctr">
-              <a:lnSpc>
-                <a:spcPct val="100000"/>
-              </a:lnSpc>
-            </a:pPr>
-            <a:r>
-              <a:rPr lang="fr-FR" sz="4400" spc="-1" strike="noStrike">
-                <a:solidFill>
-                  <a:srgbClr val="000000"/>
-                </a:solidFill>
-                <a:uFill>
-                  <a:solidFill>
-                    <a:srgbClr val="ffffff"/>
-                  </a:solidFill>
-                </a:uFill>
-                <a:latin typeface="Arial"/>
-                <a:ea typeface="DejaVu Sans"/>
-              </a:rPr>
-              <a:t>Adaptación para los calendario de refuerzo (FR, FI, VR, VI)</a:t>
-            </a:r>
-            <a:endParaRPr/>
-          </a:p>
-        </p:txBody>
-      </p:sp>
-      <p:sp>
-        <p:nvSpPr>
-          <p:cNvPr id="260" name="CustomShape 2"/>
-          <p:cNvSpPr/>
-          <p:nvPr/>
-        </p:nvSpPr>
-        <p:spPr>
-          <a:xfrm>
-            <a:off x="504000" y="1768680"/>
-            <a:ext cx="9070920" cy="4383000"/>
-          </a:xfrm>
-          <a:prstGeom prst="rect">
-            <a:avLst/>
-          </a:prstGeom>
-          <a:noFill/>
-          <a:ln>
-            <a:noFill/>
-          </a:ln>
-        </p:spPr>
-        <p:style>
-          <a:lnRef idx="0"/>
-          <a:fillRef idx="0"/>
-          <a:effectRef idx="0"/>
-          <a:fontRef idx="minor"/>
-        </p:style>
-      </p:sp>
-      <p:sp>
-        <p:nvSpPr>
-          <p:cNvPr id="261" name="CustomShape 3"/>
-          <p:cNvSpPr/>
-          <p:nvPr/>
-        </p:nvSpPr>
-        <p:spPr>
-          <a:xfrm>
-            <a:off x="504000" y="1872000"/>
-            <a:ext cx="9070920" cy="1627560"/>
-          </a:xfrm>
-          <a:prstGeom prst="rect">
-            <a:avLst/>
-          </a:prstGeom>
-          <a:noFill/>
-          <a:ln>
-            <a:noFill/>
-          </a:ln>
-        </p:spPr>
-        <p:style>
-          <a:lnRef idx="0"/>
-          <a:fillRef idx="0"/>
-          <a:effectRef idx="0"/>
-          <a:fontRef idx="minor"/>
-        </p:style>
-        <p:txBody>
-          <a:bodyPr lIns="90000" rIns="90000" tIns="45000" bIns="45000"/>
-          <a:p>
-            <a:r>
-              <a:rPr lang="fr-FR" sz="1800" spc="-1" strike="noStrike">
-                <a:solidFill>
-                  <a:srgbClr val="000000"/>
-                </a:solidFill>
-                <a:uFill>
-                  <a:solidFill>
-                    <a:srgbClr val="ffffff"/>
-                  </a:solidFill>
-                </a:uFill>
-                <a:latin typeface="Arial"/>
-                <a:ea typeface="DejaVu Sans"/>
-              </a:rPr>
-              <a:t>Elecion palanca 1 o palanca 2 → Elecion palanquear o no palanquear</a:t>
-            </a:r>
-            <a:endParaRPr/>
-          </a:p>
-          <a:p>
-            <a:endParaRPr/>
-          </a:p>
-          <a:p>
-            <a:r>
-              <a:rPr lang="fr-FR" sz="1800" spc="-1" strike="noStrike">
-                <a:solidFill>
-                  <a:srgbClr val="000000"/>
-                </a:solidFill>
-                <a:uFill>
-                  <a:solidFill>
-                    <a:srgbClr val="ffffff"/>
-                  </a:solidFill>
-                </a:uFill>
-                <a:latin typeface="Arial"/>
-                <a:ea typeface="DejaVu Sans"/>
-              </a:rPr>
-              <a:t>FR = tasa fija, si la rata palanquea x veces, hay un refuerzo</a:t>
-            </a:r>
-            <a:endParaRPr/>
-          </a:p>
-          <a:p>
-            <a:r>
-              <a:rPr lang="fr-FR" sz="1800" spc="-1" strike="noStrike">
-                <a:solidFill>
-                  <a:srgbClr val="000000"/>
-                </a:solidFill>
-                <a:uFill>
-                  <a:solidFill>
-                    <a:srgbClr val="ffffff"/>
-                  </a:solidFill>
-                </a:uFill>
-                <a:latin typeface="Arial"/>
-                <a:ea typeface="DejaVu Sans"/>
-              </a:rPr>
-              <a:t>FI = intervalo fijo, cada x segundos, hay un refuerzo cuando la rata palanquea</a:t>
-            </a:r>
-            <a:endParaRPr/>
-          </a:p>
-          <a:p>
-            <a:r>
-              <a:rPr lang="fr-FR" sz="1800" spc="-1" strike="noStrike">
-                <a:solidFill>
-                  <a:srgbClr val="000000"/>
-                </a:solidFill>
-                <a:uFill>
-                  <a:solidFill>
-                    <a:srgbClr val="ffffff"/>
-                  </a:solidFill>
-                </a:uFill>
-                <a:latin typeface="Arial"/>
-                <a:ea typeface="DejaVu Sans"/>
-              </a:rPr>
-              <a:t>VR = tasa variable, si la rata palanquea x veces en media, puede ser más o menos, hay un refuerzo</a:t>
-            </a:r>
-            <a:endParaRPr/>
-          </a:p>
-          <a:p>
-            <a:r>
-              <a:rPr lang="fr-FR" sz="1800" spc="-1" strike="noStrike">
-                <a:solidFill>
-                  <a:srgbClr val="000000"/>
-                </a:solidFill>
-                <a:uFill>
-                  <a:solidFill>
-                    <a:srgbClr val="ffffff"/>
-                  </a:solidFill>
-                </a:uFill>
-                <a:latin typeface="Arial"/>
-                <a:ea typeface="DejaVu Sans"/>
-              </a:rPr>
-              <a:t>VI = intervalo variable, cada x segundos en media, puede ser más o menos, hay un refuerzo cuando la rata palanquea</a:t>
-            </a:r>
-            <a:endParaRPr/>
-          </a:p>
-          <a:p>
-            <a:endParaRPr/>
-          </a:p>
-          <a:p>
-            <a:r>
-              <a:rPr lang="fr-FR" sz="1800" spc="-1" strike="noStrike">
-                <a:solidFill>
-                  <a:srgbClr val="000000"/>
-                </a:solidFill>
-                <a:uFill>
-                  <a:solidFill>
-                    <a:srgbClr val="ffffff"/>
-                  </a:solidFill>
-                </a:uFill>
-                <a:latin typeface="Arial"/>
-                <a:ea typeface="DejaVu Sans"/>
-              </a:rPr>
-              <a:t>Los graficos que nos interesan son : </a:t>
-            </a:r>
-            <a:endParaRPr/>
-          </a:p>
-          <a:p>
-            <a:r>
-              <a:rPr lang="fr-FR" sz="1800" spc="-1" strike="noStrike">
-                <a:solidFill>
-                  <a:srgbClr val="000000"/>
-                </a:solidFill>
-                <a:uFill>
-                  <a:solidFill>
-                    <a:srgbClr val="ffffff"/>
-                  </a:solidFill>
-                </a:uFill>
-                <a:latin typeface="Arial"/>
-                <a:ea typeface="DejaVu Sans"/>
-              </a:rPr>
-              <a:t>Respuestas/segundos en función de la tasa o del intervalo</a:t>
-            </a:r>
-            <a:endParaRPr/>
-          </a:p>
-          <a:p>
-            <a:r>
-              <a:rPr lang="fr-FR" sz="1800" spc="-1" strike="noStrike">
-                <a:solidFill>
-                  <a:srgbClr val="000000"/>
-                </a:solidFill>
-                <a:uFill>
-                  <a:solidFill>
-                    <a:srgbClr val="ffffff"/>
-                  </a:solidFill>
-                </a:uFill>
-                <a:latin typeface="Arial"/>
-                <a:ea typeface="DejaVu Sans"/>
-              </a:rPr>
-              <a:t>Respuestas/segundos en función del refuerzo/horas</a:t>
-            </a:r>
-            <a:endParaRPr/>
-          </a:p>
-          <a:p>
-            <a:r>
-              <a:rPr lang="fr-FR" sz="1800" spc="-1" strike="noStrike">
-                <a:solidFill>
-                  <a:srgbClr val="000000"/>
-                </a:solidFill>
-                <a:uFill>
-                  <a:solidFill>
-                    <a:srgbClr val="ffffff"/>
-                  </a:solidFill>
-                </a:uFill>
-                <a:latin typeface="Arial"/>
-                <a:ea typeface="DejaVu Sans"/>
-              </a:rPr>
-              <a:t>Respustas acumulado en función del tiempo</a:t>
-            </a:r>
-            <a:endParaRPr/>
-          </a:p>
-          <a:p>
-            <a:endParaRPr/>
-          </a:p>
-          <a:p>
-            <a:endParaRPr/>
-          </a:p>
-          <a:p>
-            <a:endParaRPr/>
-          </a:p>
-        </p:txBody>
-      </p:sp>
+      </p:pic>
     </p:spTree>
   </p:cSld>
   <p:timing>
     <p:tnLst>
       <p:par>
-        <p:cTn id="37" dur="indefinite" restart="never" nodeType="tmRoot">
+        <p:cTn id="35" dur="indefinite" restart="never" nodeType="tmRoot">
           <p:childTnLst>
             <p:seq>
-              <p:cTn id="38" nodeType="mainSeq"/>
+              <p:cTn id="36" nodeType="mainSeq"/>
               <p:prevCondLst>
                 <p:cond delay="0" evt="onPrev">
                   <p:tgtEl>
@@ -10371,7 +10873,7 @@
       </p:grpSpPr>
       <p:sp>
         <p:nvSpPr>
-          <p:cNvPr id="220" name="CustomShape 1"/>
+          <p:cNvPr id="218" name="CustomShape 1"/>
           <p:cNvSpPr/>
           <p:nvPr/>
         </p:nvSpPr>
@@ -10394,36 +10896,10 @@
           <a:effectRef idx="0"/>
           <a:fontRef idx="minor"/>
         </p:style>
-        <p:txBody>
-          <a:bodyPr lIns="0" rIns="0" tIns="0" bIns="0" anchor="ctr"/>
-          <a:p>
-            <a:pPr algn="ctr">
-              <a:lnSpc>
-                <a:spcPct val="100000"/>
-              </a:lnSpc>
-            </a:pPr>
-            <a:r>
-              <a:rPr lang="fr-FR" sz="4400" spc="-1" strike="noStrike">
-                <a:solidFill>
-                  <a:srgbClr val="000000"/>
-                </a:solidFill>
-                <a:uFill>
-                  <a:solidFill>
-                    <a:srgbClr val="ffffff"/>
-                  </a:solidFill>
-                </a:uFill>
-                <a:latin typeface="Arial"/>
-                <a:ea typeface="DejaVu Sans"/>
-              </a:rPr>
-              <a:t>Programa que compara los STM en lugar de los A</a:t>
-            </a:r>
-            <a:endParaRPr/>
-          </a:p>
-        </p:txBody>
-      </p:sp>
-      <p:sp>
-        <p:nvSpPr>
-          <p:cNvPr id="221" name="CustomShape 2"/>
+      </p:sp>
+      <p:sp>
+        <p:nvSpPr>
+          <p:cNvPr id="219" name="CustomShape 2"/>
           <p:cNvSpPr/>
           <p:nvPr/>
         </p:nvSpPr>
@@ -10447,15 +10923,299 @@
           <a:fontRef idx="minor"/>
         </p:style>
       </p:sp>
+      <p:sp>
+        <p:nvSpPr>
+          <p:cNvPr id="220" name="CustomShape 3"/>
+          <p:cNvSpPr/>
+          <p:nvPr/>
+        </p:nvSpPr>
+        <p:spPr>
+          <a:xfrm>
+            <a:off x="504000" y="301320"/>
+            <a:ext cx="9068400" cy="1258920"/>
+          </a:xfrm>
+          <a:prstGeom prst="rect">
+            <a:avLst/>
+          </a:prstGeom>
+          <a:noFill/>
+          <a:ln>
+            <a:noFill/>
+          </a:ln>
+        </p:spPr>
+        <p:style>
+          <a:lnRef idx="0"/>
+          <a:fillRef idx="0"/>
+          <a:effectRef idx="0"/>
+          <a:fontRef idx="minor"/>
+        </p:style>
+        <p:txBody>
+          <a:bodyPr lIns="0" rIns="0" tIns="0" bIns="0" anchor="ctr"/>
+          <a:p>
+            <a:pPr algn="ctr">
+              <a:lnSpc>
+                <a:spcPct val="100000"/>
+              </a:lnSpc>
+            </a:pPr>
+            <a:r>
+              <a:rPr lang="fr-FR" sz="4400" spc="-1" strike="noStrike">
+                <a:solidFill>
+                  <a:srgbClr val="000000"/>
+                </a:solidFill>
+                <a:uFill>
+                  <a:solidFill>
+                    <a:srgbClr val="ffffff"/>
+                  </a:solidFill>
+                </a:uFill>
+                <a:latin typeface="Arial"/>
+                <a:ea typeface="DejaVu Sans"/>
+              </a:rPr>
+              <a:t>Constante de tiempo en el refuerzo</a:t>
+            </a:r>
+            <a:endParaRPr/>
+          </a:p>
+        </p:txBody>
+      </p:sp>
+      <p:sp>
+        <p:nvSpPr>
+          <p:cNvPr id="221" name="CustomShape 4"/>
+          <p:cNvSpPr/>
+          <p:nvPr/>
+        </p:nvSpPr>
+        <p:spPr>
+          <a:xfrm>
+            <a:off x="547920" y="1798200"/>
+            <a:ext cx="9068400" cy="4381200"/>
+          </a:xfrm>
+          <a:prstGeom prst="rect">
+            <a:avLst/>
+          </a:prstGeom>
+          <a:noFill/>
+          <a:ln>
+            <a:noFill/>
+          </a:ln>
+        </p:spPr>
+        <p:style>
+          <a:lnRef idx="0"/>
+          <a:fillRef idx="0"/>
+          <a:effectRef idx="0"/>
+          <a:fontRef idx="minor"/>
+        </p:style>
+        <p:txBody>
+          <a:bodyPr lIns="0" rIns="0" tIns="0" bIns="0"/>
+          <a:p>
+            <a:pPr marL="432000" indent="-321120">
+              <a:lnSpc>
+                <a:spcPct val="100000"/>
+              </a:lnSpc>
+              <a:buClr>
+                <a:srgbClr val="ffffff"/>
+              </a:buClr>
+              <a:buSzPct val="45000"/>
+              <a:buFont typeface="StarSymbol"/>
+              <a:buChar char="l"/>
+            </a:pPr>
+            <a:r>
+              <a:rPr lang="fr-FR" sz="1800" spc="-1" strike="noStrike">
+                <a:solidFill>
+                  <a:srgbClr val="000000"/>
+                </a:solidFill>
+                <a:uFill>
+                  <a:solidFill>
+                    <a:srgbClr val="ffffff"/>
+                  </a:solidFill>
+                </a:uFill>
+                <a:latin typeface="Arial"/>
+                <a:ea typeface="DejaVu Sans"/>
+              </a:rPr>
+              <a:t>Rf_1(i)=floor(10*(1-exp(-tau* 1 )))</a:t>
+            </a:r>
+            <a:endParaRPr/>
+          </a:p>
+          <a:p>
+            <a:pPr marL="432000" indent="-321120">
+              <a:lnSpc>
+                <a:spcPct val="100000"/>
+              </a:lnSpc>
+              <a:buClr>
+                <a:srgbClr val="ffffff"/>
+              </a:buClr>
+              <a:buSzPct val="45000"/>
+              <a:buFont typeface="StarSymbol"/>
+              <a:buChar char="l"/>
+            </a:pPr>
+            <a:r>
+              <a:rPr lang="fr-FR" sz="1800" spc="-1" strike="noStrike">
+                <a:solidFill>
+                  <a:srgbClr val="000000"/>
+                </a:solidFill>
+                <a:uFill>
+                  <a:solidFill>
+                    <a:srgbClr val="ffffff"/>
+                  </a:solidFill>
+                </a:uFill>
+                <a:latin typeface="Arial"/>
+                <a:ea typeface="DejaVu Sans"/>
+              </a:rPr>
+              <a:t>Rf_2(i)=floor(10*(1-exp(-tau* 2 )))</a:t>
+            </a:r>
+            <a:endParaRPr/>
+          </a:p>
+          <a:p>
+            <a:pPr marL="432000" indent="-321120">
+              <a:lnSpc>
+                <a:spcPct val="100000"/>
+              </a:lnSpc>
+              <a:buClr>
+                <a:srgbClr val="ffffff"/>
+              </a:buClr>
+              <a:buSzPct val="45000"/>
+              <a:buFont typeface="StarSymbol"/>
+              <a:buChar char="l"/>
+            </a:pPr>
+            <a:r>
+              <a:rPr lang="fr-FR" sz="1800" spc="-1" strike="noStrike">
+                <a:solidFill>
+                  <a:srgbClr val="000000"/>
+                </a:solidFill>
+                <a:uFill>
+                  <a:solidFill>
+                    <a:srgbClr val="ffffff"/>
+                  </a:solidFill>
+                </a:uFill>
+                <a:latin typeface="Arial"/>
+                <a:ea typeface="DejaVu Sans"/>
+              </a:rPr>
+              <a:t> </a:t>
+            </a:r>
+            <a:endParaRPr/>
+          </a:p>
+          <a:p>
+            <a:pPr marL="432000" indent="-321120">
+              <a:lnSpc>
+                <a:spcPct val="100000"/>
+              </a:lnSpc>
+              <a:buClr>
+                <a:srgbClr val="ffffff"/>
+              </a:buClr>
+              <a:buSzPct val="45000"/>
+              <a:buFont typeface="StarSymbol"/>
+              <a:buChar char="l"/>
+            </a:pPr>
+            <a:r>
+              <a:rPr lang="fr-FR" sz="1800" spc="-1" strike="noStrike">
+                <a:solidFill>
+                  <a:srgbClr val="000000"/>
+                </a:solidFill>
+                <a:uFill>
+                  <a:solidFill>
+                    <a:srgbClr val="ffffff"/>
+                  </a:solidFill>
+                </a:uFill>
+                <a:latin typeface="Arial"/>
+                <a:ea typeface="DejaVu Sans"/>
+              </a:rPr>
+              <a:t>Objectivo : encontrar un tau para que 2*Rf1 = Rf2</a:t>
+            </a:r>
+            <a:endParaRPr/>
+          </a:p>
+          <a:p>
+            <a:pPr marL="432000" indent="-321120">
+              <a:lnSpc>
+                <a:spcPct val="100000"/>
+              </a:lnSpc>
+              <a:buClr>
+                <a:srgbClr val="ffffff"/>
+              </a:buClr>
+              <a:buSzPct val="45000"/>
+              <a:buFont typeface="StarSymbol"/>
+              <a:buChar char="l"/>
+            </a:pPr>
+            <a:r>
+              <a:rPr lang="fr-FR" sz="1800" spc="-1" strike="noStrike">
+                <a:solidFill>
+                  <a:srgbClr val="000000"/>
+                </a:solidFill>
+                <a:uFill>
+                  <a:solidFill>
+                    <a:srgbClr val="ffffff"/>
+                  </a:solidFill>
+                </a:uFill>
+                <a:latin typeface="Arial"/>
+                <a:ea typeface="DejaVu Sans"/>
+              </a:rPr>
+              <a:t> </a:t>
+            </a:r>
+            <a:endParaRPr/>
+          </a:p>
+          <a:p>
+            <a:pPr marL="432000" indent="-321120">
+              <a:lnSpc>
+                <a:spcPct val="100000"/>
+              </a:lnSpc>
+              <a:buClr>
+                <a:srgbClr val="ffffff"/>
+              </a:buClr>
+              <a:buSzPct val="45000"/>
+              <a:buFont typeface="StarSymbol"/>
+              <a:buChar char="l"/>
+            </a:pPr>
+            <a:r>
+              <a:rPr lang="fr-FR" sz="1800" spc="-1" strike="noStrike">
+                <a:solidFill>
+                  <a:srgbClr val="000000"/>
+                </a:solidFill>
+                <a:uFill>
+                  <a:solidFill>
+                    <a:srgbClr val="ffffff"/>
+                  </a:solidFill>
+                </a:uFill>
+                <a:latin typeface="Arial"/>
+                <a:ea typeface="DejaVu Sans"/>
+              </a:rPr>
+              <a:t>Rf1 coresponde a la apreciación del refuerzo de la rata cuando recibe una pelota de comida </a:t>
+            </a:r>
+            <a:endParaRPr/>
+          </a:p>
+          <a:p>
+            <a:pPr marL="432000" indent="-321120">
+              <a:lnSpc>
+                <a:spcPct val="100000"/>
+              </a:lnSpc>
+              <a:buClr>
+                <a:srgbClr val="ffffff"/>
+              </a:buClr>
+              <a:buSzPct val="45000"/>
+              <a:buFont typeface="StarSymbol"/>
+              <a:buChar char="l"/>
+            </a:pPr>
+            <a:r>
+              <a:rPr lang="fr-FR" sz="1800" spc="-1" strike="noStrike">
+                <a:solidFill>
+                  <a:srgbClr val="000000"/>
+                </a:solidFill>
+                <a:uFill>
+                  <a:solidFill>
+                    <a:srgbClr val="ffffff"/>
+                  </a:solidFill>
+                </a:uFill>
+                <a:latin typeface="Arial"/>
+                <a:ea typeface="DejaVu Sans"/>
+              </a:rPr>
+              <a:t>Rf2 para 2 pelotas</a:t>
+            </a:r>
+            <a:endParaRPr/>
+          </a:p>
+        </p:txBody>
+      </p:sp>
     </p:spTree>
   </p:cSld>
   <p:timing>
     <p:tnLst>
       <p:par>
-        <p:cTn id="3" dur="indefinite" restart="never" nodeType="tmRoot">
+        <p:cTn id="1" dur="indefinite" restart="never" nodeType="tmRoot">
           <p:childTnLst>
             <p:seq>
-              <p:cTn id="4" nodeType="mainSeq"/>
+              <p:cTn id="2" nodeType="mainSeq"/>
               <p:prevCondLst>
                 <p:cond delay="0" evt="onPrev">
                   <p:tgtEl>
@@ -10496,387 +11256,38 @@
           <a:chExt cx="0" cy="0"/>
         </a:xfrm>
       </p:grpSpPr>
-      <p:sp>
-        <p:nvSpPr>
-          <p:cNvPr id="262" name="CustomShape 1"/>
-          <p:cNvSpPr/>
+      <p:pic>
+        <p:nvPicPr>
+          <p:cNvPr id="263" name="" descr=""/>
+          <p:cNvPicPr/>
           <p:nvPr/>
-        </p:nvSpPr>
-        <p:spPr>
-          <a:xfrm>
-            <a:off x="504000" y="301320"/>
-            <a:ext cx="9070920" cy="1260720"/>
-          </a:xfrm>
-          <a:prstGeom prst="rect">
-            <a:avLst/>
-          </a:prstGeom>
-          <a:noFill/>
+        </p:nvPicPr>
+        <p:blipFill>
+          <a:blip r:embed="rId1"/>
+          <a:stretch/>
+        </p:blipFill>
+        <p:spPr>
+          <a:xfrm>
+            <a:off x="360" y="1198800"/>
+            <a:ext cx="10080360" cy="5222160"/>
+          </a:xfrm>
+          <a:prstGeom prst="rect">
+            <a:avLst/>
+          </a:prstGeom>
           <a:ln>
             <a:noFill/>
           </a:ln>
         </p:spPr>
-        <p:style>
-          <a:lnRef idx="0"/>
-          <a:fillRef idx="0"/>
-          <a:effectRef idx="0"/>
-          <a:fontRef idx="minor"/>
-        </p:style>
-        <p:txBody>
-          <a:bodyPr lIns="0" rIns="0" tIns="0" bIns="0" anchor="ctr"/>
-          <a:p>
-            <a:pPr algn="ctr">
-              <a:lnSpc>
-                <a:spcPct val="100000"/>
-              </a:lnSpc>
-            </a:pPr>
-            <a:r>
-              <a:rPr lang="fr-FR" sz="4400" spc="-1" strike="noStrike">
-                <a:solidFill>
-                  <a:srgbClr val="000000"/>
-                </a:solidFill>
-                <a:uFill>
-                  <a:solidFill>
-                    <a:srgbClr val="ffffff"/>
-                  </a:solidFill>
-                </a:uFill>
-                <a:latin typeface="Arial"/>
-                <a:ea typeface="DejaVu Sans"/>
-              </a:rPr>
-              <a:t>Nuevo calculo de los refuerzos</a:t>
-            </a:r>
-            <a:endParaRPr/>
-          </a:p>
-        </p:txBody>
-      </p:sp>
-      <p:sp>
-        <p:nvSpPr>
-          <p:cNvPr id="263" name="CustomShape 2"/>
-          <p:cNvSpPr/>
-          <p:nvPr/>
-        </p:nvSpPr>
-        <p:spPr>
-          <a:xfrm>
-            <a:off x="648000" y="1656000"/>
-            <a:ext cx="8999280" cy="2905200"/>
-          </a:xfrm>
-          <a:prstGeom prst="rect">
-            <a:avLst/>
-          </a:prstGeom>
-          <a:noFill/>
-          <a:ln>
-            <a:noFill/>
-          </a:ln>
-        </p:spPr>
-        <p:style>
-          <a:lnRef idx="0"/>
-          <a:fillRef idx="0"/>
-          <a:effectRef idx="0"/>
-          <a:fontRef idx="minor"/>
-        </p:style>
-        <p:txBody>
-          <a:bodyPr lIns="90000" rIns="90000" tIns="45000" bIns="45000"/>
-          <a:p>
-            <a:r>
-              <a:rPr lang="fr-FR" sz="1800" spc="-1" strike="noStrike">
-                <a:solidFill>
-                  <a:srgbClr val="000000"/>
-                </a:solidFill>
-                <a:uFill>
-                  <a:solidFill>
-                    <a:srgbClr val="ffffff"/>
-                  </a:solidFill>
-                </a:uFill>
-                <a:latin typeface="Arial"/>
-                <a:ea typeface="DejaVu Sans"/>
-              </a:rPr>
-              <a:t>%%% Se ajusto la apreciacion de las cantidades de refuerzo </a:t>
-            </a:r>
-            <a:endParaRPr/>
-          </a:p>
-          <a:p>
-            <a:r>
-              <a:rPr lang="fr-FR" sz="1800" spc="-1" strike="noStrike">
-                <a:solidFill>
-                  <a:srgbClr val="000000"/>
-                </a:solidFill>
-                <a:uFill>
-                  <a:solidFill>
-                    <a:srgbClr val="ffffff"/>
-                  </a:solidFill>
-                </a:uFill>
-                <a:latin typeface="Arial"/>
-                <a:ea typeface="DejaVu Sans"/>
-              </a:rPr>
-              <a:t>function rf = feel(pellets)</a:t>
-            </a:r>
-            <a:endParaRPr/>
-          </a:p>
-          <a:p>
-            <a:r>
-              <a:rPr lang="fr-FR" sz="1800" spc="-1" strike="noStrike">
-                <a:solidFill>
-                  <a:srgbClr val="000000"/>
-                </a:solidFill>
-                <a:uFill>
-                  <a:solidFill>
-                    <a:srgbClr val="ffffff"/>
-                  </a:solidFill>
-                </a:uFill>
-                <a:latin typeface="Arial"/>
-                <a:ea typeface="DejaVu Sans"/>
-              </a:rPr>
-              <a:t>  </a:t>
-            </a:r>
-            <a:r>
-              <a:rPr lang="fr-FR" sz="1800" spc="-1" strike="noStrike">
-                <a:solidFill>
-                  <a:srgbClr val="000000"/>
-                </a:solidFill>
-                <a:uFill>
-                  <a:solidFill>
-                    <a:srgbClr val="ffffff"/>
-                  </a:solidFill>
-                </a:uFill>
-                <a:latin typeface="Arial"/>
-                <a:ea typeface="DejaVu Sans"/>
-              </a:rPr>
-              <a:t>rf=0;</a:t>
-            </a:r>
-            <a:endParaRPr/>
-          </a:p>
-          <a:p>
-            <a:r>
-              <a:rPr lang="fr-FR" sz="1800" spc="-1" strike="noStrike">
-                <a:solidFill>
-                  <a:srgbClr val="000000"/>
-                </a:solidFill>
-                <a:uFill>
-                  <a:solidFill>
-                    <a:srgbClr val="ffffff"/>
-                  </a:solidFill>
-                </a:uFill>
-                <a:latin typeface="Arial"/>
-                <a:ea typeface="DejaVu Sans"/>
-              </a:rPr>
-              <a:t>  </a:t>
-            </a:r>
-            <a:r>
-              <a:rPr lang="fr-FR" sz="1800" spc="-1" strike="noStrike">
-                <a:solidFill>
-                  <a:srgbClr val="000000"/>
-                </a:solidFill>
-                <a:uFill>
-                  <a:solidFill>
-                    <a:srgbClr val="ffffff"/>
-                  </a:solidFill>
-                </a:uFill>
-                <a:latin typeface="Arial"/>
-                <a:ea typeface="DejaVu Sans"/>
-              </a:rPr>
-              <a:t>if (nargin~=0)</a:t>
-            </a:r>
-            <a:endParaRPr/>
-          </a:p>
-          <a:p>
-            <a:r>
-              <a:rPr lang="fr-FR" sz="1800" spc="-1" strike="noStrike">
-                <a:solidFill>
-                  <a:srgbClr val="000000"/>
-                </a:solidFill>
-                <a:uFill>
-                  <a:solidFill>
-                    <a:srgbClr val="ffffff"/>
-                  </a:solidFill>
-                </a:uFill>
-                <a:latin typeface="Arial"/>
-                <a:ea typeface="DejaVu Sans"/>
-              </a:rPr>
-              <a:t>    </a:t>
-            </a:r>
-            <a:r>
-              <a:rPr lang="fr-FR" sz="1800" spc="-1" strike="noStrike">
-                <a:solidFill>
-                  <a:srgbClr val="000000"/>
-                </a:solidFill>
-                <a:uFill>
-                  <a:solidFill>
-                    <a:srgbClr val="ffffff"/>
-                  </a:solidFill>
-                </a:uFill>
-                <a:latin typeface="Arial"/>
-                <a:ea typeface="DejaVu Sans"/>
-              </a:rPr>
-              <a:t>rf=(12.8*(1-exp(-.25.* pellets.^(2))))+(12.8*(1-exp(-.5.* pellets)));</a:t>
-            </a:r>
-            <a:endParaRPr/>
-          </a:p>
-          <a:p>
-            <a:r>
-              <a:rPr lang="fr-FR" sz="1800" spc="-1" strike="noStrike">
-                <a:solidFill>
-                  <a:srgbClr val="000000"/>
-                </a:solidFill>
-                <a:uFill>
-                  <a:solidFill>
-                    <a:srgbClr val="ffffff"/>
-                  </a:solidFill>
-                </a:uFill>
-                <a:latin typeface="Arial"/>
-                <a:ea typeface="DejaVu Sans"/>
-              </a:rPr>
-              <a:t>  </a:t>
-            </a:r>
-            <a:r>
-              <a:rPr lang="fr-FR" sz="1800" spc="-1" strike="noStrike">
-                <a:solidFill>
-                  <a:srgbClr val="000000"/>
-                </a:solidFill>
-                <a:uFill>
-                  <a:solidFill>
-                    <a:srgbClr val="ffffff"/>
-                  </a:solidFill>
-                </a:uFill>
-                <a:latin typeface="Arial"/>
-                <a:ea typeface="DejaVu Sans"/>
-              </a:rPr>
-              <a:t>else</a:t>
-            </a:r>
-            <a:endParaRPr/>
-          </a:p>
-          <a:p>
-            <a:r>
-              <a:rPr lang="fr-FR" sz="1800" spc="-1" strike="noStrike">
-                <a:solidFill>
-                  <a:srgbClr val="000000"/>
-                </a:solidFill>
-                <a:uFill>
-                  <a:solidFill>
-                    <a:srgbClr val="ffffff"/>
-                  </a:solidFill>
-                </a:uFill>
-                <a:latin typeface="Arial"/>
-                <a:ea typeface="DejaVu Sans"/>
-              </a:rPr>
-              <a:t>    </a:t>
-            </a:r>
-            <a:r>
-              <a:rPr lang="fr-FR" sz="1800" spc="-1" strike="noStrike">
-                <a:solidFill>
-                  <a:srgbClr val="000000"/>
-                </a:solidFill>
-                <a:uFill>
-                  <a:solidFill>
-                    <a:srgbClr val="ffffff"/>
-                  </a:solidFill>
-                </a:uFill>
-                <a:latin typeface="Arial"/>
-                <a:ea typeface="DejaVu Sans"/>
-              </a:rPr>
-              <a:t>error ("Faltan parametros");</a:t>
-            </a:r>
-            <a:endParaRPr/>
-          </a:p>
-          <a:p>
-            <a:r>
-              <a:rPr lang="fr-FR" sz="1800" spc="-1" strike="noStrike">
-                <a:solidFill>
-                  <a:srgbClr val="000000"/>
-                </a:solidFill>
-                <a:uFill>
-                  <a:solidFill>
-                    <a:srgbClr val="ffffff"/>
-                  </a:solidFill>
-                </a:uFill>
-                <a:latin typeface="Arial"/>
-                <a:ea typeface="DejaVu Sans"/>
-              </a:rPr>
-              <a:t>  </a:t>
-            </a:r>
-            <a:r>
-              <a:rPr lang="fr-FR" sz="1800" spc="-1" strike="noStrike">
-                <a:solidFill>
-                  <a:srgbClr val="000000"/>
-                </a:solidFill>
-                <a:uFill>
-                  <a:solidFill>
-                    <a:srgbClr val="ffffff"/>
-                  </a:solidFill>
-                </a:uFill>
-                <a:latin typeface="Arial"/>
-                <a:ea typeface="DejaVu Sans"/>
-              </a:rPr>
-              <a:t>endif</a:t>
-            </a:r>
-            <a:endParaRPr/>
-          </a:p>
-          <a:p>
-            <a:r>
-              <a:rPr lang="fr-FR" sz="1800" spc="-1" strike="noStrike">
-                <a:solidFill>
-                  <a:srgbClr val="000000"/>
-                </a:solidFill>
-                <a:uFill>
-                  <a:solidFill>
-                    <a:srgbClr val="ffffff"/>
-                  </a:solidFill>
-                </a:uFill>
-                <a:latin typeface="Arial"/>
-                <a:ea typeface="DejaVu Sans"/>
-              </a:rPr>
-              <a:t>endfunction</a:t>
-            </a:r>
-            <a:endParaRPr/>
-          </a:p>
-          <a:p>
-            <a:endParaRPr/>
-          </a:p>
-          <a:p>
-            <a:endParaRPr/>
-          </a:p>
-          <a:p>
-            <a:r>
-              <a:rPr lang="fr-FR" sz="1800" spc="-1" strike="noStrike">
-                <a:solidFill>
-                  <a:srgbClr val="000000"/>
-                </a:solidFill>
-                <a:uFill>
-                  <a:solidFill>
-                    <a:srgbClr val="ffffff"/>
-                  </a:solidFill>
-                </a:uFill>
-                <a:latin typeface="Arial"/>
-                <a:ea typeface="DejaVu Sans"/>
-              </a:rPr>
-              <a:t> → </a:t>
-            </a:r>
-            <a:r>
-              <a:rPr lang="fr-FR" sz="1800" spc="-1" strike="noStrike">
-                <a:solidFill>
-                  <a:srgbClr val="000000"/>
-                </a:solidFill>
-                <a:uFill>
-                  <a:solidFill>
-                    <a:srgbClr val="ffffff"/>
-                  </a:solidFill>
-                </a:uFill>
-                <a:latin typeface="Arial"/>
-                <a:ea typeface="DejaVu Sans"/>
-              </a:rPr>
-              <a:t>feel(2) ~ 2*feel(1)</a:t>
-            </a:r>
-            <a:endParaRPr/>
-          </a:p>
-        </p:txBody>
-      </p:sp>
+      </p:pic>
     </p:spTree>
   </p:cSld>
   <p:timing>
     <p:tnLst>
       <p:par>
-        <p:cTn id="39" dur="indefinite" restart="never" nodeType="tmRoot">
+        <p:cTn id="37" dur="indefinite" restart="never" nodeType="tmRoot">
           <p:childTnLst>
             <p:seq>
-              <p:cTn id="40" nodeType="mainSeq"/>
+              <p:cTn id="38" nodeType="mainSeq"/>
               <p:prevCondLst>
                 <p:cond delay="0" evt="onPrev">
                   <p:tgtEl>
@@ -10917,9 +11328,225 @@
           <a:chExt cx="0" cy="0"/>
         </a:xfrm>
       </p:grpSpPr>
-      <p:sp>
-        <p:nvSpPr>
-          <p:cNvPr id="264" name="CustomShape 1"/>
+      <p:pic>
+        <p:nvPicPr>
+          <p:cNvPr id="264" name="" descr=""/>
+          <p:cNvPicPr/>
+          <p:nvPr/>
+        </p:nvPicPr>
+        <p:blipFill>
+          <a:blip r:embed="rId1"/>
+          <a:stretch/>
+        </p:blipFill>
+        <p:spPr>
+          <a:xfrm>
+            <a:off x="360" y="1008000"/>
+            <a:ext cx="10080360" cy="5186520"/>
+          </a:xfrm>
+          <a:prstGeom prst="rect">
+            <a:avLst/>
+          </a:prstGeom>
+          <a:ln>
+            <a:noFill/>
+          </a:ln>
+        </p:spPr>
+      </p:pic>
+    </p:spTree>
+  </p:cSld>
+  <p:timing>
+    <p:tnLst>
+      <p:par>
+        <p:cTn id="39" dur="indefinite" restart="never" nodeType="tmRoot">
+          <p:childTnLst>
+            <p:seq>
+              <p:cTn id="40" nodeType="mainSeq"/>
+              <p:prevCondLst>
+                <p:cond delay="0" evt="onPrev">
+                  <p:tgtEl>
+                    <p:sldTgt/>
+                  </p:tgtEl>
+                </p:cond>
+              </p:prevCondLst>
+              <p:nextCondLst>
+                <p:cond delay="0" evt="onNext">
+                  <p:tgtEl>
+                    <p:sldTgt/>
+                  </p:tgtEl>
+                </p:cond>
+              </p:nextCondLst>
+            </p:seq>
+          </p:childTnLst>
+        </p:cTn>
+      </p:par>
+    </p:tnLst>
+  </p:timing>
+</p:sld>
+</file>
+
+<file path=ppt/slides/slide22.xml><?xml version="1.0" encoding="utf-8"?>
+<p:sld xmlns:a="http://schemas.openxmlformats.org/drawingml/2006/main" xmlns:p="http://schemas.openxmlformats.org/presentationml/2006/main" xmlns:r="http://schemas.openxmlformats.org/officeDocument/2006/relationships">
+  <p:cSld>
+    <p:spTree>
+      <p:nvGrpSpPr>
+        <p:cNvPr id="1" name=""/>
+        <p:cNvGrpSpPr/>
+        <p:nvPr/>
+      </p:nvGrpSpPr>
+      <p:grpSpPr>
+        <a:xfrm>
+          <a:off x="0" y="0"/>
+          <a:ext cx="0" cy="0"/>
+          <a:chOff x="0" y="0"/>
+          <a:chExt cx="0" cy="0"/>
+        </a:xfrm>
+      </p:grpSpPr>
+      <p:pic>
+        <p:nvPicPr>
+          <p:cNvPr id="265" name="" descr=""/>
+          <p:cNvPicPr/>
+          <p:nvPr/>
+        </p:nvPicPr>
+        <p:blipFill>
+          <a:blip r:embed="rId1"/>
+          <a:stretch/>
+        </p:blipFill>
+        <p:spPr>
+          <a:xfrm>
+            <a:off x="0" y="1337400"/>
+            <a:ext cx="10080360" cy="5142600"/>
+          </a:xfrm>
+          <a:prstGeom prst="rect">
+            <a:avLst/>
+          </a:prstGeom>
+          <a:ln>
+            <a:noFill/>
+          </a:ln>
+        </p:spPr>
+      </p:pic>
+    </p:spTree>
+  </p:cSld>
+  <p:timing>
+    <p:tnLst>
+      <p:par>
+        <p:cTn id="41" dur="indefinite" restart="never" nodeType="tmRoot">
+          <p:childTnLst>
+            <p:seq>
+              <p:cTn id="42" nodeType="mainSeq"/>
+              <p:prevCondLst>
+                <p:cond delay="0" evt="onPrev">
+                  <p:tgtEl>
+                    <p:sldTgt/>
+                  </p:tgtEl>
+                </p:cond>
+              </p:prevCondLst>
+              <p:nextCondLst>
+                <p:cond delay="0" evt="onNext">
+                  <p:tgtEl>
+                    <p:sldTgt/>
+                  </p:tgtEl>
+                </p:cond>
+              </p:nextCondLst>
+            </p:seq>
+          </p:childTnLst>
+        </p:cTn>
+      </p:par>
+    </p:tnLst>
+  </p:timing>
+</p:sld>
+</file>
+
+<file path=ppt/slides/slide23.xml><?xml version="1.0" encoding="utf-8"?>
+<p:sld xmlns:a="http://schemas.openxmlformats.org/drawingml/2006/main" xmlns:p="http://schemas.openxmlformats.org/presentationml/2006/main" xmlns:r="http://schemas.openxmlformats.org/officeDocument/2006/relationships">
+  <p:cSld>
+    <p:spTree>
+      <p:nvGrpSpPr>
+        <p:cNvPr id="1" name=""/>
+        <p:cNvGrpSpPr/>
+        <p:nvPr/>
+      </p:nvGrpSpPr>
+      <p:grpSpPr>
+        <a:xfrm>
+          <a:off x="0" y="0"/>
+          <a:ext cx="0" cy="0"/>
+          <a:chOff x="0" y="0"/>
+          <a:chExt cx="0" cy="0"/>
+        </a:xfrm>
+      </p:grpSpPr>
+      <p:pic>
+        <p:nvPicPr>
+          <p:cNvPr id="266" name="" descr=""/>
+          <p:cNvPicPr/>
+          <p:nvPr/>
+        </p:nvPicPr>
+        <p:blipFill>
+          <a:blip r:embed="rId1"/>
+          <a:stretch/>
+        </p:blipFill>
+        <p:spPr>
+          <a:xfrm>
+            <a:off x="0" y="1122480"/>
+            <a:ext cx="10080360" cy="5141520"/>
+          </a:xfrm>
+          <a:prstGeom prst="rect">
+            <a:avLst/>
+          </a:prstGeom>
+          <a:ln>
+            <a:noFill/>
+          </a:ln>
+        </p:spPr>
+      </p:pic>
+    </p:spTree>
+  </p:cSld>
+  <p:timing>
+    <p:tnLst>
+      <p:par>
+        <p:cTn id="43" dur="indefinite" restart="never" nodeType="tmRoot">
+          <p:childTnLst>
+            <p:seq>
+              <p:cTn id="44" nodeType="mainSeq"/>
+              <p:prevCondLst>
+                <p:cond delay="0" evt="onPrev">
+                  <p:tgtEl>
+                    <p:sldTgt/>
+                  </p:tgtEl>
+                </p:cond>
+              </p:prevCondLst>
+              <p:nextCondLst>
+                <p:cond delay="0" evt="onNext">
+                  <p:tgtEl>
+                    <p:sldTgt/>
+                  </p:tgtEl>
+                </p:cond>
+              </p:nextCondLst>
+            </p:seq>
+          </p:childTnLst>
+        </p:cTn>
+      </p:par>
+    </p:tnLst>
+  </p:timing>
+</p:sld>
+</file>
+
+<file path=ppt/slides/slide24.xml><?xml version="1.0" encoding="utf-8"?>
+<p:sld xmlns:a="http://schemas.openxmlformats.org/drawingml/2006/main" xmlns:p="http://schemas.openxmlformats.org/presentationml/2006/main" xmlns:r="http://schemas.openxmlformats.org/officeDocument/2006/relationships">
+  <p:cSld>
+    <p:spTree>
+      <p:nvGrpSpPr>
+        <p:cNvPr id="1" name=""/>
+        <p:cNvGrpSpPr/>
+        <p:nvPr/>
+      </p:nvGrpSpPr>
+      <p:grpSpPr>
+        <a:xfrm>
+          <a:off x="0" y="0"/>
+          <a:ext cx="0" cy="0"/>
+          <a:chOff x="0" y="0"/>
+          <a:chExt cx="0" cy="0"/>
+        </a:xfrm>
+      </p:grpSpPr>
+      <p:sp>
+        <p:nvSpPr>
+          <p:cNvPr id="267" name="CustomShape 1"/>
           <p:cNvSpPr/>
           <p:nvPr/>
         </p:nvSpPr>
@@ -10963,6 +11590,427 @@
                 <a:latin typeface="Arial"/>
                 <a:ea typeface="DejaVu Sans"/>
               </a:rPr>
+              <a:t>Nuevo calculo de los refuerzos</a:t>
+            </a:r>
+            <a:endParaRPr/>
+          </a:p>
+        </p:txBody>
+      </p:sp>
+      <p:sp>
+        <p:nvSpPr>
+          <p:cNvPr id="268" name="CustomShape 2"/>
+          <p:cNvSpPr/>
+          <p:nvPr/>
+        </p:nvSpPr>
+        <p:spPr>
+          <a:xfrm>
+            <a:off x="648000" y="1656000"/>
+            <a:ext cx="8999280" cy="2905200"/>
+          </a:xfrm>
+          <a:prstGeom prst="rect">
+            <a:avLst/>
+          </a:prstGeom>
+          <a:noFill/>
+          <a:ln>
+            <a:noFill/>
+          </a:ln>
+        </p:spPr>
+        <p:style>
+          <a:lnRef idx="0"/>
+          <a:fillRef idx="0"/>
+          <a:effectRef idx="0"/>
+          <a:fontRef idx="minor"/>
+        </p:style>
+        <p:txBody>
+          <a:bodyPr lIns="90000" rIns="90000" tIns="45000" bIns="45000"/>
+          <a:p>
+            <a:r>
+              <a:rPr lang="fr-FR" sz="1800" spc="-1" strike="noStrike">
+                <a:solidFill>
+                  <a:srgbClr val="000000"/>
+                </a:solidFill>
+                <a:uFill>
+                  <a:solidFill>
+                    <a:srgbClr val="ffffff"/>
+                  </a:solidFill>
+                </a:uFill>
+                <a:latin typeface="Arial"/>
+                <a:ea typeface="DejaVu Sans"/>
+              </a:rPr>
+              <a:t>Se ajusto la apreciacion de las cantidades de refuerzo :</a:t>
+            </a:r>
+            <a:endParaRPr/>
+          </a:p>
+          <a:p>
+            <a:r>
+              <a:rPr lang="fr-FR" sz="1800" spc="-1" strike="noStrike">
+                <a:solidFill>
+                  <a:srgbClr val="000000"/>
+                </a:solidFill>
+                <a:uFill>
+                  <a:solidFill>
+                    <a:srgbClr val="ffffff"/>
+                  </a:solidFill>
+                </a:uFill>
+                <a:latin typeface="Arial"/>
+                <a:ea typeface="DejaVu Sans"/>
+              </a:rPr>
+              <a:t>function rf = feel(pellets)</a:t>
+            </a:r>
+            <a:endParaRPr/>
+          </a:p>
+          <a:p>
+            <a:r>
+              <a:rPr lang="fr-FR" sz="1800" spc="-1" strike="noStrike">
+                <a:solidFill>
+                  <a:srgbClr val="000000"/>
+                </a:solidFill>
+                <a:uFill>
+                  <a:solidFill>
+                    <a:srgbClr val="ffffff"/>
+                  </a:solidFill>
+                </a:uFill>
+                <a:latin typeface="Arial"/>
+                <a:ea typeface="DejaVu Sans"/>
+              </a:rPr>
+              <a:t>  </a:t>
+            </a:r>
+            <a:r>
+              <a:rPr lang="fr-FR" sz="1800" spc="-1" strike="noStrike">
+                <a:solidFill>
+                  <a:srgbClr val="000000"/>
+                </a:solidFill>
+                <a:uFill>
+                  <a:solidFill>
+                    <a:srgbClr val="ffffff"/>
+                  </a:solidFill>
+                </a:uFill>
+                <a:latin typeface="Arial"/>
+                <a:ea typeface="DejaVu Sans"/>
+              </a:rPr>
+              <a:t>rf=0;</a:t>
+            </a:r>
+            <a:endParaRPr/>
+          </a:p>
+          <a:p>
+            <a:r>
+              <a:rPr lang="fr-FR" sz="1800" spc="-1" strike="noStrike">
+                <a:solidFill>
+                  <a:srgbClr val="000000"/>
+                </a:solidFill>
+                <a:uFill>
+                  <a:solidFill>
+                    <a:srgbClr val="ffffff"/>
+                  </a:solidFill>
+                </a:uFill>
+                <a:latin typeface="Arial"/>
+                <a:ea typeface="DejaVu Sans"/>
+              </a:rPr>
+              <a:t>  </a:t>
+            </a:r>
+            <a:r>
+              <a:rPr lang="fr-FR" sz="1800" spc="-1" strike="noStrike">
+                <a:solidFill>
+                  <a:srgbClr val="000000"/>
+                </a:solidFill>
+                <a:uFill>
+                  <a:solidFill>
+                    <a:srgbClr val="ffffff"/>
+                  </a:solidFill>
+                </a:uFill>
+                <a:latin typeface="Arial"/>
+                <a:ea typeface="DejaVu Sans"/>
+              </a:rPr>
+              <a:t>if (nargin~=0)</a:t>
+            </a:r>
+            <a:endParaRPr/>
+          </a:p>
+          <a:p>
+            <a:r>
+              <a:rPr lang="fr-FR" sz="1800" spc="-1" strike="noStrike">
+                <a:solidFill>
+                  <a:srgbClr val="000000"/>
+                </a:solidFill>
+                <a:uFill>
+                  <a:solidFill>
+                    <a:srgbClr val="ffffff"/>
+                  </a:solidFill>
+                </a:uFill>
+                <a:latin typeface="Arial"/>
+                <a:ea typeface="DejaVu Sans"/>
+              </a:rPr>
+              <a:t>    </a:t>
+            </a:r>
+            <a:r>
+              <a:rPr lang="fr-FR" sz="1800" spc="-1" strike="noStrike">
+                <a:solidFill>
+                  <a:srgbClr val="000000"/>
+                </a:solidFill>
+                <a:uFill>
+                  <a:solidFill>
+                    <a:srgbClr val="ffffff"/>
+                  </a:solidFill>
+                </a:uFill>
+                <a:latin typeface="Arial"/>
+                <a:ea typeface="DejaVu Sans"/>
+              </a:rPr>
+              <a:t>rf=(12.8*(1-exp(-.25.* pellets.^(2))))+(12.8*(1-exp(-.5.* pellets)));</a:t>
+            </a:r>
+            <a:endParaRPr/>
+          </a:p>
+          <a:p>
+            <a:r>
+              <a:rPr lang="fr-FR" sz="1800" spc="-1" strike="noStrike">
+                <a:solidFill>
+                  <a:srgbClr val="000000"/>
+                </a:solidFill>
+                <a:uFill>
+                  <a:solidFill>
+                    <a:srgbClr val="ffffff"/>
+                  </a:solidFill>
+                </a:uFill>
+                <a:latin typeface="Arial"/>
+                <a:ea typeface="DejaVu Sans"/>
+              </a:rPr>
+              <a:t>  </a:t>
+            </a:r>
+            <a:r>
+              <a:rPr lang="fr-FR" sz="1800" spc="-1" strike="noStrike">
+                <a:solidFill>
+                  <a:srgbClr val="000000"/>
+                </a:solidFill>
+                <a:uFill>
+                  <a:solidFill>
+                    <a:srgbClr val="ffffff"/>
+                  </a:solidFill>
+                </a:uFill>
+                <a:latin typeface="Arial"/>
+                <a:ea typeface="DejaVu Sans"/>
+              </a:rPr>
+              <a:t>else</a:t>
+            </a:r>
+            <a:endParaRPr/>
+          </a:p>
+          <a:p>
+            <a:r>
+              <a:rPr lang="fr-FR" sz="1800" spc="-1" strike="noStrike">
+                <a:solidFill>
+                  <a:srgbClr val="000000"/>
+                </a:solidFill>
+                <a:uFill>
+                  <a:solidFill>
+                    <a:srgbClr val="ffffff"/>
+                  </a:solidFill>
+                </a:uFill>
+                <a:latin typeface="Arial"/>
+                <a:ea typeface="DejaVu Sans"/>
+              </a:rPr>
+              <a:t>    </a:t>
+            </a:r>
+            <a:r>
+              <a:rPr lang="fr-FR" sz="1800" spc="-1" strike="noStrike">
+                <a:solidFill>
+                  <a:srgbClr val="000000"/>
+                </a:solidFill>
+                <a:uFill>
+                  <a:solidFill>
+                    <a:srgbClr val="ffffff"/>
+                  </a:solidFill>
+                </a:uFill>
+                <a:latin typeface="Arial"/>
+                <a:ea typeface="DejaVu Sans"/>
+              </a:rPr>
+              <a:t>error ("Faltan parametros");</a:t>
+            </a:r>
+            <a:endParaRPr/>
+          </a:p>
+          <a:p>
+            <a:r>
+              <a:rPr lang="fr-FR" sz="1800" spc="-1" strike="noStrike">
+                <a:solidFill>
+                  <a:srgbClr val="000000"/>
+                </a:solidFill>
+                <a:uFill>
+                  <a:solidFill>
+                    <a:srgbClr val="ffffff"/>
+                  </a:solidFill>
+                </a:uFill>
+                <a:latin typeface="Arial"/>
+                <a:ea typeface="DejaVu Sans"/>
+              </a:rPr>
+              <a:t>  </a:t>
+            </a:r>
+            <a:r>
+              <a:rPr lang="fr-FR" sz="1800" spc="-1" strike="noStrike">
+                <a:solidFill>
+                  <a:srgbClr val="000000"/>
+                </a:solidFill>
+                <a:uFill>
+                  <a:solidFill>
+                    <a:srgbClr val="ffffff"/>
+                  </a:solidFill>
+                </a:uFill>
+                <a:latin typeface="Arial"/>
+                <a:ea typeface="DejaVu Sans"/>
+              </a:rPr>
+              <a:t>endif</a:t>
+            </a:r>
+            <a:endParaRPr/>
+          </a:p>
+          <a:p>
+            <a:r>
+              <a:rPr lang="fr-FR" sz="1800" spc="-1" strike="noStrike">
+                <a:solidFill>
+                  <a:srgbClr val="000000"/>
+                </a:solidFill>
+                <a:uFill>
+                  <a:solidFill>
+                    <a:srgbClr val="ffffff"/>
+                  </a:solidFill>
+                </a:uFill>
+                <a:latin typeface="Arial"/>
+                <a:ea typeface="DejaVu Sans"/>
+              </a:rPr>
+              <a:t>endfunction</a:t>
+            </a:r>
+            <a:endParaRPr/>
+          </a:p>
+          <a:p>
+            <a:endParaRPr/>
+          </a:p>
+          <a:p>
+            <a:endParaRPr/>
+          </a:p>
+          <a:p>
+            <a:r>
+              <a:rPr lang="fr-FR" sz="1800" spc="-1" strike="noStrike">
+                <a:solidFill>
+                  <a:srgbClr val="000000"/>
+                </a:solidFill>
+                <a:uFill>
+                  <a:solidFill>
+                    <a:srgbClr val="ffffff"/>
+                  </a:solidFill>
+                </a:uFill>
+                <a:latin typeface="Arial"/>
+                <a:ea typeface="DejaVu Sans"/>
+              </a:rPr>
+              <a:t> → </a:t>
+            </a:r>
+            <a:r>
+              <a:rPr lang="fr-FR" sz="1800" spc="-1" strike="noStrike">
+                <a:solidFill>
+                  <a:srgbClr val="000000"/>
+                </a:solidFill>
+                <a:uFill>
+                  <a:solidFill>
+                    <a:srgbClr val="ffffff"/>
+                  </a:solidFill>
+                </a:uFill>
+                <a:latin typeface="Arial"/>
+                <a:ea typeface="DejaVu Sans"/>
+              </a:rPr>
+              <a:t>feel(2) ~ 2*feel(1)</a:t>
+            </a:r>
+            <a:endParaRPr/>
+          </a:p>
+        </p:txBody>
+      </p:sp>
+    </p:spTree>
+  </p:cSld>
+  <p:timing>
+    <p:tnLst>
+      <p:par>
+        <p:cTn id="45" dur="indefinite" restart="never" nodeType="tmRoot">
+          <p:childTnLst>
+            <p:seq>
+              <p:cTn id="46" nodeType="mainSeq"/>
+              <p:prevCondLst>
+                <p:cond delay="0" evt="onPrev">
+                  <p:tgtEl>
+                    <p:sldTgt/>
+                  </p:tgtEl>
+                </p:cond>
+              </p:prevCondLst>
+              <p:nextCondLst>
+                <p:cond delay="0" evt="onNext">
+                  <p:tgtEl>
+                    <p:sldTgt/>
+                  </p:tgtEl>
+                </p:cond>
+              </p:nextCondLst>
+            </p:seq>
+          </p:childTnLst>
+        </p:cTn>
+      </p:par>
+    </p:tnLst>
+  </p:timing>
+</p:sld>
+</file>
+
+<file path=ppt/slides/slide25.xml><?xml version="1.0" encoding="utf-8"?>
+<p:sld xmlns:a="http://schemas.openxmlformats.org/drawingml/2006/main" xmlns:p="http://schemas.openxmlformats.org/presentationml/2006/main" xmlns:r="http://schemas.openxmlformats.org/officeDocument/2006/relationships">
+  <p:cSld>
+    <p:spTree>
+      <p:nvGrpSpPr>
+        <p:cNvPr id="1" name=""/>
+        <p:cNvGrpSpPr/>
+        <p:nvPr/>
+      </p:nvGrpSpPr>
+      <p:grpSpPr>
+        <a:xfrm>
+          <a:off x="0" y="0"/>
+          <a:ext cx="0" cy="0"/>
+          <a:chOff x="0" y="0"/>
+          <a:chExt cx="0" cy="0"/>
+        </a:xfrm>
+      </p:grpSpPr>
+      <p:sp>
+        <p:nvSpPr>
+          <p:cNvPr id="269" name="CustomShape 1"/>
+          <p:cNvSpPr/>
+          <p:nvPr/>
+        </p:nvSpPr>
+        <p:spPr>
+          <a:xfrm>
+            <a:off x="504000" y="301320"/>
+            <a:ext cx="9070920" cy="1260720"/>
+          </a:xfrm>
+          <a:prstGeom prst="rect">
+            <a:avLst/>
+          </a:prstGeom>
+          <a:noFill/>
+          <a:ln>
+            <a:noFill/>
+          </a:ln>
+        </p:spPr>
+        <p:style>
+          <a:lnRef idx="0"/>
+          <a:fillRef idx="0"/>
+          <a:effectRef idx="0"/>
+          <a:fontRef idx="minor"/>
+        </p:style>
+        <p:txBody>
+          <a:bodyPr lIns="0" rIns="0" tIns="0" bIns="0" anchor="ctr"/>
+          <a:p>
+            <a:pPr algn="ctr">
+              <a:lnSpc>
+                <a:spcPct val="100000"/>
+              </a:lnSpc>
+            </a:pPr>
+            <a:r>
+              <a:rPr lang="fr-FR" sz="4400" spc="-1" strike="noStrike">
+                <a:solidFill>
+                  <a:srgbClr val="000000"/>
+                </a:solidFill>
+                <a:uFill>
+                  <a:solidFill>
+                    <a:srgbClr val="ffffff"/>
+                  </a:solidFill>
+                </a:uFill>
+                <a:latin typeface="Arial"/>
+                <a:ea typeface="DejaVu Sans"/>
+              </a:rPr>
               <a:t>Refuerzo en una vez</a:t>
             </a:r>
             <a:endParaRPr/>
@@ -10971,7 +12019,7 @@
       </p:sp>
       <p:sp>
         <p:nvSpPr>
-          <p:cNvPr id="265" name="CustomShape 2"/>
+          <p:cNvPr id="270" name="CustomShape 2"/>
           <p:cNvSpPr/>
           <p:nvPr/>
         </p:nvSpPr>
@@ -11090,10 +12138,10 @@
   <p:timing>
     <p:tnLst>
       <p:par>
-        <p:cTn id="41" dur="indefinite" restart="never" nodeType="tmRoot">
+        <p:cTn id="47" dur="indefinite" restart="never" nodeType="tmRoot">
           <p:childTnLst>
             <p:seq>
-              <p:cTn id="42" nodeType="mainSeq"/>
+              <p:cTn id="48" nodeType="mainSeq"/>
               <p:prevCondLst>
                 <p:cond delay="0" evt="onPrev">
                   <p:tgtEl>
@@ -11180,7 +12228,7 @@
                 <a:latin typeface="Arial"/>
                 <a:ea typeface="DejaVu Sans"/>
               </a:rPr>
-              <a:t>Como definir bien Beta y Gamma</a:t>
+              <a:t>Programa que compara los STM en lugar de los A</a:t>
             </a:r>
             <a:endParaRPr/>
           </a:p>
@@ -11211,338 +12259,16 @@
           <a:effectRef idx="0"/>
           <a:fontRef idx="minor"/>
         </p:style>
-        <p:txBody>
-          <a:bodyPr lIns="0" rIns="0" tIns="0" bIns="0"/>
-          <a:p>
-            <a:pPr marL="432000" indent="-321120">
-              <a:lnSpc>
-                <a:spcPct val="100000"/>
-              </a:lnSpc>
-              <a:buClr>
-                <a:srgbClr val="ffffff"/>
-              </a:buClr>
-              <a:buSzPct val="45000"/>
-              <a:buFont typeface="StarSymbol"/>
-              <a:buChar char="l"/>
-            </a:pPr>
-            <a:r>
-              <a:rPr lang="fr-FR" sz="1800" spc="-1" strike="noStrike">
-                <a:solidFill>
-                  <a:srgbClr val="000000"/>
-                </a:solidFill>
-                <a:uFill>
-                  <a:solidFill>
-                    <a:srgbClr val="ffffff"/>
-                  </a:solidFill>
-                </a:uFill>
-                <a:latin typeface="Arial"/>
-                <a:ea typeface="DejaVu Sans"/>
-              </a:rPr>
-              <a:t>STM(t) = exp(-beta*t) = exp(-t/tau)</a:t>
-            </a:r>
-            <a:endParaRPr/>
-          </a:p>
-          <a:p>
-            <a:pPr marL="432000" indent="-321120">
-              <a:lnSpc>
-                <a:spcPct val="100000"/>
-              </a:lnSpc>
-              <a:buClr>
-                <a:srgbClr val="ffffff"/>
-              </a:buClr>
-              <a:buSzPct val="45000"/>
-              <a:buFont typeface="StarSymbol"/>
-              <a:buChar char="l"/>
-            </a:pPr>
-            <a:r>
-              <a:rPr lang="fr-FR" sz="1800" spc="-1" strike="noStrike">
-                <a:solidFill>
-                  <a:srgbClr val="000000"/>
-                </a:solidFill>
-                <a:uFill>
-                  <a:solidFill>
-                    <a:srgbClr val="ffffff"/>
-                  </a:solidFill>
-                </a:uFill>
-                <a:latin typeface="Arial"/>
-                <a:ea typeface="DejaVu Sans"/>
-              </a:rPr>
-              <a:t>tau = 1/beta</a:t>
-            </a:r>
-            <a:endParaRPr/>
-          </a:p>
-          <a:p>
-            <a:pPr marL="432000" indent="-321120">
-              <a:lnSpc>
-                <a:spcPct val="100000"/>
-              </a:lnSpc>
-              <a:buClr>
-                <a:srgbClr val="ffffff"/>
-              </a:buClr>
-              <a:buSzPct val="45000"/>
-              <a:buFont typeface="StarSymbol"/>
-              <a:buChar char="l"/>
-            </a:pPr>
-            <a:r>
-              <a:rPr lang="fr-FR" sz="1800" spc="-1" strike="noStrike">
-                <a:solidFill>
-                  <a:srgbClr val="000000"/>
-                </a:solidFill>
-                <a:uFill>
-                  <a:solidFill>
-                    <a:srgbClr val="ffffff"/>
-                  </a:solidFill>
-                </a:uFill>
-                <a:latin typeface="Arial"/>
-                <a:ea typeface="DejaVu Sans"/>
-              </a:rPr>
-              <a:t> </a:t>
-            </a:r>
-            <a:endParaRPr/>
-          </a:p>
-          <a:p>
-            <a:pPr marL="432000" indent="-321120">
-              <a:lnSpc>
-                <a:spcPct val="100000"/>
-              </a:lnSpc>
-              <a:buClr>
-                <a:srgbClr val="ffffff"/>
-              </a:buClr>
-              <a:buSzPct val="45000"/>
-              <a:buFont typeface="StarSymbol"/>
-              <a:buChar char="l"/>
-            </a:pPr>
-            <a:r>
-              <a:rPr lang="fr-FR" sz="1800" spc="-1" strike="noStrike">
-                <a:solidFill>
-                  <a:srgbClr val="000000"/>
-                </a:solidFill>
-                <a:uFill>
-                  <a:solidFill>
-                    <a:srgbClr val="ffffff"/>
-                  </a:solidFill>
-                </a:uFill>
-                <a:latin typeface="Arial"/>
-                <a:ea typeface="DejaVu Sans"/>
-              </a:rPr>
-              <a:t>exp(-5*tau/tau) = exp(-5) ~ 0</a:t>
-            </a:r>
-            <a:endParaRPr/>
-          </a:p>
-          <a:p>
-            <a:pPr marL="432000" indent="-321120">
-              <a:lnSpc>
-                <a:spcPct val="100000"/>
-              </a:lnSpc>
-              <a:buClr>
-                <a:srgbClr val="ffffff"/>
-              </a:buClr>
-              <a:buSzPct val="45000"/>
-              <a:buFont typeface="StarSymbol"/>
-              <a:buChar char="l"/>
-            </a:pPr>
-            <a:r>
-              <a:rPr lang="fr-FR" sz="1800" spc="-1" strike="noStrike">
-                <a:solidFill>
-                  <a:srgbClr val="000000"/>
-                </a:solidFill>
-                <a:uFill>
-                  <a:solidFill>
-                    <a:srgbClr val="ffffff"/>
-                  </a:solidFill>
-                </a:uFill>
-                <a:latin typeface="Arial"/>
-                <a:ea typeface="DejaVu Sans"/>
-              </a:rPr>
-              <a:t>5*tau = 20*n(trial) </a:t>
-            </a:r>
-            <a:endParaRPr/>
-          </a:p>
-          <a:p>
-            <a:pPr marL="432000" indent="-321120">
-              <a:lnSpc>
-                <a:spcPct val="100000"/>
-              </a:lnSpc>
-              <a:buClr>
-                <a:srgbClr val="ffffff"/>
-              </a:buClr>
-              <a:buSzPct val="45000"/>
-              <a:buFont typeface="StarSymbol"/>
-              <a:buChar char="l"/>
-            </a:pPr>
-            <a:r>
-              <a:rPr lang="fr-FR" sz="1800" spc="-1" strike="noStrike">
-                <a:solidFill>
-                  <a:srgbClr val="000000"/>
-                </a:solidFill>
-                <a:uFill>
-                  <a:solidFill>
-                    <a:srgbClr val="ffffff"/>
-                  </a:solidFill>
-                </a:uFill>
-                <a:latin typeface="Arial"/>
-                <a:ea typeface="DejaVu Sans"/>
-              </a:rPr>
-              <a:t> </a:t>
-            </a:r>
-            <a:endParaRPr/>
-          </a:p>
-          <a:p>
-            <a:pPr marL="432000" indent="-321120">
-              <a:lnSpc>
-                <a:spcPct val="100000"/>
-              </a:lnSpc>
-              <a:buClr>
-                <a:srgbClr val="ffffff"/>
-              </a:buClr>
-              <a:buSzPct val="45000"/>
-              <a:buFont typeface="StarSymbol"/>
-              <a:buChar char="l"/>
-            </a:pPr>
-            <a:r>
-              <a:rPr lang="fr-FR" sz="1800" spc="-1" strike="noStrike">
-                <a:solidFill>
-                  <a:srgbClr val="000000"/>
-                </a:solidFill>
-                <a:uFill>
-                  <a:solidFill>
-                    <a:srgbClr val="ffffff"/>
-                  </a:solidFill>
-                </a:uFill>
-                <a:latin typeface="Arial"/>
-                <a:ea typeface="DejaVu Sans"/>
-              </a:rPr>
-              <a:t>n(trial) = 2 para beta</a:t>
-            </a:r>
-            <a:endParaRPr/>
-          </a:p>
-          <a:p>
-            <a:pPr marL="432000" indent="-321120">
-              <a:lnSpc>
-                <a:spcPct val="100000"/>
-              </a:lnSpc>
-              <a:buClr>
-                <a:srgbClr val="ffffff"/>
-              </a:buClr>
-              <a:buSzPct val="45000"/>
-              <a:buFont typeface="StarSymbol"/>
-              <a:buChar char="l"/>
-            </a:pPr>
-            <a:r>
-              <a:rPr lang="fr-FR" sz="1800" spc="-1" strike="noStrike">
-                <a:solidFill>
-                  <a:srgbClr val="000000"/>
-                </a:solidFill>
-                <a:uFill>
-                  <a:solidFill>
-                    <a:srgbClr val="ffffff"/>
-                  </a:solidFill>
-                </a:uFill>
-                <a:latin typeface="Arial"/>
-                <a:ea typeface="DejaVu Sans"/>
-              </a:rPr>
-              <a:t>2 trials para que STM = 0, el rata se recorda de 2 trials</a:t>
-            </a:r>
-            <a:endParaRPr/>
-          </a:p>
-          <a:p>
-            <a:pPr marL="432000" indent="-321120">
-              <a:lnSpc>
-                <a:spcPct val="100000"/>
-              </a:lnSpc>
-              <a:buClr>
-                <a:srgbClr val="ffffff"/>
-              </a:buClr>
-              <a:buSzPct val="45000"/>
-              <a:buFont typeface="StarSymbol"/>
-              <a:buChar char="l"/>
-            </a:pPr>
-            <a:r>
-              <a:rPr lang="fr-FR" sz="1800" spc="-1" strike="noStrike">
-                <a:solidFill>
-                  <a:srgbClr val="000000"/>
-                </a:solidFill>
-                <a:uFill>
-                  <a:solidFill>
-                    <a:srgbClr val="ffffff"/>
-                  </a:solidFill>
-                </a:uFill>
-                <a:latin typeface="Arial"/>
-                <a:ea typeface="DejaVu Sans"/>
-              </a:rPr>
-              <a:t>n(trial) = 10 para gamma</a:t>
-            </a:r>
-            <a:endParaRPr/>
-          </a:p>
-          <a:p>
-            <a:pPr marL="432000" indent="-321120">
-              <a:lnSpc>
-                <a:spcPct val="100000"/>
-              </a:lnSpc>
-              <a:buClr>
-                <a:srgbClr val="ffffff"/>
-              </a:buClr>
-              <a:buSzPct val="45000"/>
-              <a:buFont typeface="StarSymbol"/>
-              <a:buChar char="l"/>
-            </a:pPr>
-            <a:r>
-              <a:rPr lang="fr-FR" sz="1800" spc="-1" strike="noStrike">
-                <a:solidFill>
-                  <a:srgbClr val="000000"/>
-                </a:solidFill>
-                <a:uFill>
-                  <a:solidFill>
-                    <a:srgbClr val="ffffff"/>
-                  </a:solidFill>
-                </a:uFill>
-                <a:latin typeface="Arial"/>
-                <a:ea typeface="DejaVu Sans"/>
-              </a:rPr>
-              <a:t>10 trials para que A = 0</a:t>
-            </a:r>
-            <a:endParaRPr/>
-          </a:p>
-          <a:p>
-            <a:pPr marL="432000" indent="-321120">
-              <a:lnSpc>
-                <a:spcPct val="100000"/>
-              </a:lnSpc>
-              <a:buClr>
-                <a:srgbClr val="ffffff"/>
-              </a:buClr>
-              <a:buSzPct val="45000"/>
-              <a:buFont typeface="StarSymbol"/>
-              <a:buChar char="l"/>
-            </a:pPr>
-            <a:r>
-              <a:rPr lang="fr-FR" sz="3200" spc="-1" strike="noStrike">
-                <a:solidFill>
-                  <a:srgbClr val="000000"/>
-                </a:solidFill>
-                <a:uFill>
-                  <a:solidFill>
-                    <a:srgbClr val="ffffff"/>
-                  </a:solidFill>
-                </a:uFill>
-                <a:latin typeface="Arial"/>
-                <a:ea typeface="DejaVu Sans"/>
-              </a:rPr>
-              <a:t> </a:t>
-            </a:r>
-            <a:endParaRPr/>
-          </a:p>
-        </p:txBody>
       </p:sp>
     </p:spTree>
   </p:cSld>
   <p:timing>
     <p:tnLst>
       <p:par>
-        <p:cTn id="5" dur="indefinite" restart="never" nodeType="tmRoot">
+        <p:cTn id="3" dur="indefinite" restart="never" nodeType="tmRoot">
           <p:childTnLst>
             <p:seq>
-              <p:cTn id="6" nodeType="mainSeq"/>
+              <p:cTn id="4" nodeType="mainSeq"/>
               <p:prevCondLst>
                 <p:cond delay="0" evt="onPrev">
                   <p:tgtEl>
@@ -11629,7 +12355,7 @@
                 <a:latin typeface="Arial"/>
                 <a:ea typeface="DejaVu Sans"/>
               </a:rPr>
-              <a:t>Elegir la palanca en función de una probabilidad</a:t>
+              <a:t>Como definir bien Beta y Gamma</a:t>
             </a:r>
             <a:endParaRPr/>
           </a:p>
@@ -11660,35 +12386,20 @@
           <a:effectRef idx="0"/>
           <a:fontRef idx="minor"/>
         </p:style>
-      </p:sp>
-      <p:sp>
-        <p:nvSpPr>
-          <p:cNvPr id="226" name="CustomShape 3"/>
-          <p:cNvSpPr/>
-          <p:nvPr/>
-        </p:nvSpPr>
-        <p:spPr>
-          <a:xfrm>
-            <a:off x="216000" y="1800000"/>
-            <a:ext cx="9645840" cy="2135880"/>
-          </a:xfrm>
-          <a:prstGeom prst="rect">
-            <a:avLst/>
-          </a:prstGeom>
-          <a:noFill/>
-          <a:ln>
-            <a:noFill/>
-          </a:ln>
-        </p:spPr>
-        <p:style>
-          <a:lnRef idx="0"/>
-          <a:fillRef idx="0"/>
-          <a:effectRef idx="0"/>
-          <a:fontRef idx="minor"/>
-        </p:style>
-        <p:txBody>
-          <a:bodyPr lIns="90000" rIns="90000" tIns="45000" bIns="45000"/>
-          <a:p>
+        <p:txBody>
+          <a:bodyPr lIns="0" rIns="0" tIns="0" bIns="0"/>
+          <a:p>
+            <a:pPr marL="432000" indent="-321120">
+              <a:lnSpc>
+                <a:spcPct val="100000"/>
+              </a:lnSpc>
+              <a:buClr>
+                <a:srgbClr val="ffffff"/>
+              </a:buClr>
+              <a:buSzPct val="45000"/>
+              <a:buFont typeface="StarSymbol"/>
+              <a:buChar char="l"/>
+            </a:pPr>
             <a:r>
               <a:rPr lang="fr-FR" sz="1800" spc="-1" strike="noStrike">
                 <a:solidFill>
@@ -11702,11 +12413,22 @@
                 <a:latin typeface="Arial"/>
                 <a:ea typeface="DejaVu Sans"/>
               </a:rPr>
-              <a:t>P1 = probabilidad elegir la palanca 1</a:t>
-            </a:r>
-            <a:endParaRPr/>
-          </a:p>
-          <a:p>
+              <a:t>STM(t) = exp(-beta*t) = exp(-t/tau)</a:t>
+            </a:r>
+            <a:endParaRPr/>
+          </a:p>
+          <a:p>
+            <a:pPr marL="432000" indent="-321120">
+              <a:lnSpc>
+                <a:spcPct val="100000"/>
+              </a:lnSpc>
+              <a:buClr>
+                <a:srgbClr val="ffffff"/>
+              </a:buClr>
+              <a:buSzPct val="45000"/>
+              <a:buFont typeface="StarSymbol"/>
+              <a:buChar char="l"/>
+            </a:pPr>
             <a:r>
               <a:rPr lang="fr-FR" sz="1800" spc="-1" strike="noStrike">
                 <a:solidFill>
@@ -11720,14 +12442,22 @@
                 <a:latin typeface="Arial"/>
                 <a:ea typeface="DejaVu Sans"/>
               </a:rPr>
-              <a:t>P2 = probabilidad elegir la palanca 2</a:t>
-            </a:r>
-            <a:endParaRPr/>
-          </a:p>
-          <a:p>
-            <a:endParaRPr/>
-          </a:p>
-          <a:p>
+              <a:t>tau = 1/beta</a:t>
+            </a:r>
+            <a:endParaRPr/>
+          </a:p>
+          <a:p>
+            <a:pPr marL="432000" indent="-321120">
+              <a:lnSpc>
+                <a:spcPct val="100000"/>
+              </a:lnSpc>
+              <a:buClr>
+                <a:srgbClr val="ffffff"/>
+              </a:buClr>
+              <a:buSzPct val="45000"/>
+              <a:buFont typeface="StarSymbol"/>
+              <a:buChar char="l"/>
+            </a:pPr>
             <a:r>
               <a:rPr lang="fr-FR" sz="1800" spc="-1" strike="noStrike">
                 <a:solidFill>
@@ -11741,11 +12471,22 @@
                 <a:latin typeface="Arial"/>
                 <a:ea typeface="DejaVu Sans"/>
               </a:rPr>
-              <a:t>Si A1&gt;A2</a:t>
-            </a:r>
-            <a:endParaRPr/>
-          </a:p>
-          <a:p>
+              <a:t> </a:t>
+            </a:r>
+            <a:endParaRPr/>
+          </a:p>
+          <a:p>
+            <a:pPr marL="432000" indent="-321120">
+              <a:lnSpc>
+                <a:spcPct val="100000"/>
+              </a:lnSpc>
+              <a:buClr>
+                <a:srgbClr val="ffffff"/>
+              </a:buClr>
+              <a:buSzPct val="45000"/>
+              <a:buFont typeface="StarSymbol"/>
+              <a:buChar char="l"/>
+            </a:pPr>
             <a:r>
               <a:rPr lang="fr-FR" sz="1800" spc="-1" strike="noStrike">
                 <a:solidFill>
@@ -11759,8 +12500,22 @@
                 <a:latin typeface="Arial"/>
                 <a:ea typeface="DejaVu Sans"/>
               </a:rPr>
-              <a:t>	</a:t>
-            </a:r>
+              <a:t>exp(-5*tau/tau) = exp(-5) ~ 0</a:t>
+            </a:r>
+            <a:endParaRPr/>
+          </a:p>
+          <a:p>
+            <a:pPr marL="432000" indent="-321120">
+              <a:lnSpc>
+                <a:spcPct val="100000"/>
+              </a:lnSpc>
+              <a:buClr>
+                <a:srgbClr val="ffffff"/>
+              </a:buClr>
+              <a:buSzPct val="45000"/>
+              <a:buFont typeface="StarSymbol"/>
+              <a:buChar char="l"/>
+            </a:pPr>
             <a:r>
               <a:rPr lang="fr-FR" sz="1800" spc="-1" strike="noStrike">
                 <a:solidFill>
@@ -11774,11 +12529,22 @@
                 <a:latin typeface="Arial"/>
                 <a:ea typeface="DejaVu Sans"/>
               </a:rPr>
-              <a:t>Elecion de A1 con probabilidad P1</a:t>
-            </a:r>
-            <a:endParaRPr/>
-          </a:p>
-          <a:p>
+              <a:t>5*tau = 20*n(trial) </a:t>
+            </a:r>
+            <a:endParaRPr/>
+          </a:p>
+          <a:p>
+            <a:pPr marL="432000" indent="-321120">
+              <a:lnSpc>
+                <a:spcPct val="100000"/>
+              </a:lnSpc>
+              <a:buClr>
+                <a:srgbClr val="ffffff"/>
+              </a:buClr>
+              <a:buSzPct val="45000"/>
+              <a:buFont typeface="StarSymbol"/>
+              <a:buChar char="l"/>
+            </a:pPr>
             <a:r>
               <a:rPr lang="fr-FR" sz="1800" spc="-1" strike="noStrike">
                 <a:solidFill>
@@ -11792,11 +12558,22 @@
                 <a:latin typeface="Arial"/>
                 <a:ea typeface="DejaVu Sans"/>
               </a:rPr>
-              <a:t>S A1&lt;A2</a:t>
-            </a:r>
-            <a:endParaRPr/>
-          </a:p>
-          <a:p>
+              <a:t> </a:t>
+            </a:r>
+            <a:endParaRPr/>
+          </a:p>
+          <a:p>
+            <a:pPr marL="432000" indent="-321120">
+              <a:lnSpc>
+                <a:spcPct val="100000"/>
+              </a:lnSpc>
+              <a:buClr>
+                <a:srgbClr val="ffffff"/>
+              </a:buClr>
+              <a:buSzPct val="45000"/>
+              <a:buFont typeface="StarSymbol"/>
+              <a:buChar char="l"/>
+            </a:pPr>
             <a:r>
               <a:rPr lang="fr-FR" sz="1800" spc="-1" strike="noStrike">
                 <a:solidFill>
@@ -11810,8 +12587,22 @@
                 <a:latin typeface="Arial"/>
                 <a:ea typeface="DejaVu Sans"/>
               </a:rPr>
-              <a:t>	</a:t>
-            </a:r>
+              <a:t>n(trial) = 2 para beta</a:t>
+            </a:r>
+            <a:endParaRPr/>
+          </a:p>
+          <a:p>
+            <a:pPr marL="432000" indent="-321120">
+              <a:lnSpc>
+                <a:spcPct val="100000"/>
+              </a:lnSpc>
+              <a:buClr>
+                <a:srgbClr val="ffffff"/>
+              </a:buClr>
+              <a:buSzPct val="45000"/>
+              <a:buFont typeface="StarSymbol"/>
+              <a:buChar char="l"/>
+            </a:pPr>
             <a:r>
               <a:rPr lang="fr-FR" sz="1800" spc="-1" strike="noStrike">
                 <a:solidFill>
@@ -11825,11 +12616,22 @@
                 <a:latin typeface="Arial"/>
                 <a:ea typeface="DejaVu Sans"/>
               </a:rPr>
-              <a:t>Elecion de A2 con probabilidad P2</a:t>
-            </a:r>
-            <a:endParaRPr/>
-          </a:p>
-          <a:p>
+              <a:t>2 trials para que STM = 0, el rata se recorda de 2 trials</a:t>
+            </a:r>
+            <a:endParaRPr/>
+          </a:p>
+          <a:p>
+            <a:pPr marL="432000" indent="-321120">
+              <a:lnSpc>
+                <a:spcPct val="100000"/>
+              </a:lnSpc>
+              <a:buClr>
+                <a:srgbClr val="ffffff"/>
+              </a:buClr>
+              <a:buSzPct val="45000"/>
+              <a:buFont typeface="StarSymbol"/>
+              <a:buChar char="l"/>
+            </a:pPr>
             <a:r>
               <a:rPr lang="fr-FR" sz="1800" spc="-1" strike="noStrike">
                 <a:solidFill>
@@ -11843,11 +12645,22 @@
                 <a:latin typeface="Arial"/>
                 <a:ea typeface="DejaVu Sans"/>
               </a:rPr>
-              <a:t>	</a:t>
-            </a:r>
-            <a:endParaRPr/>
-          </a:p>
-          <a:p>
+              <a:t>n(trial) = 10 para gamma</a:t>
+            </a:r>
+            <a:endParaRPr/>
+          </a:p>
+          <a:p>
+            <a:pPr marL="432000" indent="-321120">
+              <a:lnSpc>
+                <a:spcPct val="100000"/>
+              </a:lnSpc>
+              <a:buClr>
+                <a:srgbClr val="ffffff"/>
+              </a:buClr>
+              <a:buSzPct val="45000"/>
+              <a:buFont typeface="StarSymbol"/>
+              <a:buChar char="l"/>
+            </a:pPr>
             <a:r>
               <a:rPr lang="fr-FR" sz="1800" spc="-1" strike="noStrike">
                 <a:solidFill>
@@ -11861,7 +12674,36 @@
                 <a:latin typeface="Arial"/>
                 <a:ea typeface="DejaVu Sans"/>
               </a:rPr>
-              <a:t>	</a:t>
+              <a:t>10 trials para que A = 0</a:t>
+            </a:r>
+            <a:endParaRPr/>
+          </a:p>
+          <a:p>
+            <a:pPr marL="432000" indent="-321120">
+              <a:lnSpc>
+                <a:spcPct val="100000"/>
+              </a:lnSpc>
+              <a:buClr>
+                <a:srgbClr val="ffffff"/>
+              </a:buClr>
+              <a:buSzPct val="45000"/>
+              <a:buFont typeface="StarSymbol"/>
+              <a:buChar char="l"/>
+            </a:pPr>
+            <a:r>
+              <a:rPr lang="fr-FR" sz="3200" spc="-1" strike="noStrike">
+                <a:solidFill>
+                  <a:srgbClr val="000000"/>
+                </a:solidFill>
+                <a:uFill>
+                  <a:solidFill>
+                    <a:srgbClr val="ffffff"/>
+                  </a:solidFill>
+                </a:uFill>
+                <a:latin typeface="Arial"/>
+                <a:ea typeface="DejaVu Sans"/>
+              </a:rPr>
+              <a:t> </a:t>
             </a:r>
             <a:endParaRPr/>
           </a:p>
@@ -11872,10 +12714,10 @@
   <p:timing>
     <p:tnLst>
       <p:par>
-        <p:cTn id="7" dur="indefinite" restart="never" nodeType="tmRoot">
+        <p:cTn id="5" dur="indefinite" restart="never" nodeType="tmRoot">
           <p:childTnLst>
             <p:seq>
-              <p:cTn id="8" nodeType="mainSeq"/>
+              <p:cTn id="6" nodeType="mainSeq"/>
               <p:prevCondLst>
                 <p:cond delay="0" evt="onPrev">
                   <p:tgtEl>
@@ -11918,7 +12760,7 @@
       </p:grpSpPr>
       <p:sp>
         <p:nvSpPr>
-          <p:cNvPr id="227" name="CustomShape 1"/>
+          <p:cNvPr id="226" name="CustomShape 1"/>
           <p:cNvSpPr/>
           <p:nvPr/>
         </p:nvSpPr>
@@ -11941,10 +12783,36 @@
           <a:effectRef idx="0"/>
           <a:fontRef idx="minor"/>
         </p:style>
-      </p:sp>
-      <p:sp>
-        <p:nvSpPr>
-          <p:cNvPr id="228" name="CustomShape 2"/>
+        <p:txBody>
+          <a:bodyPr lIns="0" rIns="0" tIns="0" bIns="0" anchor="ctr"/>
+          <a:p>
+            <a:pPr algn="ctr">
+              <a:lnSpc>
+                <a:spcPct val="100000"/>
+              </a:lnSpc>
+            </a:pPr>
+            <a:r>
+              <a:rPr lang="fr-FR" sz="4400" spc="-1" strike="noStrike">
+                <a:solidFill>
+                  <a:srgbClr val="000000"/>
+                </a:solidFill>
+                <a:uFill>
+                  <a:solidFill>
+                    <a:srgbClr val="ffffff"/>
+                  </a:solidFill>
+                </a:uFill>
+                <a:latin typeface="Arial"/>
+                <a:ea typeface="DejaVu Sans"/>
+              </a:rPr>
+              <a:t>Elegir la palanca en función de una probabilidad</a:t>
+            </a:r>
+            <a:endParaRPr/>
+          </a:p>
+        </p:txBody>
+      </p:sp>
+      <p:sp>
+        <p:nvSpPr>
+          <p:cNvPr id="227" name="CustomShape 2"/>
           <p:cNvSpPr/>
           <p:nvPr/>
         </p:nvSpPr>
@@ -11970,14 +12838,14 @@
       </p:sp>
       <p:sp>
         <p:nvSpPr>
-          <p:cNvPr id="229" name="CustomShape 3"/>
+          <p:cNvPr id="228" name="CustomShape 3"/>
           <p:cNvSpPr/>
           <p:nvPr/>
         </p:nvSpPr>
         <p:spPr>
           <a:xfrm>
-            <a:off x="504000" y="301320"/>
-            <a:ext cx="9068400" cy="1258920"/>
+            <a:off x="216000" y="1800000"/>
+            <a:ext cx="9645840" cy="2135880"/>
           </a:xfrm>
           <a:prstGeom prst="rect">
             <a:avLst/>
@@ -11994,15 +12862,10 @@
           <a:fontRef idx="minor"/>
         </p:style>
         <p:txBody>
-          <a:bodyPr lIns="0" rIns="0" tIns="0" bIns="0" anchor="ctr"/>
-          <a:p>
-            <a:pPr algn="ctr">
-              <a:lnSpc>
-                <a:spcPct val="100000"/>
-              </a:lnSpc>
-            </a:pPr>
-            <a:r>
-              <a:rPr lang="fr-FR" sz="4400" spc="-1" strike="noStrike">
+          <a:bodyPr lIns="90000" rIns="90000" tIns="45000" bIns="45000"/>
+          <a:p>
+            <a:r>
+              <a:rPr lang="fr-FR" sz="1800" spc="-1" strike="noStrike">
                 <a:solidFill>
                   <a:srgbClr val="000000"/>
                 </a:solidFill>
@@ -12014,90 +12877,166 @@
                 <a:latin typeface="Arial"/>
                 <a:ea typeface="DejaVu Sans"/>
               </a:rPr>
-              <a:t>STM positivo para el refuerzo y un STM negativo para el castigo</a:t>
-            </a:r>
-            <a:endParaRPr/>
-          </a:p>
-        </p:txBody>
-      </p:sp>
-      <p:sp>
-        <p:nvSpPr>
-          <p:cNvPr id="230" name="CustomShape 4"/>
-          <p:cNvSpPr/>
-          <p:nvPr/>
-        </p:nvSpPr>
-        <p:spPr>
-          <a:xfrm>
-            <a:off x="504000" y="1769040"/>
-            <a:ext cx="9068400" cy="4381200"/>
-          </a:xfrm>
-          <a:prstGeom prst="rect">
-            <a:avLst/>
-          </a:prstGeom>
-          <a:noFill/>
-          <a:ln>
-            <a:noFill/>
-          </a:ln>
-        </p:spPr>
-        <p:style>
-          <a:lnRef idx="0"/>
-          <a:fillRef idx="0"/>
-          <a:effectRef idx="0"/>
-          <a:fontRef idx="minor"/>
-        </p:style>
-      </p:sp>
-      <p:sp>
-        <p:nvSpPr>
-          <p:cNvPr id="231" name="CustomShape 5"/>
-          <p:cNvSpPr/>
-          <p:nvPr/>
-        </p:nvSpPr>
-        <p:spPr>
-          <a:xfrm>
-            <a:off x="504000" y="2016000"/>
-            <a:ext cx="8927640" cy="601920"/>
-          </a:xfrm>
-          <a:prstGeom prst="rect">
-            <a:avLst/>
-          </a:prstGeom>
-          <a:noFill/>
-          <a:ln>
-            <a:noFill/>
-          </a:ln>
-        </p:spPr>
-        <p:style>
-          <a:lnRef idx="0"/>
-          <a:fillRef idx="0"/>
-          <a:effectRef idx="0"/>
-          <a:fontRef idx="minor"/>
-        </p:style>
-        <p:txBody>
-          <a:bodyPr lIns="90000" rIns="90000" tIns="45000" bIns="45000"/>
-          <a:p>
-            <a:r>
-              <a:rPr lang="fr-FR" sz="1800" spc="-1" strike="noStrike">
-                <a:uFill>
-                  <a:solidFill>
-                    <a:srgbClr val="ffffff"/>
-                  </a:solidFill>
-                </a:uFill>
-                <a:latin typeface="Arial"/>
-              </a:rPr>
-              <a:t>STMAP para el positivo</a:t>
-            </a:r>
-            <a:endParaRPr/>
-          </a:p>
-          <a:p>
-            <a:r>
-              <a:rPr lang="fr-FR" sz="1800" spc="-1" strike="noStrike">
-                <a:uFill>
-                  <a:solidFill>
-                    <a:srgbClr val="ffffff"/>
-                  </a:solidFill>
-                </a:uFill>
-                <a:latin typeface="Arial"/>
-              </a:rPr>
-              <a:t>STMAV para el negativo</a:t>
+              <a:t>P1 = probabilidad elegir la palanca 1</a:t>
+            </a:r>
+            <a:endParaRPr/>
+          </a:p>
+          <a:p>
+            <a:r>
+              <a:rPr lang="fr-FR" sz="1800" spc="-1" strike="noStrike">
+                <a:solidFill>
+                  <a:srgbClr val="000000"/>
+                </a:solidFill>
+                <a:uFill>
+                  <a:solidFill>
+                    <a:srgbClr val="ffffff"/>
+                  </a:solidFill>
+                </a:uFill>
+                <a:latin typeface="Arial"/>
+                <a:ea typeface="DejaVu Sans"/>
+              </a:rPr>
+              <a:t>P2 = probabilidad elegir la palanca 2</a:t>
+            </a:r>
+            <a:endParaRPr/>
+          </a:p>
+          <a:p>
+            <a:endParaRPr/>
+          </a:p>
+          <a:p>
+            <a:r>
+              <a:rPr lang="fr-FR" sz="1800" spc="-1" strike="noStrike">
+                <a:solidFill>
+                  <a:srgbClr val="000000"/>
+                </a:solidFill>
+                <a:uFill>
+                  <a:solidFill>
+                    <a:srgbClr val="ffffff"/>
+                  </a:solidFill>
+                </a:uFill>
+                <a:latin typeface="Arial"/>
+                <a:ea typeface="DejaVu Sans"/>
+              </a:rPr>
+              <a:t>Si A1&gt;A2</a:t>
+            </a:r>
+            <a:endParaRPr/>
+          </a:p>
+          <a:p>
+            <a:r>
+              <a:rPr lang="fr-FR" sz="1800" spc="-1" strike="noStrike">
+                <a:solidFill>
+                  <a:srgbClr val="000000"/>
+                </a:solidFill>
+                <a:uFill>
+                  <a:solidFill>
+                    <a:srgbClr val="ffffff"/>
+                  </a:solidFill>
+                </a:uFill>
+                <a:latin typeface="Arial"/>
+                <a:ea typeface="DejaVu Sans"/>
+              </a:rPr>
+              <a:t>	</a:t>
+            </a:r>
+            <a:r>
+              <a:rPr lang="fr-FR" sz="1800" spc="-1" strike="noStrike">
+                <a:solidFill>
+                  <a:srgbClr val="000000"/>
+                </a:solidFill>
+                <a:uFill>
+                  <a:solidFill>
+                    <a:srgbClr val="ffffff"/>
+                  </a:solidFill>
+                </a:uFill>
+                <a:latin typeface="Arial"/>
+                <a:ea typeface="DejaVu Sans"/>
+              </a:rPr>
+              <a:t>Elecion de A1 con probabilidad P1</a:t>
+            </a:r>
+            <a:endParaRPr/>
+          </a:p>
+          <a:p>
+            <a:r>
+              <a:rPr lang="fr-FR" sz="1800" spc="-1" strike="noStrike">
+                <a:solidFill>
+                  <a:srgbClr val="000000"/>
+                </a:solidFill>
+                <a:uFill>
+                  <a:solidFill>
+                    <a:srgbClr val="ffffff"/>
+                  </a:solidFill>
+                </a:uFill>
+                <a:latin typeface="Arial"/>
+                <a:ea typeface="DejaVu Sans"/>
+              </a:rPr>
+              <a:t>S A1&lt;A2</a:t>
+            </a:r>
+            <a:endParaRPr/>
+          </a:p>
+          <a:p>
+            <a:r>
+              <a:rPr lang="fr-FR" sz="1800" spc="-1" strike="noStrike">
+                <a:solidFill>
+                  <a:srgbClr val="000000"/>
+                </a:solidFill>
+                <a:uFill>
+                  <a:solidFill>
+                    <a:srgbClr val="ffffff"/>
+                  </a:solidFill>
+                </a:uFill>
+                <a:latin typeface="Arial"/>
+                <a:ea typeface="DejaVu Sans"/>
+              </a:rPr>
+              <a:t>	</a:t>
+            </a:r>
+            <a:r>
+              <a:rPr lang="fr-FR" sz="1800" spc="-1" strike="noStrike">
+                <a:solidFill>
+                  <a:srgbClr val="000000"/>
+                </a:solidFill>
+                <a:uFill>
+                  <a:solidFill>
+                    <a:srgbClr val="ffffff"/>
+                  </a:solidFill>
+                </a:uFill>
+                <a:latin typeface="Arial"/>
+                <a:ea typeface="DejaVu Sans"/>
+              </a:rPr>
+              <a:t>Elecion de A2 con probabilidad P2</a:t>
+            </a:r>
+            <a:endParaRPr/>
+          </a:p>
+          <a:p>
+            <a:r>
+              <a:rPr lang="fr-FR" sz="1800" spc="-1" strike="noStrike">
+                <a:solidFill>
+                  <a:srgbClr val="000000"/>
+                </a:solidFill>
+                <a:uFill>
+                  <a:solidFill>
+                    <a:srgbClr val="ffffff"/>
+                  </a:solidFill>
+                </a:uFill>
+                <a:latin typeface="Arial"/>
+                <a:ea typeface="DejaVu Sans"/>
+              </a:rPr>
+              <a:t>	</a:t>
+            </a:r>
+            <a:endParaRPr/>
+          </a:p>
+          <a:p>
+            <a:r>
+              <a:rPr lang="fr-FR" sz="1800" spc="-1" strike="noStrike">
+                <a:solidFill>
+                  <a:srgbClr val="000000"/>
+                </a:solidFill>
+                <a:uFill>
+                  <a:solidFill>
+                    <a:srgbClr val="ffffff"/>
+                  </a:solidFill>
+                </a:uFill>
+                <a:latin typeface="Arial"/>
+                <a:ea typeface="DejaVu Sans"/>
+              </a:rPr>
+              <a:t>	</a:t>
             </a:r>
             <a:endParaRPr/>
           </a:p>
@@ -12108,10 +13047,10 @@
   <p:timing>
     <p:tnLst>
       <p:par>
-        <p:cTn id="9" dur="indefinite" restart="never" nodeType="tmRoot">
+        <p:cTn id="7" dur="indefinite" restart="never" nodeType="tmRoot">
           <p:childTnLst>
             <p:seq>
-              <p:cTn id="10" nodeType="mainSeq"/>
+              <p:cTn id="8" nodeType="mainSeq"/>
               <p:prevCondLst>
                 <p:cond delay="0" evt="onPrev">
                   <p:tgtEl>
@@ -12154,7 +13093,7 @@
       </p:grpSpPr>
       <p:sp>
         <p:nvSpPr>
-          <p:cNvPr id="232" name="CustomShape 1"/>
+          <p:cNvPr id="229" name="CustomShape 1"/>
           <p:cNvSpPr/>
           <p:nvPr/>
         </p:nvSpPr>
@@ -12177,36 +13116,10 @@
           <a:effectRef idx="0"/>
           <a:fontRef idx="minor"/>
         </p:style>
-        <p:txBody>
-          <a:bodyPr lIns="0" rIns="0" tIns="0" bIns="0" anchor="ctr"/>
-          <a:p>
-            <a:pPr algn="ctr">
-              <a:lnSpc>
-                <a:spcPct val="100000"/>
-              </a:lnSpc>
-            </a:pPr>
-            <a:r>
-              <a:rPr lang="fr-FR" sz="4400" spc="-1" strike="noStrike">
-                <a:solidFill>
-                  <a:srgbClr val="000000"/>
-                </a:solidFill>
-                <a:uFill>
-                  <a:solidFill>
-                    <a:srgbClr val="ffffff"/>
-                  </a:solidFill>
-                </a:uFill>
-                <a:latin typeface="Arial"/>
-                <a:ea typeface="DejaVu Sans"/>
-              </a:rPr>
-              <a:t>Programa con un solo STM que está positivo o negativo</a:t>
-            </a:r>
-            <a:endParaRPr/>
-          </a:p>
-        </p:txBody>
-      </p:sp>
-      <p:sp>
-        <p:nvSpPr>
-          <p:cNvPr id="233" name="CustomShape 2"/>
+      </p:sp>
+      <p:sp>
+        <p:nvSpPr>
+          <p:cNvPr id="230" name="CustomShape 2"/>
           <p:cNvSpPr/>
           <p:nvPr/>
         </p:nvSpPr>
@@ -12230,15 +13143,150 @@
           <a:fontRef idx="minor"/>
         </p:style>
       </p:sp>
+      <p:sp>
+        <p:nvSpPr>
+          <p:cNvPr id="231" name="CustomShape 3"/>
+          <p:cNvSpPr/>
+          <p:nvPr/>
+        </p:nvSpPr>
+        <p:spPr>
+          <a:xfrm>
+            <a:off x="504000" y="301320"/>
+            <a:ext cx="9068400" cy="1258920"/>
+          </a:xfrm>
+          <a:prstGeom prst="rect">
+            <a:avLst/>
+          </a:prstGeom>
+          <a:noFill/>
+          <a:ln>
+            <a:noFill/>
+          </a:ln>
+        </p:spPr>
+        <p:style>
+          <a:lnRef idx="0"/>
+          <a:fillRef idx="0"/>
+          <a:effectRef idx="0"/>
+          <a:fontRef idx="minor"/>
+        </p:style>
+        <p:txBody>
+          <a:bodyPr lIns="0" rIns="0" tIns="0" bIns="0" anchor="ctr"/>
+          <a:p>
+            <a:pPr algn="ctr">
+              <a:lnSpc>
+                <a:spcPct val="100000"/>
+              </a:lnSpc>
+            </a:pPr>
+            <a:r>
+              <a:rPr lang="fr-FR" sz="4400" spc="-1" strike="noStrike">
+                <a:solidFill>
+                  <a:srgbClr val="000000"/>
+                </a:solidFill>
+                <a:uFill>
+                  <a:solidFill>
+                    <a:srgbClr val="ffffff"/>
+                  </a:solidFill>
+                </a:uFill>
+                <a:latin typeface="Arial"/>
+                <a:ea typeface="DejaVu Sans"/>
+              </a:rPr>
+              <a:t>STM positivo para el refuerzo y un STM negativo para el castigo</a:t>
+            </a:r>
+            <a:endParaRPr/>
+          </a:p>
+        </p:txBody>
+      </p:sp>
+      <p:sp>
+        <p:nvSpPr>
+          <p:cNvPr id="232" name="CustomShape 4"/>
+          <p:cNvSpPr/>
+          <p:nvPr/>
+        </p:nvSpPr>
+        <p:spPr>
+          <a:xfrm>
+            <a:off x="504000" y="1769040"/>
+            <a:ext cx="9068400" cy="4381200"/>
+          </a:xfrm>
+          <a:prstGeom prst="rect">
+            <a:avLst/>
+          </a:prstGeom>
+          <a:noFill/>
+          <a:ln>
+            <a:noFill/>
+          </a:ln>
+        </p:spPr>
+        <p:style>
+          <a:lnRef idx="0"/>
+          <a:fillRef idx="0"/>
+          <a:effectRef idx="0"/>
+          <a:fontRef idx="minor"/>
+        </p:style>
+      </p:sp>
+      <p:sp>
+        <p:nvSpPr>
+          <p:cNvPr id="233" name="CustomShape 5"/>
+          <p:cNvSpPr/>
+          <p:nvPr/>
+        </p:nvSpPr>
+        <p:spPr>
+          <a:xfrm>
+            <a:off x="504000" y="2016000"/>
+            <a:ext cx="8927640" cy="601920"/>
+          </a:xfrm>
+          <a:prstGeom prst="rect">
+            <a:avLst/>
+          </a:prstGeom>
+          <a:noFill/>
+          <a:ln>
+            <a:noFill/>
+          </a:ln>
+        </p:spPr>
+        <p:style>
+          <a:lnRef idx="0"/>
+          <a:fillRef idx="0"/>
+          <a:effectRef idx="0"/>
+          <a:fontRef idx="minor"/>
+        </p:style>
+        <p:txBody>
+          <a:bodyPr lIns="90000" rIns="90000" tIns="45000" bIns="45000"/>
+          <a:p>
+            <a:r>
+              <a:rPr lang="fr-FR" sz="1800" spc="-1" strike="noStrike">
+                <a:uFill>
+                  <a:solidFill>
+                    <a:srgbClr val="ffffff"/>
+                  </a:solidFill>
+                </a:uFill>
+                <a:latin typeface="Arial"/>
+              </a:rPr>
+              <a:t>STMAP para el positivo</a:t>
+            </a:r>
+            <a:endParaRPr/>
+          </a:p>
+          <a:p>
+            <a:r>
+              <a:rPr lang="fr-FR" sz="1800" spc="-1" strike="noStrike">
+                <a:uFill>
+                  <a:solidFill>
+                    <a:srgbClr val="ffffff"/>
+                  </a:solidFill>
+                </a:uFill>
+                <a:latin typeface="Arial"/>
+              </a:rPr>
+              <a:t>STMAV para el negativo</a:t>
+            </a:r>
+            <a:endParaRPr/>
+          </a:p>
+        </p:txBody>
+      </p:sp>
     </p:spTree>
   </p:cSld>
   <p:timing>
     <p:tnLst>
       <p:par>
-        <p:cTn id="11" dur="indefinite" restart="never" nodeType="tmRoot">
+        <p:cTn id="9" dur="indefinite" restart="never" nodeType="tmRoot">
           <p:childTnLst>
             <p:seq>
-              <p:cTn id="12" nodeType="mainSeq"/>
+              <p:cTn id="10" nodeType="mainSeq"/>
               <p:prevCondLst>
                 <p:cond delay="0" evt="onPrev">
                   <p:tgtEl>
@@ -12325,7 +13373,7 @@
                 <a:latin typeface="Arial"/>
                 <a:ea typeface="DejaVu Sans"/>
               </a:rPr>
-              <a:t>Programa con dos STM : un positivo y un negativo </a:t>
+              <a:t>Programa con un solo STM que está positivo o negativo</a:t>
             </a:r>
             <a:endParaRPr/>
           </a:p>
@@ -12357,156 +13405,15 @@
           <a:fontRef idx="minor"/>
         </p:style>
       </p:sp>
-      <p:sp>
-        <p:nvSpPr>
-          <p:cNvPr id="236" name="CustomShape 3"/>
-          <p:cNvSpPr/>
-          <p:nvPr/>
-        </p:nvSpPr>
-        <p:spPr>
-          <a:xfrm>
-            <a:off x="-28080" y="2318040"/>
-            <a:ext cx="10439640" cy="2649600"/>
-          </a:xfrm>
-          <a:prstGeom prst="rect">
-            <a:avLst/>
-          </a:prstGeom>
-          <a:noFill/>
-          <a:ln>
-            <a:noFill/>
-          </a:ln>
-        </p:spPr>
-        <p:style>
-          <a:lnRef idx="0"/>
-          <a:fillRef idx="0"/>
-          <a:effectRef idx="0"/>
-          <a:fontRef idx="minor"/>
-        </p:style>
-        <p:txBody>
-          <a:bodyPr lIns="90000" rIns="90000" tIns="45000" bIns="45000"/>
-          <a:p>
-            <a:r>
-              <a:rPr lang="fr-FR" sz="1800" spc="-1" strike="noStrike">
-                <a:uFill>
-                  <a:solidFill>
-                    <a:srgbClr val="ffffff"/>
-                  </a:solidFill>
-                </a:uFill>
-                <a:latin typeface="Arial"/>
-              </a:rPr>
-              <a:t>stmAP_1(j+Num,l)=(1-betaAP)*stmAP_1((j-1)+Num,l)+alphaAP*RfAP_1(i);</a:t>
-            </a:r>
-            <a:endParaRPr/>
-          </a:p>
-          <a:p>
-            <a:r>
-              <a:rPr lang="fr-FR" sz="1800" spc="-1" strike="noStrike">
-                <a:uFill>
-                  <a:solidFill>
-                    <a:srgbClr val="ffffff"/>
-                  </a:solidFill>
-                </a:uFill>
-                <a:latin typeface="Arial"/>
-              </a:rPr>
-              <a:t>stmAP_2(j+Num,l)=(1-betaAP)*stmAP_2((j-1)+Num,l)+alphaAP*RfAP_2(i);</a:t>
-            </a:r>
-            <a:endParaRPr/>
-          </a:p>
-          <a:p>
-            <a:r>
-              <a:rPr lang="fr-FR" sz="1800" spc="-1" strike="noStrike">
-                <a:uFill>
-                  <a:solidFill>
-                    <a:srgbClr val="ffffff"/>
-                  </a:solidFill>
-                </a:uFill>
-                <a:latin typeface="Arial"/>
-              </a:rPr>
-              <a:t>      </a:t>
-            </a:r>
-            <a:endParaRPr/>
-          </a:p>
-          <a:p>
-            <a:r>
-              <a:rPr lang="fr-FR" sz="1800" spc="-1" strike="noStrike">
-                <a:uFill>
-                  <a:solidFill>
-                    <a:srgbClr val="ffffff"/>
-                  </a:solidFill>
-                </a:uFill>
-                <a:latin typeface="Arial"/>
-              </a:rPr>
-              <a:t>stmAV_1(j+Num,l)=(1-betaAV)*stmAV_1((j-1)+Num,l)+alphaAV*RfAV_1(i);</a:t>
-            </a:r>
-            <a:endParaRPr/>
-          </a:p>
-          <a:p>
-            <a:r>
-              <a:rPr lang="fr-FR" sz="1800" spc="-1" strike="noStrike">
-                <a:uFill>
-                  <a:solidFill>
-                    <a:srgbClr val="ffffff"/>
-                  </a:solidFill>
-                </a:uFill>
-                <a:latin typeface="Arial"/>
-              </a:rPr>
-              <a:t>stmAV_2(j+Num,l)=(1-betaAV)*stmAV_2((j-1)+Num,l)+alphaAV*RfAV_2(i);</a:t>
-            </a:r>
-            <a:endParaRPr/>
-          </a:p>
-          <a:p>
-            <a:r>
-              <a:rPr lang="fr-FR" sz="1800" spc="-1" strike="noStrike">
-                <a:uFill>
-                  <a:solidFill>
-                    <a:srgbClr val="ffffff"/>
-                  </a:solidFill>
-                </a:uFill>
-                <a:latin typeface="Arial"/>
-              </a:rPr>
-              <a:t>      </a:t>
-            </a:r>
-            <a:endParaRPr/>
-          </a:p>
-          <a:p>
-            <a:r>
-              <a:rPr lang="fr-FR" sz="1800" spc="-1" strike="noStrike">
-                <a:uFill>
-                  <a:solidFill>
-                    <a:srgbClr val="ffffff"/>
-                  </a:solidFill>
-                </a:uFill>
-                <a:latin typeface="Arial"/>
-              </a:rPr>
-              <a:t>A1(j+Num,l)=(1-gamma)*A1((j-1)+Num,l)+deltaAP*stmAP_1(j+Num,l)-deltaAV*stmAV_1(j+Num,l);</a:t>
-            </a:r>
-            <a:endParaRPr/>
-          </a:p>
-          <a:p>
-            <a:r>
-              <a:rPr lang="fr-FR" sz="1800" spc="-1" strike="noStrike">
-                <a:uFill>
-                  <a:solidFill>
-                    <a:srgbClr val="ffffff"/>
-                  </a:solidFill>
-                </a:uFill>
-                <a:latin typeface="Arial"/>
-              </a:rPr>
-              <a:t>A2(j+Num,l)=(1-gamma)*A2((j-1)+Num,l)+deltaAP*stmAP_2(j+Num,l)-deltaAV2*stmAV_2(j+Num,l);</a:t>
-            </a:r>
-            <a:endParaRPr/>
-          </a:p>
-        </p:txBody>
-      </p:sp>
     </p:spTree>
   </p:cSld>
   <p:timing>
     <p:tnLst>
       <p:par>
-        <p:cTn id="13" dur="indefinite" restart="never" nodeType="tmRoot">
+        <p:cTn id="11" dur="indefinite" restart="never" nodeType="tmRoot">
           <p:childTnLst>
             <p:seq>
-              <p:cTn id="14" nodeType="mainSeq"/>
+              <p:cTn id="12" nodeType="mainSeq"/>
               <p:prevCondLst>
                 <p:cond delay="0" evt="onPrev">
                   <p:tgtEl>
@@ -12549,7 +13456,7 @@
       </p:grpSpPr>
       <p:sp>
         <p:nvSpPr>
-          <p:cNvPr id="237" name="CustomShape 1"/>
+          <p:cNvPr id="236" name="CustomShape 1"/>
           <p:cNvSpPr/>
           <p:nvPr/>
         </p:nvSpPr>
@@ -12593,15 +13500,15 @@
                 <a:latin typeface="Arial"/>
                 <a:ea typeface="DejaVu Sans"/>
               </a:rPr>
-              <a:t>Como calcular A1max y A2max</a:t>
-            </a:r>
-            <a:endParaRPr/>
-          </a:p>
-        </p:txBody>
-      </p:sp>
-      <p:sp>
-        <p:nvSpPr>
-          <p:cNvPr id="238" name="CustomShape 2"/>
+              <a:t>Programa con dos STM : un positivo y un negativo </a:t>
+            </a:r>
+            <a:endParaRPr/>
+          </a:p>
+        </p:txBody>
+      </p:sp>
+      <p:sp>
+        <p:nvSpPr>
+          <p:cNvPr id="237" name="CustomShape 2"/>
           <p:cNvSpPr/>
           <p:nvPr/>
         </p:nvSpPr>
@@ -12627,14 +13534,14 @@
       </p:sp>
       <p:sp>
         <p:nvSpPr>
-          <p:cNvPr id="239" name="CustomShape 3"/>
+          <p:cNvPr id="238" name="CustomShape 3"/>
           <p:cNvSpPr/>
           <p:nvPr/>
         </p:nvSpPr>
         <p:spPr>
           <a:xfrm>
-            <a:off x="648000" y="1562040"/>
-            <a:ext cx="8782200" cy="3672000"/>
+            <a:off x="-28080" y="2318040"/>
+            <a:ext cx="10439640" cy="2649600"/>
           </a:xfrm>
           <a:prstGeom prst="rect">
             <a:avLst/>
@@ -12655,142 +13562,113 @@
           <a:p>
             <a:r>
               <a:rPr lang="fr-FR" sz="1800" spc="-1" strike="noStrike">
-                <a:solidFill>
-                  <a:srgbClr val="000000"/>
-                </a:solidFill>
-                <a:uFill>
-                  <a:solidFill>
-                    <a:srgbClr val="ffffff"/>
-                  </a:solidFill>
-                </a:uFill>
-                <a:latin typeface="Arial"/>
-                <a:ea typeface="DejaVu Sans"/>
-              </a:rPr>
-              <a:t>A1max = (1-gamma)*A1max + delta*STM1medio</a:t>
-            </a:r>
-            <a:endParaRPr/>
-          </a:p>
-          <a:p>
-            <a:r>
-              <a:rPr lang="fr-FR" sz="1800" spc="-1" strike="noStrike">
-                <a:solidFill>
-                  <a:srgbClr val="000000"/>
-                </a:solidFill>
-                <a:uFill>
-                  <a:solidFill>
-                    <a:srgbClr val="ffffff"/>
-                  </a:solidFill>
-                </a:uFill>
-                <a:latin typeface="Arial"/>
-                <a:ea typeface="DejaVu Sans"/>
-              </a:rPr>
-              <a:t>→ </a:t>
-            </a:r>
-            <a:r>
-              <a:rPr lang="fr-FR" sz="1800" spc="-1" strike="noStrike">
-                <a:solidFill>
-                  <a:srgbClr val="000000"/>
-                </a:solidFill>
-                <a:uFill>
-                  <a:solidFill>
-                    <a:srgbClr val="ffffff"/>
-                  </a:solidFill>
-                </a:uFill>
-                <a:latin typeface="Arial"/>
-                <a:ea typeface="DejaVu Sans"/>
-              </a:rPr>
-              <a:t>A1max = (delta/gamma)*STM1medio</a:t>
-            </a:r>
-            <a:endParaRPr/>
-          </a:p>
-          <a:p>
-            <a:endParaRPr/>
-          </a:p>
-          <a:p>
-            <a:r>
-              <a:rPr lang="fr-FR" sz="1800" spc="-1" strike="noStrike">
-                <a:solidFill>
-                  <a:srgbClr val="000000"/>
-                </a:solidFill>
-                <a:uFill>
-                  <a:solidFill>
-                    <a:srgbClr val="ffffff"/>
-                  </a:solidFill>
-                </a:uFill>
-                <a:latin typeface="Arial"/>
-                <a:ea typeface="DejaVu Sans"/>
-              </a:rPr>
-              <a:t>La misma par A2max</a:t>
-            </a:r>
-            <a:endParaRPr/>
-          </a:p>
-          <a:p>
-            <a:endParaRPr/>
-          </a:p>
-          <a:p>
-            <a:r>
-              <a:rPr lang="fr-FR" sz="1800" spc="-1" strike="noStrike">
-                <a:solidFill>
-                  <a:srgbClr val="000000"/>
-                </a:solidFill>
-                <a:uFill>
-                  <a:solidFill>
-                    <a:srgbClr val="ffffff"/>
-                  </a:solidFill>
-                </a:uFill>
-                <a:latin typeface="Arial"/>
-                <a:ea typeface="DejaVu Sans"/>
-              </a:rPr>
-              <a:t>Como calcular STMmedio ? Superficia abajo de la curba dividido por la duración de un trial cuando STM está a su maximum</a:t>
-            </a:r>
-            <a:endParaRPr/>
-          </a:p>
-          <a:p>
-            <a:endParaRPr/>
-          </a:p>
-          <a:p>
-            <a:r>
-              <a:rPr lang="fr-FR" sz="1800" spc="-1" strike="noStrike">
-                <a:solidFill>
-                  <a:srgbClr val="000000"/>
-                </a:solidFill>
-                <a:uFill>
-                  <a:solidFill>
-                    <a:srgbClr val="ffffff"/>
-                  </a:solidFill>
-                </a:uFill>
-                <a:latin typeface="Arial"/>
-                <a:ea typeface="DejaVu Sans"/>
-              </a:rPr>
-              <a:t>Para STM1medio : suma de la superficia de un triángulo y de la superficia de un rectángulo</a:t>
-            </a:r>
-            <a:endParaRPr/>
-          </a:p>
-          <a:p>
-            <a:endParaRPr/>
-          </a:p>
-          <a:p>
-            <a:r>
-              <a:rPr lang="fr-FR" sz="1800" spc="-1" strike="noStrike">
-                <a:solidFill>
-                  <a:srgbClr val="000000"/>
-                </a:solidFill>
-                <a:uFill>
-                  <a:solidFill>
-                    <a:srgbClr val="ffffff"/>
-                  </a:solidFill>
-                </a:uFill>
-                <a:latin typeface="Arial"/>
-                <a:ea typeface="DejaVu Sans"/>
-              </a:rPr>
-              <a:t>Para STM2medio : superficia de un triángulo</a:t>
-            </a:r>
-            <a:endParaRPr/>
-          </a:p>
-          <a:p>
-            <a:endParaRPr/>
-          </a:p>
-          <a:p>
+                <a:uFill>
+                  <a:solidFill>
+                    <a:srgbClr val="ffffff"/>
+                  </a:solidFill>
+                </a:uFill>
+                <a:latin typeface="Arial"/>
+              </a:rPr>
+              <a:t>stmAP_1(j+Num,l)=(1-betaAP)*stmAP_1((j-1)+Num,l)+alphaAP*RfAP_1(i);</a:t>
+            </a:r>
+            <a:endParaRPr/>
+          </a:p>
+          <a:p>
+            <a:r>
+              <a:rPr lang="fr-FR" sz="1800" spc="-1" strike="noStrike">
+                <a:uFill>
+                  <a:solidFill>
+                    <a:srgbClr val="ffffff"/>
+                  </a:solidFill>
+                </a:uFill>
+                <a:latin typeface="Arial"/>
+              </a:rPr>
+              <a:t>stmAP_2(j+Num,l)=(1-betaAP)*stmAP_2((j-1)+Num,l)+alphaAP*RfAP_2(i);</a:t>
+            </a:r>
+            <a:endParaRPr/>
+          </a:p>
+          <a:p>
+            <a:r>
+              <a:rPr lang="fr-FR" sz="1800" spc="-1" strike="noStrike">
+                <a:uFill>
+                  <a:solidFill>
+                    <a:srgbClr val="ffffff"/>
+                  </a:solidFill>
+                </a:uFill>
+                <a:latin typeface="Arial"/>
+              </a:rPr>
+              <a:t>      </a:t>
+            </a:r>
+            <a:endParaRPr/>
+          </a:p>
+          <a:p>
+            <a:r>
+              <a:rPr lang="fr-FR" sz="1800" spc="-1" strike="noStrike">
+                <a:uFill>
+                  <a:solidFill>
+                    <a:srgbClr val="ffffff"/>
+                  </a:solidFill>
+                </a:uFill>
+                <a:latin typeface="Arial"/>
+              </a:rPr>
+              <a:t>stmAV_1(j+Num,l)=(1-betaAV)*stmAV_1((j-1)+Num,l)+alphaAV*RfAV_1(i);</a:t>
+            </a:r>
+            <a:endParaRPr/>
+          </a:p>
+          <a:p>
+            <a:r>
+              <a:rPr lang="fr-FR" sz="1800" spc="-1" strike="noStrike">
+                <a:uFill>
+                  <a:solidFill>
+                    <a:srgbClr val="ffffff"/>
+                  </a:solidFill>
+                </a:uFill>
+                <a:latin typeface="Arial"/>
+              </a:rPr>
+              <a:t>stmAV_2(j+Num,l)=(1-betaAV)*stmAV_2((j-1)+Num,l)+alphaAV*RfAV_2(i);</a:t>
+            </a:r>
+            <a:endParaRPr/>
+          </a:p>
+          <a:p>
+            <a:r>
+              <a:rPr lang="fr-FR" sz="1800" spc="-1" strike="noStrike">
+                <a:uFill>
+                  <a:solidFill>
+                    <a:srgbClr val="ffffff"/>
+                  </a:solidFill>
+                </a:uFill>
+                <a:latin typeface="Arial"/>
+              </a:rPr>
+              <a:t>      </a:t>
+            </a:r>
+            <a:endParaRPr/>
+          </a:p>
+          <a:p>
+            <a:r>
+              <a:rPr lang="fr-FR" sz="1800" spc="-1" strike="noStrike">
+                <a:uFill>
+                  <a:solidFill>
+                    <a:srgbClr val="ffffff"/>
+                  </a:solidFill>
+                </a:uFill>
+                <a:latin typeface="Arial"/>
+              </a:rPr>
+              <a:t>A1(j+Num,l)=(1-gamma)*A1((j-1)+Num,l)+deltaAP*stmAP_1(j+Num,l)-deltaAV*stmAV_1(j+Num,l);</a:t>
+            </a:r>
+            <a:endParaRPr/>
+          </a:p>
+          <a:p>
+            <a:r>
+              <a:rPr lang="fr-FR" sz="1800" spc="-1" strike="noStrike">
+                <a:uFill>
+                  <a:solidFill>
+                    <a:srgbClr val="ffffff"/>
+                  </a:solidFill>
+                </a:uFill>
+                <a:latin typeface="Arial"/>
+              </a:rPr>
+              <a:t>A2(j+Num,l)=(1-gamma)*A2((j-1)+Num,l)+deltaAP*stmAP_2(j+Num,l)-deltaAV2*stmAV_2(j+Num,l);</a:t>
+            </a:r>
             <a:endParaRPr/>
           </a:p>
         </p:txBody>
@@ -12800,10 +13678,10 @@
   <p:timing>
     <p:tnLst>
       <p:par>
-        <p:cTn id="15" dur="indefinite" restart="never" nodeType="tmRoot">
+        <p:cTn id="13" dur="indefinite" restart="never" nodeType="tmRoot">
           <p:childTnLst>
             <p:seq>
-              <p:cTn id="16" nodeType="mainSeq"/>
+              <p:cTn id="14" nodeType="mainSeq"/>
               <p:prevCondLst>
                 <p:cond delay="0" evt="onPrev">
                   <p:tgtEl>
@@ -12846,14 +13724,14 @@
       </p:grpSpPr>
       <p:sp>
         <p:nvSpPr>
-          <p:cNvPr id="240" name="CustomShape 1"/>
+          <p:cNvPr id="239" name="CustomShape 1"/>
           <p:cNvSpPr/>
           <p:nvPr/>
         </p:nvSpPr>
         <p:spPr>
           <a:xfrm>
             <a:off x="504000" y="301320"/>
-            <a:ext cx="9070200" cy="1260000"/>
+            <a:ext cx="9068400" cy="1258920"/>
           </a:xfrm>
           <a:prstGeom prst="rect">
             <a:avLst/>
@@ -12898,14 +13776,14 @@
       </p:sp>
       <p:sp>
         <p:nvSpPr>
-          <p:cNvPr id="241" name="CustomShape 2"/>
+          <p:cNvPr id="240" name="CustomShape 2"/>
           <p:cNvSpPr/>
           <p:nvPr/>
         </p:nvSpPr>
         <p:spPr>
           <a:xfrm>
-            <a:off x="216000" y="1584000"/>
-            <a:ext cx="9358200" cy="2904120"/>
+            <a:off x="504000" y="1769040"/>
+            <a:ext cx="9068400" cy="4381200"/>
           </a:xfrm>
           <a:prstGeom prst="rect">
             <a:avLst/>
@@ -12921,6 +13799,32 @@
           <a:effectRef idx="0"/>
           <a:fontRef idx="minor"/>
         </p:style>
+      </p:sp>
+      <p:sp>
+        <p:nvSpPr>
+          <p:cNvPr id="241" name="CustomShape 3"/>
+          <p:cNvSpPr/>
+          <p:nvPr/>
+        </p:nvSpPr>
+        <p:spPr>
+          <a:xfrm>
+            <a:off x="648000" y="1562040"/>
+            <a:ext cx="8782200" cy="3672000"/>
+          </a:xfrm>
+          <a:prstGeom prst="rect">
+            <a:avLst/>
+          </a:prstGeom>
+          <a:noFill/>
+          <a:ln>
+            <a:noFill/>
+          </a:ln>
+        </p:spPr>
+        <p:style>
+          <a:lnRef idx="0"/>
+          <a:fillRef idx="0"/>
+          <a:effectRef idx="0"/>
+          <a:fontRef idx="minor"/>
+        </p:style>
         <p:txBody>
           <a:bodyPr lIns="90000" rIns="90000" tIns="45000" bIns="45000"/>
           <a:p>
@@ -12937,11 +13841,8 @@
                 <a:latin typeface="Arial"/>
                 <a:ea typeface="DejaVu Sans"/>
               </a:rPr>
-              <a:t>Como calcular max1, min1 y max2 ?</a:t>
-            </a:r>
-            <a:endParaRPr/>
-          </a:p>
-          <a:p>
+              <a:t>A1max = (1-gamma)*A1max + delta*STM1medio</a:t>
+            </a:r>
             <a:endParaRPr/>
           </a:p>
           <a:p>
@@ -12958,11 +13859,8 @@
                 <a:latin typeface="Arial"/>
                 <a:ea typeface="DejaVu Sans"/>
               </a:rPr>
-              <a:t>Crecimiento :</a:t>
-            </a:r>
-            <a:endParaRPr/>
-          </a:p>
-          <a:p>
+              <a:t>→ </a:t>
+            </a:r>
             <a:r>
               <a:rPr lang="fr-FR" sz="1800" spc="-1" strike="noStrike">
                 <a:solidFill>
@@ -12976,7 +13874,7 @@
                 <a:latin typeface="Arial"/>
                 <a:ea typeface="DejaVu Sans"/>
               </a:rPr>
-              <a:t>Si stm(0) = a → stm(n) =  </a:t>
+              <a:t>A1max = (delta/gamma)*STM1medio</a:t>
             </a:r>
             <a:endParaRPr/>
           </a:p>
@@ -12997,8 +13895,11 @@
                 <a:latin typeface="Arial"/>
                 <a:ea typeface="DejaVu Sans"/>
               </a:rPr>
-              <a:t>Decaimiento : </a:t>
-            </a:r>
+              <a:t>La misma par A2max</a:t>
+            </a:r>
+            <a:endParaRPr/>
+          </a:p>
+          <a:p>
             <a:endParaRPr/>
           </a:p>
           <a:p>
@@ -13015,7 +13916,7 @@
                 <a:latin typeface="Arial"/>
                 <a:ea typeface="DejaVu Sans"/>
               </a:rPr>
-              <a:t>Si stm(0) = b → stm(n) = b*(1-beta)^n</a:t>
+              <a:t>Como calcular STMmedio ? Superficia abajo de la curba dividido por la duración de un trial cuando STM está a su maximum</a:t>
             </a:r>
             <a:endParaRPr/>
           </a:p>
@@ -13036,7 +13937,28 @@
                 <a:latin typeface="Arial"/>
                 <a:ea typeface="DejaVu Sans"/>
               </a:rPr>
-              <a:t>Iteración : stm(5) → stm(25) → stm(30) → stm(50) → stm(55) → ,,,</a:t>
+              <a:t>Para STM1medio : suma de la superficia de un triángulo y de la superficia de un rectángulo</a:t>
+            </a:r>
+            <a:endParaRPr/>
+          </a:p>
+          <a:p>
+            <a:endParaRPr/>
+          </a:p>
+          <a:p>
+            <a:r>
+              <a:rPr lang="fr-FR" sz="1800" spc="-1" strike="noStrike">
+                <a:solidFill>
+                  <a:srgbClr val="000000"/>
+                </a:solidFill>
+                <a:uFill>
+                  <a:solidFill>
+                    <a:srgbClr val="ffffff"/>
+                  </a:solidFill>
+                </a:uFill>
+                <a:latin typeface="Arial"/>
+                <a:ea typeface="DejaVu Sans"/>
+              </a:rPr>
+              <a:t>Para STM2medio : superficia de un triángulo</a:t>
             </a:r>
             <a:endParaRPr/>
           </a:p>
@@ -13053,10 +13975,10 @@
   <p:timing>
     <p:tnLst>
       <p:par>
-        <p:cTn id="17" dur="indefinite" restart="never" nodeType="tmRoot">
+        <p:cTn id="15" dur="indefinite" restart="never" nodeType="tmRoot">
           <p:childTnLst>
             <p:seq>
-              <p:cTn id="18" nodeType="mainSeq"/>
+              <p:cTn id="16" nodeType="mainSeq"/>
               <p:prevCondLst>
                 <p:cond delay="0" evt="onPrev">
                   <p:tgtEl>
